--- a/docs/songs_2025-02-02.pptx
+++ b/docs/songs_2025-02-02.pptx
@@ -5,46 +5,53 @@
     <p:sldMasterId id="2147483648" r:id="rId1"/>
   </p:sldMasterIdLst>
   <p:notesMasterIdLst>
-    <p:notesMasterId r:id="rId39"/>
+    <p:notesMasterId r:id="rId46"/>
   </p:notesMasterIdLst>
   <p:sldIdLst>
     <p:sldId id="950" r:id="rId2"/>
     <p:sldId id="1236" r:id="rId3"/>
-    <p:sldId id="1215" r:id="rId4"/>
-    <p:sldId id="1216" r:id="rId5"/>
-    <p:sldId id="1217" r:id="rId6"/>
-    <p:sldId id="1218" r:id="rId7"/>
-    <p:sldId id="1235" r:id="rId8"/>
-    <p:sldId id="518" r:id="rId9"/>
-    <p:sldId id="520" r:id="rId10"/>
-    <p:sldId id="521" r:id="rId11"/>
-    <p:sldId id="522" r:id="rId12"/>
-    <p:sldId id="838" r:id="rId13"/>
-    <p:sldId id="840" r:id="rId14"/>
-    <p:sldId id="524" r:id="rId15"/>
-    <p:sldId id="841" r:id="rId16"/>
-    <p:sldId id="842" r:id="rId17"/>
-    <p:sldId id="843" r:id="rId18"/>
-    <p:sldId id="525" r:id="rId19"/>
-    <p:sldId id="1233" r:id="rId20"/>
-    <p:sldId id="1237" r:id="rId21"/>
-    <p:sldId id="1238" r:id="rId22"/>
-    <p:sldId id="1239" r:id="rId23"/>
-    <p:sldId id="1240" r:id="rId24"/>
-    <p:sldId id="523" r:id="rId25"/>
-    <p:sldId id="1241" r:id="rId26"/>
-    <p:sldId id="1242" r:id="rId27"/>
-    <p:sldId id="1243" r:id="rId28"/>
-    <p:sldId id="1244" r:id="rId29"/>
-    <p:sldId id="1245" r:id="rId30"/>
-    <p:sldId id="1246" r:id="rId31"/>
-    <p:sldId id="954" r:id="rId32"/>
-    <p:sldId id="1171" r:id="rId33"/>
-    <p:sldId id="1214" r:id="rId34"/>
-    <p:sldId id="1122" r:id="rId35"/>
-    <p:sldId id="1247" r:id="rId36"/>
-    <p:sldId id="1248" r:id="rId37"/>
-    <p:sldId id="946" r:id="rId38"/>
+    <p:sldId id="1249" r:id="rId4"/>
+    <p:sldId id="1250" r:id="rId5"/>
+    <p:sldId id="1251" r:id="rId6"/>
+    <p:sldId id="1252" r:id="rId7"/>
+    <p:sldId id="1253" r:id="rId8"/>
+    <p:sldId id="1254" r:id="rId9"/>
+    <p:sldId id="1255" r:id="rId10"/>
+    <p:sldId id="1215" r:id="rId11"/>
+    <p:sldId id="1216" r:id="rId12"/>
+    <p:sldId id="1217" r:id="rId13"/>
+    <p:sldId id="1218" r:id="rId14"/>
+    <p:sldId id="1235" r:id="rId15"/>
+    <p:sldId id="518" r:id="rId16"/>
+    <p:sldId id="520" r:id="rId17"/>
+    <p:sldId id="521" r:id="rId18"/>
+    <p:sldId id="522" r:id="rId19"/>
+    <p:sldId id="838" r:id="rId20"/>
+    <p:sldId id="840" r:id="rId21"/>
+    <p:sldId id="524" r:id="rId22"/>
+    <p:sldId id="841" r:id="rId23"/>
+    <p:sldId id="842" r:id="rId24"/>
+    <p:sldId id="843" r:id="rId25"/>
+    <p:sldId id="525" r:id="rId26"/>
+    <p:sldId id="1233" r:id="rId27"/>
+    <p:sldId id="1237" r:id="rId28"/>
+    <p:sldId id="1238" r:id="rId29"/>
+    <p:sldId id="1239" r:id="rId30"/>
+    <p:sldId id="1240" r:id="rId31"/>
+    <p:sldId id="523" r:id="rId32"/>
+    <p:sldId id="1241" r:id="rId33"/>
+    <p:sldId id="1242" r:id="rId34"/>
+    <p:sldId id="1243" r:id="rId35"/>
+    <p:sldId id="1244" r:id="rId36"/>
+    <p:sldId id="1245" r:id="rId37"/>
+    <p:sldId id="1246" r:id="rId38"/>
+    <p:sldId id="954" r:id="rId39"/>
+    <p:sldId id="1171" r:id="rId40"/>
+    <p:sldId id="1214" r:id="rId41"/>
+    <p:sldId id="1122" r:id="rId42"/>
+    <p:sldId id="1247" r:id="rId43"/>
+    <p:sldId id="1248" r:id="rId44"/>
+    <p:sldId id="946" r:id="rId45"/>
   </p:sldIdLst>
   <p:sldSz cx="9144000" cy="6858000" type="screen4x3"/>
   <p:notesSz cx="6858000" cy="9144000"/>
@@ -150,6 +157,13 @@
           <p14:sldIdLst>
             <p14:sldId id="950"/>
             <p14:sldId id="1236"/>
+            <p14:sldId id="1249"/>
+            <p14:sldId id="1250"/>
+            <p14:sldId id="1251"/>
+            <p14:sldId id="1252"/>
+            <p14:sldId id="1253"/>
+            <p14:sldId id="1254"/>
+            <p14:sldId id="1255"/>
             <p14:sldId id="1215"/>
             <p14:sldId id="1216"/>
             <p14:sldId id="1217"/>
@@ -898,7 +912,7 @@
           <a:p>
             <a:fld id="{E79B61DE-1D46-4752-AF65-FA2C4EB0D1D0}" type="slidenum">
               <a:rPr lang="en-GB" smtClean="0"/>
-              <a:t>7</a:t>
+              <a:t>14</a:t>
             </a:fld>
             <a:endParaRPr lang="en-GB"/>
           </a:p>
@@ -1006,7 +1020,7 @@
           <a:p>
             <a:fld id="{E79B61DE-1D46-4752-AF65-FA2C4EB0D1D0}" type="slidenum">
               <a:rPr lang="en-GB" smtClean="0"/>
-              <a:t>19</a:t>
+              <a:t>26</a:t>
             </a:fld>
             <a:endParaRPr lang="en-GB"/>
           </a:p>
@@ -1090,7 +1104,7 @@
           <a:p>
             <a:fld id="{E79B61DE-1D46-4752-AF65-FA2C4EB0D1D0}" type="slidenum">
               <a:rPr lang="en-GB" smtClean="0"/>
-              <a:t>31</a:t>
+              <a:t>38</a:t>
             </a:fld>
             <a:endParaRPr lang="en-GB"/>
           </a:p>
@@ -1174,7 +1188,7 @@
           <a:p>
             <a:fld id="{E79B61DE-1D46-4752-AF65-FA2C4EB0D1D0}" type="slidenum">
               <a:rPr lang="en-GB" smtClean="0"/>
-              <a:t>33</a:t>
+              <a:t>40</a:t>
             </a:fld>
             <a:endParaRPr lang="en-GB"/>
           </a:p>
@@ -1258,7 +1272,7 @@
           <a:p>
             <a:fld id="{E79B61DE-1D46-4752-AF65-FA2C4EB0D1D0}" type="slidenum">
               <a:rPr lang="en-GB" smtClean="0"/>
-              <a:t>34</a:t>
+              <a:t>41</a:t>
             </a:fld>
             <a:endParaRPr lang="en-GB"/>
           </a:p>
@@ -1342,7 +1356,7 @@
           <a:p>
             <a:fld id="{E79B61DE-1D46-4752-AF65-FA2C4EB0D1D0}" type="slidenum">
               <a:rPr lang="en-GB" smtClean="0"/>
-              <a:t>37</a:t>
+              <a:t>44</a:t>
             </a:fld>
             <a:endParaRPr lang="en-GB"/>
           </a:p>
@@ -5089,7 +5103,7 @@
         </p:nvSpPr>
         <p:spPr>
           <a:xfrm>
-            <a:off x="251520" y="764704"/>
+            <a:off x="323528" y="188640"/>
             <a:ext cx="8640960" cy="6480720"/>
           </a:xfrm>
         </p:spPr>
@@ -5099,96 +5113,122 @@
           </a:bodyPr>
           <a:lstStyle/>
           <a:p>
-            <a:r>
-              <a:rPr lang="en-GB" sz="3600" dirty="0">
-                <a:solidFill>
-                  <a:schemeClr val="bg1"/>
-                </a:solidFill>
-              </a:rPr>
-              <a:t>(Jesus) Your name is the highest</a:t>
-            </a:r>
-          </a:p>
-          <a:p>
-            <a:r>
-              <a:rPr lang="en-GB" sz="3600" dirty="0">
-                <a:solidFill>
-                  <a:schemeClr val="bg1"/>
-                </a:solidFill>
-              </a:rPr>
-              <a:t>Your name is the greatest</a:t>
-            </a:r>
-          </a:p>
-          <a:p>
-            <a:r>
-              <a:rPr lang="en-GB" sz="3600" dirty="0">
-                <a:solidFill>
-                  <a:schemeClr val="bg1"/>
-                </a:solidFill>
-              </a:rPr>
-              <a:t>Your name stands above them all</a:t>
-            </a:r>
-          </a:p>
-          <a:p>
-            <a:r>
-              <a:rPr lang="en-GB" sz="3600" dirty="0">
-                <a:solidFill>
-                  <a:schemeClr val="bg1"/>
-                </a:solidFill>
-              </a:rPr>
-              <a:t>All thrones and dominions</a:t>
-            </a:r>
-          </a:p>
-          <a:p>
-            <a:r>
-              <a:rPr lang="en-GB" sz="3600" dirty="0">
-                <a:solidFill>
-                  <a:schemeClr val="bg1"/>
-                </a:solidFill>
-              </a:rPr>
-              <a:t>All powers and positions</a:t>
-            </a:r>
-          </a:p>
-          <a:p>
-            <a:r>
-              <a:rPr lang="en-GB" sz="3600" dirty="0">
-                <a:solidFill>
-                  <a:schemeClr val="bg1"/>
-                </a:solidFill>
-              </a:rPr>
-              <a:t>Your name stands above them all</a:t>
-            </a:r>
-          </a:p>
-        </p:txBody>
-      </p:sp>
-      <p:sp>
-        <p:nvSpPr>
-          <p:cNvPr id="4" name="TextBox 3"/>
-          <p:cNvSpPr txBox="1"/>
-          <p:nvPr/>
-        </p:nvSpPr>
-        <p:spPr>
-          <a:xfrm>
-            <a:off x="8359811" y="-42193"/>
-            <a:ext cx="784189" cy="461665"/>
-          </a:xfrm>
-          <a:prstGeom prst="rect">
-            <a:avLst/>
-          </a:prstGeom>
-          <a:noFill/>
-        </p:spPr>
-        <p:txBody>
-          <a:bodyPr wrap="none" rtlCol="0">
-            <a:spAutoFit/>
-          </a:bodyPr>
-          <a:lstStyle/>
-          <a:p>
-            <a:r>
-              <a:rPr lang="en-GB" sz="2400" b="1" dirty="0">
-                <a:solidFill>
-                  <a:schemeClr val="bg1"/>
-                </a:solidFill>
-              </a:rPr>
-              <a:t>2/10</a:t>
+            <a:endParaRPr lang="en-GB" sz="5400" dirty="0">
+              <a:solidFill>
+                <a:schemeClr val="bg1"/>
+              </a:solidFill>
+            </a:endParaRPr>
+          </a:p>
+          <a:p>
+            <a:r>
+              <a:rPr lang="en-GB" sz="4400" b="0" i="0" dirty="0">
+                <a:solidFill>
+                  <a:srgbClr val="00A3E0"/>
+                </a:solidFill>
+                <a:effectLst/>
+                <a:latin typeface="akagi_probook"/>
+              </a:rPr>
+              <a:t>Open The Eyes of My Heart</a:t>
+            </a:r>
+          </a:p>
+          <a:p>
+            <a:r>
+              <a:rPr lang="en-GB" sz="1200" dirty="0">
+                <a:solidFill>
+                  <a:schemeClr val="bg1"/>
+                </a:solidFill>
+              </a:rPr>
+              <a:t>CCLI Song # 2298355</a:t>
+            </a:r>
+          </a:p>
+          <a:p>
+            <a:endParaRPr lang="en-GB" sz="1200" dirty="0">
+              <a:solidFill>
+                <a:schemeClr val="bg1"/>
+              </a:solidFill>
+            </a:endParaRPr>
+          </a:p>
+          <a:p>
+            <a:r>
+              <a:rPr lang="en-GB" sz="1200" dirty="0">
+                <a:solidFill>
+                  <a:schemeClr val="bg1"/>
+                </a:solidFill>
+              </a:rPr>
+              <a:t>Paul </a:t>
+            </a:r>
+            <a:r>
+              <a:rPr lang="en-GB" sz="1200" dirty="0" err="1">
+                <a:solidFill>
+                  <a:schemeClr val="bg1"/>
+                </a:solidFill>
+              </a:rPr>
+              <a:t>Baloche</a:t>
+            </a:r>
+            <a:endParaRPr lang="en-GB" sz="1200" dirty="0">
+              <a:solidFill>
+                <a:schemeClr val="bg1"/>
+              </a:solidFill>
+            </a:endParaRPr>
+          </a:p>
+          <a:p>
+            <a:endParaRPr lang="en-GB" sz="1200" dirty="0">
+              <a:solidFill>
+                <a:schemeClr val="bg1"/>
+              </a:solidFill>
+            </a:endParaRPr>
+          </a:p>
+          <a:p>
+            <a:r>
+              <a:rPr lang="en-GB" sz="1200" dirty="0">
+                <a:solidFill>
+                  <a:schemeClr val="bg1"/>
+                </a:solidFill>
+              </a:rPr>
+              <a:t>© 1997 Integrity's Hosanna! Music (Admin. by Integrity Music Ltd)</a:t>
+            </a:r>
+          </a:p>
+          <a:p>
+            <a:r>
+              <a:rPr lang="en-GB" sz="1200" dirty="0">
+                <a:solidFill>
+                  <a:schemeClr val="bg1"/>
+                </a:solidFill>
+              </a:rPr>
+              <a:t>For use solely with the </a:t>
+            </a:r>
+            <a:r>
+              <a:rPr lang="en-GB" sz="1200" dirty="0" err="1">
+                <a:solidFill>
+                  <a:schemeClr val="bg1"/>
+                </a:solidFill>
+              </a:rPr>
+              <a:t>SongSelect</a:t>
+            </a:r>
+            <a:r>
+              <a:rPr lang="en-GB" sz="1200" dirty="0">
+                <a:solidFill>
+                  <a:schemeClr val="bg1"/>
+                </a:solidFill>
+              </a:rPr>
+              <a:t>® Terms of Use. All rights reserved. www.ccli.com</a:t>
+            </a:r>
+          </a:p>
+          <a:p>
+            <a:endParaRPr lang="en-GB" sz="1200" dirty="0">
+              <a:solidFill>
+                <a:schemeClr val="bg1"/>
+              </a:solidFill>
+            </a:endParaRPr>
+          </a:p>
+          <a:p>
+            <a:r>
+              <a:rPr lang="en-GB" sz="1200" dirty="0">
+                <a:solidFill>
+                  <a:schemeClr val="bg1"/>
+                </a:solidFill>
+              </a:rPr>
+              <a:t>CCLI Licence No. 33265</a:t>
             </a:r>
           </a:p>
         </p:txBody>
@@ -5196,7 +5236,7 @@
     </p:spTree>
     <p:extLst>
       <p:ext uri="{BB962C8B-B14F-4D97-AF65-F5344CB8AC3E}">
-        <p14:creationId xmlns:p14="http://schemas.microsoft.com/office/powerpoint/2010/main" val="649780886"/>
+        <p14:creationId xmlns:p14="http://schemas.microsoft.com/office/powerpoint/2010/main" val="2240796434"/>
       </p:ext>
     </p:extLst>
   </p:cSld>
@@ -5235,7 +5275,7 @@
         </p:nvSpPr>
         <p:spPr>
           <a:xfrm>
-            <a:off x="323528" y="764704"/>
+            <a:off x="251520" y="692696"/>
             <a:ext cx="8640960" cy="6480720"/>
           </a:xfrm>
         </p:spPr>
@@ -5246,42 +5286,42 @@
           <a:lstStyle/>
           <a:p>
             <a:r>
-              <a:rPr lang="en-GB" sz="3600" dirty="0">
-                <a:solidFill>
-                  <a:schemeClr val="bg1"/>
-                </a:solidFill>
-              </a:rPr>
-              <a:t>And the angels cry Holy</a:t>
-            </a:r>
-          </a:p>
-          <a:p>
-            <a:r>
-              <a:rPr lang="en-GB" sz="3600" dirty="0">
-                <a:solidFill>
-                  <a:schemeClr val="bg1"/>
-                </a:solidFill>
-              </a:rPr>
-              <a:t>All creation cries Holy</a:t>
-            </a:r>
-          </a:p>
-          <a:p>
-            <a:r>
-              <a:rPr lang="en-GB" sz="3600" dirty="0">
-                <a:solidFill>
-                  <a:schemeClr val="bg1"/>
-                </a:solidFill>
-              </a:rPr>
-              <a:t>You are lifted high Holy</a:t>
-            </a:r>
-          </a:p>
-          <a:p>
-            <a:r>
-              <a:rPr lang="en-GB" sz="3600" dirty="0">
-                <a:solidFill>
-                  <a:schemeClr val="bg1"/>
-                </a:solidFill>
-              </a:rPr>
-              <a:t>Holy forever</a:t>
+              <a:rPr lang="en-GB" sz="4000" dirty="0">
+                <a:solidFill>
+                  <a:schemeClr val="bg1"/>
+                </a:solidFill>
+              </a:rPr>
+              <a:t>Open the eyes of my heart Lord</a:t>
+            </a:r>
+          </a:p>
+          <a:p>
+            <a:r>
+              <a:rPr lang="en-GB" sz="4000" dirty="0">
+                <a:solidFill>
+                  <a:schemeClr val="bg1"/>
+                </a:solidFill>
+              </a:rPr>
+              <a:t>Open the eyes of my heart</a:t>
+            </a:r>
+          </a:p>
+          <a:p>
+            <a:r>
+              <a:rPr lang="en-GB" sz="4000" dirty="0">
+                <a:solidFill>
+                  <a:schemeClr val="bg1"/>
+                </a:solidFill>
+              </a:rPr>
+              <a:t>I want to see You</a:t>
+            </a:r>
+          </a:p>
+          <a:p>
+            <a:r>
+              <a:rPr lang="en-GB" sz="4000" dirty="0">
+                <a:solidFill>
+                  <a:schemeClr val="bg1"/>
+                </a:solidFill>
+              </a:rPr>
+              <a:t>I want to see You</a:t>
             </a:r>
           </a:p>
         </p:txBody>
@@ -5294,8 +5334,8 @@
         </p:nvSpPr>
         <p:spPr>
           <a:xfrm>
-            <a:off x="8428377" y="0"/>
-            <a:ext cx="784189" cy="461665"/>
+            <a:off x="8529729" y="0"/>
+            <a:ext cx="628698" cy="461665"/>
           </a:xfrm>
           <a:prstGeom prst="rect">
             <a:avLst/>
@@ -5314,7 +5354,7 @@
                   <a:schemeClr val="bg1"/>
                 </a:solidFill>
               </a:rPr>
-              <a:t>3/10</a:t>
+              <a:t>1/3</a:t>
             </a:r>
           </a:p>
         </p:txBody>
@@ -5322,7 +5362,7 @@
     </p:spTree>
     <p:extLst>
       <p:ext uri="{BB962C8B-B14F-4D97-AF65-F5344CB8AC3E}">
-        <p14:creationId xmlns:p14="http://schemas.microsoft.com/office/powerpoint/2010/main" val="1408307130"/>
+        <p14:creationId xmlns:p14="http://schemas.microsoft.com/office/powerpoint/2010/main" val="4181510961"/>
       </p:ext>
     </p:extLst>
   </p:cSld>
@@ -5361,7 +5401,7 @@
         </p:nvSpPr>
         <p:spPr>
           <a:xfrm>
-            <a:off x="251520" y="764704"/>
+            <a:off x="323528" y="692696"/>
             <a:ext cx="8640960" cy="6480720"/>
           </a:xfrm>
         </p:spPr>
@@ -5372,53 +5412,72 @@
           <a:lstStyle/>
           <a:p>
             <a:r>
-              <a:rPr lang="en-GB" sz="3600" dirty="0">
-                <a:solidFill>
-                  <a:schemeClr val="bg1"/>
-                </a:solidFill>
-              </a:rPr>
-              <a:t>If you've been forgiven and if you've been redeemed</a:t>
-            </a:r>
-          </a:p>
-          <a:p>
-            <a:r>
-              <a:rPr lang="en-GB" sz="3600" dirty="0">
-                <a:solidFill>
-                  <a:schemeClr val="bg1"/>
-                </a:solidFill>
-              </a:rPr>
-              <a:t>Sing the song forever to the Lamb</a:t>
-            </a:r>
-          </a:p>
-          <a:p>
-            <a:r>
-              <a:rPr lang="en-GB" sz="3600" dirty="0">
-                <a:solidFill>
-                  <a:schemeClr val="bg1"/>
-                </a:solidFill>
-              </a:rPr>
-              <a:t>If you walk in freedom and if you bear His name</a:t>
-            </a:r>
-          </a:p>
-          <a:p>
-            <a:r>
-              <a:rPr lang="en-GB" sz="3600" dirty="0">
-                <a:solidFill>
-                  <a:schemeClr val="bg1"/>
-                </a:solidFill>
-              </a:rPr>
-              <a:t>Sing the song forever to the Lamb</a:t>
-            </a:r>
-          </a:p>
-          <a:p>
-            <a:r>
-              <a:rPr lang="en-GB" sz="3600" dirty="0">
-                <a:solidFill>
-                  <a:schemeClr val="bg1"/>
-                </a:solidFill>
-              </a:rPr>
-              <a:t>We'll sing the song forever and amen</a:t>
-            </a:r>
+              <a:rPr lang="en-GB" sz="4000" dirty="0">
+                <a:solidFill>
+                  <a:schemeClr val="bg1"/>
+                </a:solidFill>
+              </a:rPr>
+              <a:t>To see You high and lifted up</a:t>
+            </a:r>
+          </a:p>
+          <a:p>
+            <a:r>
+              <a:rPr lang="en-GB" sz="4000" dirty="0">
+                <a:solidFill>
+                  <a:schemeClr val="bg1"/>
+                </a:solidFill>
+              </a:rPr>
+              <a:t>Shining in the light of Your glory</a:t>
+            </a:r>
+          </a:p>
+          <a:p>
+            <a:r>
+              <a:rPr lang="en-GB" sz="4000" dirty="0">
+                <a:solidFill>
+                  <a:schemeClr val="bg1"/>
+                </a:solidFill>
+              </a:rPr>
+              <a:t>Pour out Your power and love</a:t>
+            </a:r>
+          </a:p>
+          <a:p>
+            <a:r>
+              <a:rPr lang="en-GB" sz="4000" dirty="0">
+                <a:solidFill>
+                  <a:schemeClr val="bg1"/>
+                </a:solidFill>
+              </a:rPr>
+              <a:t>As we sing holy </a:t>
+            </a:r>
+            <a:r>
+              <a:rPr lang="en-GB" sz="4000" dirty="0" err="1">
+                <a:solidFill>
+                  <a:schemeClr val="bg1"/>
+                </a:solidFill>
+              </a:rPr>
+              <a:t>holy</a:t>
+            </a:r>
+            <a:r>
+              <a:rPr lang="en-GB" sz="4000" dirty="0">
+                <a:solidFill>
+                  <a:schemeClr val="bg1"/>
+                </a:solidFill>
+              </a:rPr>
+              <a:t> </a:t>
+            </a:r>
+            <a:r>
+              <a:rPr lang="en-GB" sz="4000" dirty="0" err="1">
+                <a:solidFill>
+                  <a:schemeClr val="bg1"/>
+                </a:solidFill>
+              </a:rPr>
+              <a:t>holy</a:t>
+            </a:r>
+            <a:endParaRPr lang="en-GB" sz="4000" dirty="0">
+              <a:solidFill>
+                <a:schemeClr val="bg1"/>
+              </a:solidFill>
+            </a:endParaRPr>
           </a:p>
         </p:txBody>
       </p:sp>
@@ -5430,8 +5489,8 @@
         </p:nvSpPr>
         <p:spPr>
           <a:xfrm>
-            <a:off x="8428377" y="0"/>
-            <a:ext cx="784189" cy="461665"/>
+            <a:off x="8529729" y="0"/>
+            <a:ext cx="628698" cy="461665"/>
           </a:xfrm>
           <a:prstGeom prst="rect">
             <a:avLst/>
@@ -5450,7 +5509,7 @@
                   <a:schemeClr val="bg1"/>
                 </a:solidFill>
               </a:rPr>
-              <a:t>4/10</a:t>
+              <a:t>2/3</a:t>
             </a:r>
           </a:p>
         </p:txBody>
@@ -5458,7 +5517,7 @@
     </p:spTree>
     <p:extLst>
       <p:ext uri="{BB962C8B-B14F-4D97-AF65-F5344CB8AC3E}">
-        <p14:creationId xmlns:p14="http://schemas.microsoft.com/office/powerpoint/2010/main" val="2044400062"/>
+        <p14:creationId xmlns:p14="http://schemas.microsoft.com/office/powerpoint/2010/main" val="2144799739"/>
       </p:ext>
     </p:extLst>
   </p:cSld>
@@ -5508,42 +5567,129 @@
           <a:lstStyle/>
           <a:p>
             <a:r>
-              <a:rPr lang="en-GB" sz="3600" dirty="0">
-                <a:solidFill>
-                  <a:schemeClr val="bg1"/>
-                </a:solidFill>
-              </a:rPr>
-              <a:t>And the angels cry Holy</a:t>
-            </a:r>
-          </a:p>
-          <a:p>
-            <a:r>
-              <a:rPr lang="en-GB" sz="3600" dirty="0">
-                <a:solidFill>
-                  <a:schemeClr val="bg1"/>
-                </a:solidFill>
-              </a:rPr>
-              <a:t>All creation cries Holy</a:t>
-            </a:r>
-          </a:p>
-          <a:p>
-            <a:r>
-              <a:rPr lang="en-GB" sz="3600" dirty="0">
-                <a:solidFill>
-                  <a:schemeClr val="bg1"/>
-                </a:solidFill>
-              </a:rPr>
-              <a:t>You are lifted high Holy</a:t>
-            </a:r>
-          </a:p>
-          <a:p>
-            <a:r>
-              <a:rPr lang="en-GB" sz="3600" dirty="0">
-                <a:solidFill>
-                  <a:schemeClr val="bg1"/>
-                </a:solidFill>
-              </a:rPr>
-              <a:t>Holy forever</a:t>
+              <a:rPr lang="en-GB" sz="4000" dirty="0">
+                <a:solidFill>
+                  <a:schemeClr val="bg1"/>
+                </a:solidFill>
+              </a:rPr>
+              <a:t>Holy </a:t>
+            </a:r>
+            <a:r>
+              <a:rPr lang="en-GB" sz="4000" dirty="0" err="1">
+                <a:solidFill>
+                  <a:schemeClr val="bg1"/>
+                </a:solidFill>
+              </a:rPr>
+              <a:t>holy</a:t>
+            </a:r>
+            <a:r>
+              <a:rPr lang="en-GB" sz="4000" dirty="0">
+                <a:solidFill>
+                  <a:schemeClr val="bg1"/>
+                </a:solidFill>
+              </a:rPr>
+              <a:t> </a:t>
+            </a:r>
+            <a:r>
+              <a:rPr lang="en-GB" sz="4000" dirty="0" err="1">
+                <a:solidFill>
+                  <a:schemeClr val="bg1"/>
+                </a:solidFill>
+              </a:rPr>
+              <a:t>holy</a:t>
+            </a:r>
+            <a:endParaRPr lang="en-GB" sz="4000" dirty="0">
+              <a:solidFill>
+                <a:schemeClr val="bg1"/>
+              </a:solidFill>
+            </a:endParaRPr>
+          </a:p>
+          <a:p>
+            <a:r>
+              <a:rPr lang="en-GB" sz="4000" dirty="0">
+                <a:solidFill>
+                  <a:schemeClr val="bg1"/>
+                </a:solidFill>
+              </a:rPr>
+              <a:t>Holy </a:t>
+            </a:r>
+            <a:r>
+              <a:rPr lang="en-GB" sz="4000" dirty="0" err="1">
+                <a:solidFill>
+                  <a:schemeClr val="bg1"/>
+                </a:solidFill>
+              </a:rPr>
+              <a:t>holy</a:t>
+            </a:r>
+            <a:r>
+              <a:rPr lang="en-GB" sz="4000" dirty="0">
+                <a:solidFill>
+                  <a:schemeClr val="bg1"/>
+                </a:solidFill>
+              </a:rPr>
+              <a:t> </a:t>
+            </a:r>
+            <a:r>
+              <a:rPr lang="en-GB" sz="4000" dirty="0" err="1">
+                <a:solidFill>
+                  <a:schemeClr val="bg1"/>
+                </a:solidFill>
+              </a:rPr>
+              <a:t>holy</a:t>
+            </a:r>
+            <a:endParaRPr lang="en-GB" sz="4000" dirty="0">
+              <a:solidFill>
+                <a:schemeClr val="bg1"/>
+              </a:solidFill>
+            </a:endParaRPr>
+          </a:p>
+          <a:p>
+            <a:r>
+              <a:rPr lang="en-GB" sz="4000" dirty="0">
+                <a:solidFill>
+                  <a:schemeClr val="bg1"/>
+                </a:solidFill>
+              </a:rPr>
+              <a:t>Holy </a:t>
+            </a:r>
+            <a:r>
+              <a:rPr lang="en-GB" sz="4000" dirty="0" err="1">
+                <a:solidFill>
+                  <a:schemeClr val="bg1"/>
+                </a:solidFill>
+              </a:rPr>
+              <a:t>holy</a:t>
+            </a:r>
+            <a:r>
+              <a:rPr lang="en-GB" sz="4000" dirty="0">
+                <a:solidFill>
+                  <a:schemeClr val="bg1"/>
+                </a:solidFill>
+              </a:rPr>
+              <a:t> </a:t>
+            </a:r>
+            <a:r>
+              <a:rPr lang="en-GB" sz="4000" dirty="0" err="1">
+                <a:solidFill>
+                  <a:schemeClr val="bg1"/>
+                </a:solidFill>
+              </a:rPr>
+              <a:t>holy</a:t>
+            </a:r>
+            <a:endParaRPr lang="en-GB" sz="4000" dirty="0">
+              <a:solidFill>
+                <a:schemeClr val="bg1"/>
+              </a:solidFill>
+            </a:endParaRPr>
+          </a:p>
+          <a:p>
+            <a:r>
+              <a:rPr lang="en-GB" sz="4000" dirty="0">
+                <a:solidFill>
+                  <a:schemeClr val="bg1"/>
+                </a:solidFill>
+              </a:rPr>
+              <a:t>I want to see You</a:t>
             </a:r>
           </a:p>
         </p:txBody>
@@ -5556,8 +5702,8 @@
         </p:nvSpPr>
         <p:spPr>
           <a:xfrm>
-            <a:off x="8244408" y="44624"/>
-            <a:ext cx="784189" cy="461665"/>
+            <a:off x="8529729" y="0"/>
+            <a:ext cx="628698" cy="461665"/>
           </a:xfrm>
           <a:prstGeom prst="rect">
             <a:avLst/>
@@ -5576,7 +5722,7 @@
                   <a:schemeClr val="bg1"/>
                 </a:solidFill>
               </a:rPr>
-              <a:t>5/10</a:t>
+              <a:t>3/3</a:t>
             </a:r>
           </a:p>
         </p:txBody>
@@ -5584,7 +5730,7 @@
     </p:spTree>
     <p:extLst>
       <p:ext uri="{BB962C8B-B14F-4D97-AF65-F5344CB8AC3E}">
-        <p14:creationId xmlns:p14="http://schemas.microsoft.com/office/powerpoint/2010/main" val="2864160860"/>
+        <p14:creationId xmlns:p14="http://schemas.microsoft.com/office/powerpoint/2010/main" val="96186106"/>
       </p:ext>
     </p:extLst>
   </p:cSld>
@@ -5599,7 +5745,13 @@
   <p:cSld>
     <p:spTree>
       <p:nvGrpSpPr>
-        <p:cNvPr id="1" name=""/>
+        <p:cNvPr id="1" name="">
+          <a:extLst>
+            <a:ext uri="{FF2B5EF4-FFF2-40B4-BE49-F238E27FC236}">
+              <a16:creationId xmlns:a16="http://schemas.microsoft.com/office/drawing/2014/main" id="{3BD0DB8A-D241-9AA9-5574-30058BCC9AA0}"/>
+            </a:ext>
+          </a:extLst>
+        </p:cNvPr>
         <p:cNvGrpSpPr/>
         <p:nvPr/>
       </p:nvGrpSpPr>
@@ -5613,104 +5765,491 @@
       </p:grpSpPr>
       <p:sp>
         <p:nvSpPr>
-          <p:cNvPr id="3" name="Subtitle 2"/>
-          <p:cNvSpPr>
-            <a:spLocks noGrp="1"/>
-          </p:cNvSpPr>
-          <p:nvPr>
-            <p:ph type="subTitle" idx="1"/>
-          </p:nvPr>
-        </p:nvSpPr>
-        <p:spPr>
+          <p:cNvPr id="2" name="Title 1">
+            <a:extLst>
+              <a:ext uri="{FF2B5EF4-FFF2-40B4-BE49-F238E27FC236}">
+                <a16:creationId xmlns:a16="http://schemas.microsoft.com/office/drawing/2014/main" id="{68E731CB-B20C-0811-7B9C-3AE24AECAC15}"/>
+              </a:ext>
+            </a:extLst>
+          </p:cNvPr>
+          <p:cNvSpPr txBox="1">
+            <a:spLocks/>
+          </p:cNvSpPr>
+          <p:nvPr/>
+        </p:nvSpPr>
+        <p:spPr bwMode="auto">
           <a:xfrm>
-            <a:off x="179512" y="692696"/>
-            <a:ext cx="8640960" cy="6480720"/>
-          </a:xfrm>
-        </p:spPr>
-        <p:txBody>
-          <a:bodyPr>
-            <a:noAutofit/>
-          </a:bodyPr>
-          <a:lstStyle/>
-          <a:p>
-            <a:r>
-              <a:rPr lang="en-GB" sz="3600" dirty="0">
-                <a:solidFill>
-                  <a:schemeClr val="bg1"/>
-                </a:solidFill>
-              </a:rPr>
-              <a:t>Hear Your people sing Holy</a:t>
-            </a:r>
-          </a:p>
-          <a:p>
-            <a:r>
-              <a:rPr lang="en-GB" sz="3600" dirty="0">
-                <a:solidFill>
-                  <a:schemeClr val="bg1"/>
-                </a:solidFill>
-              </a:rPr>
-              <a:t>To the King of Kings Holy</a:t>
-            </a:r>
-          </a:p>
-          <a:p>
-            <a:r>
-              <a:rPr lang="en-GB" sz="3600" dirty="0">
-                <a:solidFill>
-                  <a:schemeClr val="bg1"/>
-                </a:solidFill>
-              </a:rPr>
-              <a:t>You will always be Holy</a:t>
-            </a:r>
-          </a:p>
-          <a:p>
-            <a:r>
-              <a:rPr lang="en-GB" sz="3600" dirty="0">
-                <a:solidFill>
-                  <a:schemeClr val="bg1"/>
-                </a:solidFill>
-              </a:rPr>
-              <a:t>Holy forever</a:t>
-            </a:r>
-          </a:p>
-        </p:txBody>
-      </p:sp>
-      <p:sp>
-        <p:nvSpPr>
-          <p:cNvPr id="4" name="TextBox 3"/>
-          <p:cNvSpPr txBox="1"/>
-          <p:nvPr/>
-        </p:nvSpPr>
-        <p:spPr>
-          <a:xfrm>
-            <a:off x="8334609" y="0"/>
-            <a:ext cx="784189" cy="461665"/>
+            <a:off x="457200" y="836712"/>
+            <a:ext cx="8229600" cy="489346"/>
           </a:xfrm>
           <a:prstGeom prst="rect">
             <a:avLst/>
           </a:prstGeom>
           <a:noFill/>
+          <a:ln>
+            <a:noFill/>
+          </a:ln>
+          <a:extLst>
+            <a:ext uri="{909E8E84-426E-40DD-AFC4-6F175D3DCCD1}">
+              <a14:hiddenFill xmlns:a14="http://schemas.microsoft.com/office/drawing/2010/main">
+                <a:solidFill>
+                  <a:srgbClr val="FFFFFF"/>
+                </a:solidFill>
+              </a14:hiddenFill>
+            </a:ext>
+            <a:ext uri="{91240B29-F687-4F45-9708-019B960494DF}">
+              <a14:hiddenLine xmlns:a14="http://schemas.microsoft.com/office/drawing/2010/main" w="9525">
+                <a:solidFill>
+                  <a:srgbClr val="000000"/>
+                </a:solidFill>
+                <a:miter lim="800000"/>
+                <a:headEnd/>
+                <a:tailEnd/>
+              </a14:hiddenLine>
+            </a:ext>
+          </a:extLst>
         </p:spPr>
         <p:txBody>
-          <a:bodyPr wrap="none" rtlCol="0">
-            <a:spAutoFit/>
+          <a:bodyPr vert="horz" wrap="square" lIns="91440" tIns="45720" rIns="91440" bIns="45720" numCol="1" anchor="ctr" anchorCtr="0" compatLnSpc="1">
+            <a:prstTxWarp prst="textNoShape">
+              <a:avLst/>
+            </a:prstTxWarp>
+            <a:normAutofit fontScale="90000" lnSpcReduction="10000"/>
           </a:bodyPr>
-          <a:lstStyle/>
-          <a:p>
-            <a:r>
-              <a:rPr lang="en-GB" sz="2400" b="1" dirty="0">
-                <a:solidFill>
-                  <a:schemeClr val="bg1"/>
-                </a:solidFill>
-              </a:rPr>
-              <a:t>6/10</a:t>
-            </a:r>
-          </a:p>
-        </p:txBody>
-      </p:sp>
+          <a:lstStyle>
+            <a:lvl1pPr algn="l" defTabSz="457200" rtl="0" eaLnBrk="1" fontAlgn="base" hangingPunct="1">
+              <a:spcBef>
+                <a:spcPct val="0"/>
+              </a:spcBef>
+              <a:spcAft>
+                <a:spcPct val="0"/>
+              </a:spcAft>
+              <a:defRPr sz="3200" kern="1200">
+                <a:solidFill>
+                  <a:srgbClr val="58595B"/>
+                </a:solidFill>
+                <a:latin typeface="Rockwell"/>
+                <a:ea typeface="+mj-ea"/>
+                <a:cs typeface="+mj-cs"/>
+              </a:defRPr>
+            </a:lvl1pPr>
+            <a:lvl2pPr algn="l" defTabSz="457200" rtl="0" eaLnBrk="1" fontAlgn="base" hangingPunct="1">
+              <a:spcBef>
+                <a:spcPct val="0"/>
+              </a:spcBef>
+              <a:spcAft>
+                <a:spcPct val="0"/>
+              </a:spcAft>
+              <a:defRPr sz="4400">
+                <a:solidFill>
+                  <a:srgbClr val="58595B"/>
+                </a:solidFill>
+                <a:latin typeface="Rockwell" panose="02060603020205020403" pitchFamily="18" charset="0"/>
+              </a:defRPr>
+            </a:lvl2pPr>
+            <a:lvl3pPr algn="l" defTabSz="457200" rtl="0" eaLnBrk="1" fontAlgn="base" hangingPunct="1">
+              <a:spcBef>
+                <a:spcPct val="0"/>
+              </a:spcBef>
+              <a:spcAft>
+                <a:spcPct val="0"/>
+              </a:spcAft>
+              <a:defRPr sz="4400">
+                <a:solidFill>
+                  <a:srgbClr val="58595B"/>
+                </a:solidFill>
+                <a:latin typeface="Rockwell" panose="02060603020205020403" pitchFamily="18" charset="0"/>
+              </a:defRPr>
+            </a:lvl3pPr>
+            <a:lvl4pPr algn="l" defTabSz="457200" rtl="0" eaLnBrk="1" fontAlgn="base" hangingPunct="1">
+              <a:spcBef>
+                <a:spcPct val="0"/>
+              </a:spcBef>
+              <a:spcAft>
+                <a:spcPct val="0"/>
+              </a:spcAft>
+              <a:defRPr sz="4400">
+                <a:solidFill>
+                  <a:srgbClr val="58595B"/>
+                </a:solidFill>
+                <a:latin typeface="Rockwell" panose="02060603020205020403" pitchFamily="18" charset="0"/>
+              </a:defRPr>
+            </a:lvl4pPr>
+            <a:lvl5pPr algn="l" defTabSz="457200" rtl="0" eaLnBrk="1" fontAlgn="base" hangingPunct="1">
+              <a:spcBef>
+                <a:spcPct val="0"/>
+              </a:spcBef>
+              <a:spcAft>
+                <a:spcPct val="0"/>
+              </a:spcAft>
+              <a:defRPr sz="4400">
+                <a:solidFill>
+                  <a:srgbClr val="58595B"/>
+                </a:solidFill>
+                <a:latin typeface="Rockwell" panose="02060603020205020403" pitchFamily="18" charset="0"/>
+              </a:defRPr>
+            </a:lvl5pPr>
+            <a:lvl6pPr marL="457200" algn="l" defTabSz="457200" rtl="0" eaLnBrk="1" fontAlgn="base" hangingPunct="1">
+              <a:spcBef>
+                <a:spcPct val="0"/>
+              </a:spcBef>
+              <a:spcAft>
+                <a:spcPct val="0"/>
+              </a:spcAft>
+              <a:defRPr sz="4400">
+                <a:solidFill>
+                  <a:srgbClr val="58595B"/>
+                </a:solidFill>
+                <a:latin typeface="Rockwell" panose="02060603020205020403" pitchFamily="18" charset="0"/>
+              </a:defRPr>
+            </a:lvl6pPr>
+            <a:lvl7pPr marL="914400" algn="l" defTabSz="457200" rtl="0" eaLnBrk="1" fontAlgn="base" hangingPunct="1">
+              <a:spcBef>
+                <a:spcPct val="0"/>
+              </a:spcBef>
+              <a:spcAft>
+                <a:spcPct val="0"/>
+              </a:spcAft>
+              <a:defRPr sz="4400">
+                <a:solidFill>
+                  <a:srgbClr val="58595B"/>
+                </a:solidFill>
+                <a:latin typeface="Rockwell" panose="02060603020205020403" pitchFamily="18" charset="0"/>
+              </a:defRPr>
+            </a:lvl7pPr>
+            <a:lvl8pPr marL="1371600" algn="l" defTabSz="457200" rtl="0" eaLnBrk="1" fontAlgn="base" hangingPunct="1">
+              <a:spcBef>
+                <a:spcPct val="0"/>
+              </a:spcBef>
+              <a:spcAft>
+                <a:spcPct val="0"/>
+              </a:spcAft>
+              <a:defRPr sz="4400">
+                <a:solidFill>
+                  <a:srgbClr val="58595B"/>
+                </a:solidFill>
+                <a:latin typeface="Rockwell" panose="02060603020205020403" pitchFamily="18" charset="0"/>
+              </a:defRPr>
+            </a:lvl8pPr>
+            <a:lvl9pPr marL="1828800" algn="l" defTabSz="457200" rtl="0" eaLnBrk="1" fontAlgn="base" hangingPunct="1">
+              <a:spcBef>
+                <a:spcPct val="0"/>
+              </a:spcBef>
+              <a:spcAft>
+                <a:spcPct val="0"/>
+              </a:spcAft>
+              <a:defRPr sz="4400">
+                <a:solidFill>
+                  <a:srgbClr val="58595B"/>
+                </a:solidFill>
+                <a:latin typeface="Rockwell" panose="02060603020205020403" pitchFamily="18" charset="0"/>
+              </a:defRPr>
+            </a:lvl9pPr>
+          </a:lstStyle>
+          <a:p>
+            <a:pPr marL="0" marR="0" lvl="0" indent="0" algn="l" defTabSz="457200" rtl="0" eaLnBrk="1" fontAlgn="base" latinLnBrk="0" hangingPunct="1">
+              <a:lnSpc>
+                <a:spcPct val="100000"/>
+              </a:lnSpc>
+              <a:spcBef>
+                <a:spcPct val="0"/>
+              </a:spcBef>
+              <a:spcAft>
+                <a:spcPct val="0"/>
+              </a:spcAft>
+              <a:buClrTx/>
+              <a:buSzTx/>
+              <a:buFontTx/>
+              <a:buNone/>
+              <a:tabLst/>
+              <a:defRPr/>
+            </a:pPr>
+            <a:endParaRPr kumimoji="0" lang="en-GB" sz="3200" b="0" i="0" u="none" strike="noStrike" kern="1200" cap="none" spc="0" normalizeH="0" baseline="0" noProof="0" dirty="0">
+              <a:ln>
+                <a:noFill/>
+              </a:ln>
+              <a:solidFill>
+                <a:schemeClr val="bg1"/>
+              </a:solidFill>
+              <a:effectLst/>
+              <a:uLnTx/>
+              <a:uFillTx/>
+              <a:latin typeface="Rockwell"/>
+              <a:ea typeface="+mj-ea"/>
+              <a:cs typeface="+mj-cs"/>
+            </a:endParaRPr>
+          </a:p>
+        </p:txBody>
+      </p:sp>
+      <p:sp>
+        <p:nvSpPr>
+          <p:cNvPr id="4" name="Title 1">
+            <a:extLst>
+              <a:ext uri="{FF2B5EF4-FFF2-40B4-BE49-F238E27FC236}">
+                <a16:creationId xmlns:a16="http://schemas.microsoft.com/office/drawing/2014/main" id="{FDEE83AF-38B0-CC0F-E6EE-E767ABB401C5}"/>
+              </a:ext>
+            </a:extLst>
+          </p:cNvPr>
+          <p:cNvSpPr txBox="1">
+            <a:spLocks/>
+          </p:cNvSpPr>
+          <p:nvPr/>
+        </p:nvSpPr>
+        <p:spPr bwMode="auto">
+          <a:xfrm>
+            <a:off x="435852" y="1484784"/>
+            <a:ext cx="8229600" cy="4680520"/>
+          </a:xfrm>
+          <a:prstGeom prst="rect">
+            <a:avLst/>
+          </a:prstGeom>
+          <a:noFill/>
+          <a:ln>
+            <a:noFill/>
+          </a:ln>
+          <a:extLst>
+            <a:ext uri="{909E8E84-426E-40DD-AFC4-6F175D3DCCD1}">
+              <a14:hiddenFill xmlns:a14="http://schemas.microsoft.com/office/drawing/2010/main">
+                <a:solidFill>
+                  <a:srgbClr val="FFFFFF"/>
+                </a:solidFill>
+              </a14:hiddenFill>
+            </a:ext>
+            <a:ext uri="{91240B29-F687-4F45-9708-019B960494DF}">
+              <a14:hiddenLine xmlns:a14="http://schemas.microsoft.com/office/drawing/2010/main" w="9525">
+                <a:solidFill>
+                  <a:srgbClr val="000000"/>
+                </a:solidFill>
+                <a:miter lim="800000"/>
+                <a:headEnd/>
+                <a:tailEnd/>
+              </a14:hiddenLine>
+            </a:ext>
+          </a:extLst>
+        </p:spPr>
+        <p:txBody>
+          <a:bodyPr vert="horz" wrap="square" lIns="91440" tIns="45720" rIns="91440" bIns="45720" numCol="1" anchor="ctr" anchorCtr="0" compatLnSpc="1">
+            <a:prstTxWarp prst="textNoShape">
+              <a:avLst/>
+            </a:prstTxWarp>
+            <a:normAutofit/>
+          </a:bodyPr>
+          <a:lstStyle>
+            <a:lvl1pPr algn="l" defTabSz="457200" rtl="0" eaLnBrk="1" fontAlgn="base" hangingPunct="1">
+              <a:spcBef>
+                <a:spcPct val="0"/>
+              </a:spcBef>
+              <a:spcAft>
+                <a:spcPct val="0"/>
+              </a:spcAft>
+              <a:defRPr sz="3200" kern="1200">
+                <a:solidFill>
+                  <a:srgbClr val="58595B"/>
+                </a:solidFill>
+                <a:latin typeface="Rockwell"/>
+                <a:ea typeface="+mj-ea"/>
+                <a:cs typeface="+mj-cs"/>
+              </a:defRPr>
+            </a:lvl1pPr>
+            <a:lvl2pPr algn="l" defTabSz="457200" rtl="0" eaLnBrk="1" fontAlgn="base" hangingPunct="1">
+              <a:spcBef>
+                <a:spcPct val="0"/>
+              </a:spcBef>
+              <a:spcAft>
+                <a:spcPct val="0"/>
+              </a:spcAft>
+              <a:defRPr sz="4400">
+                <a:solidFill>
+                  <a:srgbClr val="58595B"/>
+                </a:solidFill>
+                <a:latin typeface="Rockwell" panose="02060603020205020403" pitchFamily="18" charset="0"/>
+              </a:defRPr>
+            </a:lvl2pPr>
+            <a:lvl3pPr algn="l" defTabSz="457200" rtl="0" eaLnBrk="1" fontAlgn="base" hangingPunct="1">
+              <a:spcBef>
+                <a:spcPct val="0"/>
+              </a:spcBef>
+              <a:spcAft>
+                <a:spcPct val="0"/>
+              </a:spcAft>
+              <a:defRPr sz="4400">
+                <a:solidFill>
+                  <a:srgbClr val="58595B"/>
+                </a:solidFill>
+                <a:latin typeface="Rockwell" panose="02060603020205020403" pitchFamily="18" charset="0"/>
+              </a:defRPr>
+            </a:lvl3pPr>
+            <a:lvl4pPr algn="l" defTabSz="457200" rtl="0" eaLnBrk="1" fontAlgn="base" hangingPunct="1">
+              <a:spcBef>
+                <a:spcPct val="0"/>
+              </a:spcBef>
+              <a:spcAft>
+                <a:spcPct val="0"/>
+              </a:spcAft>
+              <a:defRPr sz="4400">
+                <a:solidFill>
+                  <a:srgbClr val="58595B"/>
+                </a:solidFill>
+                <a:latin typeface="Rockwell" panose="02060603020205020403" pitchFamily="18" charset="0"/>
+              </a:defRPr>
+            </a:lvl4pPr>
+            <a:lvl5pPr algn="l" defTabSz="457200" rtl="0" eaLnBrk="1" fontAlgn="base" hangingPunct="1">
+              <a:spcBef>
+                <a:spcPct val="0"/>
+              </a:spcBef>
+              <a:spcAft>
+                <a:spcPct val="0"/>
+              </a:spcAft>
+              <a:defRPr sz="4400">
+                <a:solidFill>
+                  <a:srgbClr val="58595B"/>
+                </a:solidFill>
+                <a:latin typeface="Rockwell" panose="02060603020205020403" pitchFamily="18" charset="0"/>
+              </a:defRPr>
+            </a:lvl5pPr>
+            <a:lvl6pPr marL="457200" algn="l" defTabSz="457200" rtl="0" eaLnBrk="1" fontAlgn="base" hangingPunct="1">
+              <a:spcBef>
+                <a:spcPct val="0"/>
+              </a:spcBef>
+              <a:spcAft>
+                <a:spcPct val="0"/>
+              </a:spcAft>
+              <a:defRPr sz="4400">
+                <a:solidFill>
+                  <a:srgbClr val="58595B"/>
+                </a:solidFill>
+                <a:latin typeface="Rockwell" panose="02060603020205020403" pitchFamily="18" charset="0"/>
+              </a:defRPr>
+            </a:lvl6pPr>
+            <a:lvl7pPr marL="914400" algn="l" defTabSz="457200" rtl="0" eaLnBrk="1" fontAlgn="base" hangingPunct="1">
+              <a:spcBef>
+                <a:spcPct val="0"/>
+              </a:spcBef>
+              <a:spcAft>
+                <a:spcPct val="0"/>
+              </a:spcAft>
+              <a:defRPr sz="4400">
+                <a:solidFill>
+                  <a:srgbClr val="58595B"/>
+                </a:solidFill>
+                <a:latin typeface="Rockwell" panose="02060603020205020403" pitchFamily="18" charset="0"/>
+              </a:defRPr>
+            </a:lvl7pPr>
+            <a:lvl8pPr marL="1371600" algn="l" defTabSz="457200" rtl="0" eaLnBrk="1" fontAlgn="base" hangingPunct="1">
+              <a:spcBef>
+                <a:spcPct val="0"/>
+              </a:spcBef>
+              <a:spcAft>
+                <a:spcPct val="0"/>
+              </a:spcAft>
+              <a:defRPr sz="4400">
+                <a:solidFill>
+                  <a:srgbClr val="58595B"/>
+                </a:solidFill>
+                <a:latin typeface="Rockwell" panose="02060603020205020403" pitchFamily="18" charset="0"/>
+              </a:defRPr>
+            </a:lvl8pPr>
+            <a:lvl9pPr marL="1828800" algn="l" defTabSz="457200" rtl="0" eaLnBrk="1" fontAlgn="base" hangingPunct="1">
+              <a:spcBef>
+                <a:spcPct val="0"/>
+              </a:spcBef>
+              <a:spcAft>
+                <a:spcPct val="0"/>
+              </a:spcAft>
+              <a:defRPr sz="4400">
+                <a:solidFill>
+                  <a:srgbClr val="58595B"/>
+                </a:solidFill>
+                <a:latin typeface="Rockwell" panose="02060603020205020403" pitchFamily="18" charset="0"/>
+              </a:defRPr>
+            </a:lvl9pPr>
+          </a:lstStyle>
+          <a:p>
+            <a:pPr marL="0" marR="0" lvl="0" indent="0" algn="ctr" defTabSz="457200" rtl="0" eaLnBrk="1" fontAlgn="base" latinLnBrk="0" hangingPunct="1">
+              <a:lnSpc>
+                <a:spcPct val="100000"/>
+              </a:lnSpc>
+              <a:spcBef>
+                <a:spcPct val="0"/>
+              </a:spcBef>
+              <a:spcAft>
+                <a:spcPct val="0"/>
+              </a:spcAft>
+              <a:buClrTx/>
+              <a:buSzTx/>
+              <a:buFontTx/>
+              <a:buNone/>
+              <a:tabLst/>
+              <a:defRPr/>
+            </a:pPr>
+            <a:endParaRPr kumimoji="0" lang="en-GB" sz="3200" b="0" i="0" u="none" strike="noStrike" kern="1200" cap="none" spc="0" normalizeH="0" baseline="0" noProof="0" dirty="0">
+              <a:ln>
+                <a:noFill/>
+              </a:ln>
+              <a:solidFill>
+                <a:schemeClr val="bg1"/>
+              </a:solidFill>
+              <a:effectLst/>
+              <a:uLnTx/>
+              <a:uFillTx/>
+              <a:latin typeface="Rockwell"/>
+              <a:ea typeface="+mj-ea"/>
+              <a:cs typeface="+mj-cs"/>
+            </a:endParaRPr>
+          </a:p>
+        </p:txBody>
+      </p:sp>
+      <p:pic>
+        <p:nvPicPr>
+          <p:cNvPr id="1026" name="Picture 2" descr="Power In Prayer">
+            <a:extLst>
+              <a:ext uri="{FF2B5EF4-FFF2-40B4-BE49-F238E27FC236}">
+                <a16:creationId xmlns:a16="http://schemas.microsoft.com/office/drawing/2014/main" id="{E68731D5-3D98-6E1F-2D7C-85A40059D921}"/>
+              </a:ext>
+            </a:extLst>
+          </p:cNvPr>
+          <p:cNvPicPr>
+            <a:picLocks noChangeAspect="1" noChangeArrowheads="1"/>
+          </p:cNvPicPr>
+          <p:nvPr/>
+        </p:nvPicPr>
+        <p:blipFill>
+          <a:blip r:embed="rId3">
+            <a:extLst>
+              <a:ext uri="{28A0092B-C50C-407E-A947-70E740481C1C}">
+                <a14:useLocalDpi xmlns:a14="http://schemas.microsoft.com/office/drawing/2010/main" val="0"/>
+              </a:ext>
+            </a:extLst>
+          </a:blip>
+          <a:srcRect/>
+          <a:stretch>
+            <a:fillRect/>
+          </a:stretch>
+        </p:blipFill>
+        <p:spPr bwMode="auto">
+          <a:xfrm>
+            <a:off x="892902" y="980728"/>
+            <a:ext cx="7574611" cy="5040559"/>
+          </a:xfrm>
+          <a:prstGeom prst="rect">
+            <a:avLst/>
+          </a:prstGeom>
+          <a:noFill/>
+          <a:extLst>
+            <a:ext uri="{909E8E84-426E-40DD-AFC4-6F175D3DCCD1}">
+              <a14:hiddenFill xmlns:a14="http://schemas.microsoft.com/office/drawing/2010/main">
+                <a:solidFill>
+                  <a:srgbClr val="FFFFFF"/>
+                </a:solidFill>
+              </a14:hiddenFill>
+            </a:ext>
+          </a:extLst>
+        </p:spPr>
+      </p:pic>
     </p:spTree>
     <p:extLst>
       <p:ext uri="{BB962C8B-B14F-4D97-AF65-F5344CB8AC3E}">
-        <p14:creationId xmlns:p14="http://schemas.microsoft.com/office/powerpoint/2010/main" val="3063323204"/>
+        <p14:creationId xmlns:p14="http://schemas.microsoft.com/office/powerpoint/2010/main" val="2219425860"/>
       </p:ext>
     </p:extLst>
   </p:cSld>
@@ -5749,7 +6288,7 @@
         </p:nvSpPr>
         <p:spPr>
           <a:xfrm>
-            <a:off x="251520" y="836712"/>
+            <a:off x="323528" y="188640"/>
             <a:ext cx="8640960" cy="6480720"/>
           </a:xfrm>
         </p:spPr>
@@ -5759,104 +6298,206 @@
           </a:bodyPr>
           <a:lstStyle/>
           <a:p>
-            <a:r>
-              <a:rPr lang="en-GB" sz="3600" dirty="0">
-                <a:solidFill>
-                  <a:schemeClr val="bg1"/>
-                </a:solidFill>
-              </a:rPr>
-              <a:t>(Jesus) Your name is the highest</a:t>
-            </a:r>
-          </a:p>
-          <a:p>
-            <a:r>
-              <a:rPr lang="en-GB" sz="3600" dirty="0">
-                <a:solidFill>
-                  <a:schemeClr val="bg1"/>
-                </a:solidFill>
-              </a:rPr>
-              <a:t>Your name is the greatest</a:t>
-            </a:r>
-          </a:p>
-          <a:p>
-            <a:r>
-              <a:rPr lang="en-GB" sz="3600" dirty="0">
-                <a:solidFill>
-                  <a:schemeClr val="bg1"/>
-                </a:solidFill>
-              </a:rPr>
-              <a:t>Your name stands above them all</a:t>
-            </a:r>
-          </a:p>
-          <a:p>
-            <a:r>
-              <a:rPr lang="en-GB" sz="3600" dirty="0">
-                <a:solidFill>
-                  <a:schemeClr val="bg1"/>
-                </a:solidFill>
-              </a:rPr>
-              <a:t>All thrones and dominions</a:t>
-            </a:r>
-          </a:p>
-          <a:p>
-            <a:r>
-              <a:rPr lang="en-GB" sz="3600" dirty="0">
-                <a:solidFill>
-                  <a:schemeClr val="bg1"/>
-                </a:solidFill>
-              </a:rPr>
-              <a:t>All powers and positions</a:t>
-            </a:r>
-          </a:p>
-          <a:p>
-            <a:r>
-              <a:rPr lang="en-GB" sz="3600" dirty="0">
-                <a:solidFill>
-                  <a:schemeClr val="bg1"/>
-                </a:solidFill>
-              </a:rPr>
-              <a:t>Your name stands above them all</a:t>
-            </a:r>
-          </a:p>
-        </p:txBody>
-      </p:sp>
-      <p:sp>
-        <p:nvSpPr>
-          <p:cNvPr id="4" name="TextBox 3"/>
-          <p:cNvSpPr txBox="1"/>
-          <p:nvPr/>
-        </p:nvSpPr>
-        <p:spPr>
-          <a:xfrm>
-            <a:off x="8331558" y="0"/>
-            <a:ext cx="784189" cy="461665"/>
-          </a:xfrm>
-          <a:prstGeom prst="rect">
-            <a:avLst/>
-          </a:prstGeom>
-          <a:noFill/>
-        </p:spPr>
-        <p:txBody>
-          <a:bodyPr wrap="none" rtlCol="0">
-            <a:spAutoFit/>
-          </a:bodyPr>
-          <a:lstStyle/>
-          <a:p>
-            <a:r>
-              <a:rPr lang="en-GB" sz="2400" b="1" dirty="0">
-                <a:solidFill>
-                  <a:schemeClr val="bg1"/>
-                </a:solidFill>
-              </a:rPr>
-              <a:t>7/10</a:t>
-            </a:r>
+            <a:endParaRPr lang="en-GB" sz="5400" dirty="0">
+              <a:solidFill>
+                <a:schemeClr val="bg1"/>
+              </a:solidFill>
+            </a:endParaRPr>
+          </a:p>
+          <a:p>
+            <a:r>
+              <a:rPr lang="en-GB" sz="4400" b="0" i="0" dirty="0">
+                <a:solidFill>
+                  <a:srgbClr val="00A3E0"/>
+                </a:solidFill>
+                <a:effectLst/>
+                <a:latin typeface="akagi_probook"/>
+              </a:rPr>
+              <a:t>Holy Forever</a:t>
+            </a:r>
+          </a:p>
+          <a:p>
+            <a:br>
+              <a:rPr lang="en-GB" sz="1200" dirty="0">
+                <a:solidFill>
+                  <a:schemeClr val="bg1"/>
+                </a:solidFill>
+              </a:rPr>
+            </a:br>
+            <a:r>
+              <a:rPr lang="en-GB" sz="1200" dirty="0">
+                <a:solidFill>
+                  <a:schemeClr val="bg1"/>
+                </a:solidFill>
+              </a:rPr>
+              <a:t>CCLI Song # 7201044</a:t>
+            </a:r>
+          </a:p>
+          <a:p>
+            <a:endParaRPr lang="en-GB" sz="1200" dirty="0">
+              <a:solidFill>
+                <a:schemeClr val="bg1"/>
+              </a:solidFill>
+            </a:endParaRPr>
+          </a:p>
+          <a:p>
+            <a:r>
+              <a:rPr lang="en-GB" sz="1200" dirty="0">
+                <a:solidFill>
+                  <a:schemeClr val="bg1"/>
+                </a:solidFill>
+              </a:rPr>
+              <a:t>Brian Johnson | Chris Tomlin | Jason Ingram | Jenn Johnson | Phil Wickham</a:t>
+            </a:r>
+          </a:p>
+          <a:p>
+            <a:endParaRPr lang="en-GB" sz="1200" dirty="0">
+              <a:solidFill>
+                <a:schemeClr val="bg1"/>
+              </a:solidFill>
+            </a:endParaRPr>
+          </a:p>
+          <a:p>
+            <a:r>
+              <a:rPr lang="en-GB" sz="1200" dirty="0">
+                <a:solidFill>
+                  <a:schemeClr val="bg1"/>
+                </a:solidFill>
+              </a:rPr>
+              <a:t>© Phil Wickham Music (Admin. by / Small Stone Media BV, Holland (Admin. in the UK/Eire by Song Solutions www.songsolutions.org))</a:t>
+            </a:r>
+          </a:p>
+          <a:p>
+            <a:r>
+              <a:rPr lang="en-GB" sz="1200" dirty="0">
+                <a:solidFill>
+                  <a:schemeClr val="bg1"/>
+                </a:solidFill>
+              </a:rPr>
+              <a:t>Simply Global Songs (Admin. by / Small Stone Media BV, Holland (Admin. in the UK/Eire by Song Solutions www.songsolutions.org))</a:t>
+            </a:r>
+          </a:p>
+          <a:p>
+            <a:r>
+              <a:rPr lang="en-GB" sz="1200" dirty="0">
+                <a:solidFill>
+                  <a:schemeClr val="bg1"/>
+                </a:solidFill>
+              </a:rPr>
+              <a:t>Capitol CMG Paragon (Admin. by Capitol CMG Publishing)</a:t>
+            </a:r>
+          </a:p>
+          <a:p>
+            <a:r>
+              <a:rPr lang="en-GB" sz="1200" dirty="0">
+                <a:solidFill>
+                  <a:schemeClr val="bg1"/>
+                </a:solidFill>
+              </a:rPr>
+              <a:t>S. D. G. Publishing (Admin. by Capitol CMG Publishing)</a:t>
+            </a:r>
+          </a:p>
+          <a:p>
+            <a:r>
+              <a:rPr lang="en-GB" sz="1200" dirty="0">
+                <a:solidFill>
+                  <a:schemeClr val="bg1"/>
+                </a:solidFill>
+              </a:rPr>
+              <a:t>Be Essential Songs (Admin. by Essential Music Publishing LLC)</a:t>
+            </a:r>
+          </a:p>
+          <a:p>
+            <a:r>
+              <a:rPr lang="en-GB" sz="1200" dirty="0">
+                <a:solidFill>
+                  <a:schemeClr val="bg1"/>
+                </a:solidFill>
+              </a:rPr>
+              <a:t>My Magnolia Music (Admin. by Essential Music Publishing LLC)</a:t>
+            </a:r>
+          </a:p>
+          <a:p>
+            <a:r>
+              <a:rPr lang="en-GB" sz="1200" dirty="0">
+                <a:solidFill>
+                  <a:schemeClr val="bg1"/>
+                </a:solidFill>
+              </a:rPr>
+              <a:t>Bethel Music Publishing (Admin. by Song Solutions)</a:t>
+            </a:r>
+          </a:p>
+          <a:p>
+            <a:r>
+              <a:rPr lang="en-GB" sz="1200" dirty="0">
+                <a:solidFill>
+                  <a:schemeClr val="bg1"/>
+                </a:solidFill>
+              </a:rPr>
+              <a:t>Brian and Jenn Publishing (Admin. by Song Solutions)</a:t>
+            </a:r>
+          </a:p>
+          <a:p>
+            <a:r>
+              <a:rPr lang="en-GB" sz="1200" dirty="0">
+                <a:solidFill>
+                  <a:schemeClr val="bg1"/>
+                </a:solidFill>
+              </a:rPr>
+              <a:t>For use solely with the </a:t>
+            </a:r>
+            <a:r>
+              <a:rPr lang="en-GB" sz="1200" dirty="0" err="1">
+                <a:solidFill>
+                  <a:schemeClr val="bg1"/>
+                </a:solidFill>
+              </a:rPr>
+              <a:t>SongSelect</a:t>
+            </a:r>
+            <a:r>
+              <a:rPr lang="en-GB" sz="1200" dirty="0">
+                <a:solidFill>
+                  <a:schemeClr val="bg1"/>
+                </a:solidFill>
+              </a:rPr>
+              <a:t>® Terms of Use. All rights reserved. www.ccli.com</a:t>
+            </a:r>
+          </a:p>
+          <a:p>
+            <a:endParaRPr lang="en-GB" sz="1200" dirty="0">
+              <a:solidFill>
+                <a:schemeClr val="bg1"/>
+              </a:solidFill>
+            </a:endParaRPr>
+          </a:p>
+          <a:p>
+            <a:r>
+              <a:rPr lang="en-GB" sz="1200" dirty="0">
+                <a:solidFill>
+                  <a:schemeClr val="bg1"/>
+                </a:solidFill>
+              </a:rPr>
+              <a:t>CCLI Licence No. 33265</a:t>
+            </a:r>
+            <a:br>
+              <a:rPr lang="en-GB" sz="1200" dirty="0">
+                <a:solidFill>
+                  <a:schemeClr val="bg1"/>
+                </a:solidFill>
+              </a:rPr>
+            </a:br>
+            <a:endParaRPr lang="en-GB" sz="1200" dirty="0">
+              <a:solidFill>
+                <a:schemeClr val="bg1"/>
+              </a:solidFill>
+            </a:endParaRPr>
           </a:p>
         </p:txBody>
       </p:sp>
     </p:spTree>
     <p:extLst>
       <p:ext uri="{BB962C8B-B14F-4D97-AF65-F5344CB8AC3E}">
-        <p14:creationId xmlns:p14="http://schemas.microsoft.com/office/powerpoint/2010/main" val="1806542696"/>
+        <p14:creationId xmlns:p14="http://schemas.microsoft.com/office/powerpoint/2010/main" val="2940382954"/>
       </p:ext>
     </p:extLst>
   </p:cSld>
@@ -5906,42 +6547,52 @@
           <a:lstStyle/>
           <a:p>
             <a:r>
-              <a:rPr lang="en-GB" sz="4000" dirty="0">
-                <a:solidFill>
-                  <a:schemeClr val="bg1"/>
-                </a:solidFill>
-              </a:rPr>
-              <a:t>And the angels cry Holy</a:t>
-            </a:r>
-          </a:p>
-          <a:p>
-            <a:r>
-              <a:rPr lang="en-GB" sz="4000" dirty="0">
-                <a:solidFill>
-                  <a:schemeClr val="bg1"/>
-                </a:solidFill>
-              </a:rPr>
-              <a:t>All creation cries Holy</a:t>
-            </a:r>
-          </a:p>
-          <a:p>
-            <a:r>
-              <a:rPr lang="en-GB" sz="4000" dirty="0">
-                <a:solidFill>
-                  <a:schemeClr val="bg1"/>
-                </a:solidFill>
-              </a:rPr>
-              <a:t>You are lifted high Holy</a:t>
-            </a:r>
-          </a:p>
-          <a:p>
-            <a:r>
-              <a:rPr lang="en-GB" sz="4000" dirty="0">
-                <a:solidFill>
-                  <a:schemeClr val="bg1"/>
-                </a:solidFill>
-              </a:rPr>
-              <a:t>Holy forever</a:t>
+              <a:rPr lang="en-GB" sz="3600" dirty="0">
+                <a:solidFill>
+                  <a:schemeClr val="bg1"/>
+                </a:solidFill>
+              </a:rPr>
+              <a:t>A thousand generations falling down in worship</a:t>
+            </a:r>
+          </a:p>
+          <a:p>
+            <a:r>
+              <a:rPr lang="en-GB" sz="3600" dirty="0">
+                <a:solidFill>
+                  <a:schemeClr val="bg1"/>
+                </a:solidFill>
+              </a:rPr>
+              <a:t>To sing the song of ages to the Lamb</a:t>
+            </a:r>
+          </a:p>
+          <a:p>
+            <a:r>
+              <a:rPr lang="en-GB" sz="3600" dirty="0">
+                <a:solidFill>
+                  <a:schemeClr val="bg1"/>
+                </a:solidFill>
+              </a:rPr>
+              <a:t>And all who've gone before us</a:t>
+            </a:r>
+          </a:p>
+          <a:p>
+            <a:r>
+              <a:rPr lang="en-GB" sz="3600" dirty="0">
+                <a:solidFill>
+                  <a:schemeClr val="bg1"/>
+                </a:solidFill>
+              </a:rPr>
+              <a:t>And all who will believe</a:t>
+            </a:r>
+          </a:p>
+          <a:p>
+            <a:r>
+              <a:rPr lang="en-GB" sz="3600" dirty="0">
+                <a:solidFill>
+                  <a:schemeClr val="bg1"/>
+                </a:solidFill>
+              </a:rPr>
+              <a:t>Will sing the song of ages to the Lamb</a:t>
             </a:r>
           </a:p>
         </p:txBody>
@@ -5974,7 +6625,7 @@
                   <a:schemeClr val="bg1"/>
                 </a:solidFill>
               </a:rPr>
-              <a:t>8/10</a:t>
+              <a:t>1/10</a:t>
             </a:r>
           </a:p>
         </p:txBody>
@@ -5982,7 +6633,7 @@
     </p:spTree>
     <p:extLst>
       <p:ext uri="{BB962C8B-B14F-4D97-AF65-F5344CB8AC3E}">
-        <p14:creationId xmlns:p14="http://schemas.microsoft.com/office/powerpoint/2010/main" val="3703381109"/>
+        <p14:creationId xmlns:p14="http://schemas.microsoft.com/office/powerpoint/2010/main" val="2175635830"/>
       </p:ext>
     </p:extLst>
   </p:cSld>
@@ -6032,42 +6683,62 @@
           <a:lstStyle/>
           <a:p>
             <a:r>
-              <a:rPr lang="en-GB" sz="4000" dirty="0">
-                <a:solidFill>
-                  <a:schemeClr val="bg1"/>
-                </a:solidFill>
-              </a:rPr>
-              <a:t>Hear Your people sing Holy</a:t>
-            </a:r>
-          </a:p>
-          <a:p>
-            <a:r>
-              <a:rPr lang="en-GB" sz="4000" dirty="0">
-                <a:solidFill>
-                  <a:schemeClr val="bg1"/>
-                </a:solidFill>
-              </a:rPr>
-              <a:t>To the King of Kings Holy</a:t>
-            </a:r>
-          </a:p>
-          <a:p>
-            <a:r>
-              <a:rPr lang="en-GB" sz="4000" dirty="0">
-                <a:solidFill>
-                  <a:schemeClr val="bg1"/>
-                </a:solidFill>
-              </a:rPr>
-              <a:t>You will always be Holy</a:t>
-            </a:r>
-          </a:p>
-          <a:p>
-            <a:r>
-              <a:rPr lang="en-GB" sz="4000" dirty="0">
-                <a:solidFill>
-                  <a:schemeClr val="bg1"/>
-                </a:solidFill>
-              </a:rPr>
-              <a:t>Holy forever</a:t>
+              <a:rPr lang="en-GB" sz="3600" dirty="0">
+                <a:solidFill>
+                  <a:schemeClr val="bg1"/>
+                </a:solidFill>
+              </a:rPr>
+              <a:t>(Jesus) Your name is the highest</a:t>
+            </a:r>
+          </a:p>
+          <a:p>
+            <a:r>
+              <a:rPr lang="en-GB" sz="3600" dirty="0">
+                <a:solidFill>
+                  <a:schemeClr val="bg1"/>
+                </a:solidFill>
+              </a:rPr>
+              <a:t>Your name is the greatest</a:t>
+            </a:r>
+          </a:p>
+          <a:p>
+            <a:r>
+              <a:rPr lang="en-GB" sz="3600" dirty="0">
+                <a:solidFill>
+                  <a:schemeClr val="bg1"/>
+                </a:solidFill>
+              </a:rPr>
+              <a:t>Your name stands above them all</a:t>
+            </a:r>
+          </a:p>
+          <a:p>
+            <a:r>
+              <a:rPr lang="en-GB" sz="3600" dirty="0">
+                <a:solidFill>
+                  <a:schemeClr val="bg1"/>
+                </a:solidFill>
+              </a:rPr>
+              <a:t>All thrones and dominions</a:t>
+            </a:r>
+          </a:p>
+          <a:p>
+            <a:r>
+              <a:rPr lang="en-GB" sz="3600" dirty="0">
+                <a:solidFill>
+                  <a:schemeClr val="bg1"/>
+                </a:solidFill>
+              </a:rPr>
+              <a:t>All powers and positions</a:t>
+            </a:r>
+          </a:p>
+          <a:p>
+            <a:r>
+              <a:rPr lang="en-GB" sz="3600" dirty="0">
+                <a:solidFill>
+                  <a:schemeClr val="bg1"/>
+                </a:solidFill>
+              </a:rPr>
+              <a:t>Your name stands above them all</a:t>
             </a:r>
           </a:p>
         </p:txBody>
@@ -6080,7 +6751,7 @@
         </p:nvSpPr>
         <p:spPr>
           <a:xfrm>
-            <a:off x="8398233" y="9947"/>
+            <a:off x="8359811" y="-42193"/>
             <a:ext cx="784189" cy="461665"/>
           </a:xfrm>
           <a:prstGeom prst="rect">
@@ -6100,7 +6771,7 @@
                   <a:schemeClr val="bg1"/>
                 </a:solidFill>
               </a:rPr>
-              <a:t>9/10</a:t>
+              <a:t>2/10</a:t>
             </a:r>
           </a:p>
         </p:txBody>
@@ -6108,7 +6779,7 @@
     </p:spTree>
     <p:extLst>
       <p:ext uri="{BB962C8B-B14F-4D97-AF65-F5344CB8AC3E}">
-        <p14:creationId xmlns:p14="http://schemas.microsoft.com/office/powerpoint/2010/main" val="482190470"/>
+        <p14:creationId xmlns:p14="http://schemas.microsoft.com/office/powerpoint/2010/main" val="649780886"/>
       </p:ext>
     </p:extLst>
   </p:cSld>
@@ -6147,6 +6818,1437 @@
         </p:nvSpPr>
         <p:spPr>
           <a:xfrm>
+            <a:off x="323528" y="764704"/>
+            <a:ext cx="8640960" cy="6480720"/>
+          </a:xfrm>
+        </p:spPr>
+        <p:txBody>
+          <a:bodyPr>
+            <a:noAutofit/>
+          </a:bodyPr>
+          <a:lstStyle/>
+          <a:p>
+            <a:r>
+              <a:rPr lang="en-GB" sz="3600" dirty="0">
+                <a:solidFill>
+                  <a:schemeClr val="bg1"/>
+                </a:solidFill>
+              </a:rPr>
+              <a:t>And the angels cry Holy</a:t>
+            </a:r>
+          </a:p>
+          <a:p>
+            <a:r>
+              <a:rPr lang="en-GB" sz="3600" dirty="0">
+                <a:solidFill>
+                  <a:schemeClr val="bg1"/>
+                </a:solidFill>
+              </a:rPr>
+              <a:t>All creation cries Holy</a:t>
+            </a:r>
+          </a:p>
+          <a:p>
+            <a:r>
+              <a:rPr lang="en-GB" sz="3600" dirty="0">
+                <a:solidFill>
+                  <a:schemeClr val="bg1"/>
+                </a:solidFill>
+              </a:rPr>
+              <a:t>You are lifted high Holy</a:t>
+            </a:r>
+          </a:p>
+          <a:p>
+            <a:r>
+              <a:rPr lang="en-GB" sz="3600" dirty="0">
+                <a:solidFill>
+                  <a:schemeClr val="bg1"/>
+                </a:solidFill>
+              </a:rPr>
+              <a:t>Holy forever</a:t>
+            </a:r>
+          </a:p>
+        </p:txBody>
+      </p:sp>
+      <p:sp>
+        <p:nvSpPr>
+          <p:cNvPr id="4" name="TextBox 3"/>
+          <p:cNvSpPr txBox="1"/>
+          <p:nvPr/>
+        </p:nvSpPr>
+        <p:spPr>
+          <a:xfrm>
+            <a:off x="8428377" y="0"/>
+            <a:ext cx="784189" cy="461665"/>
+          </a:xfrm>
+          <a:prstGeom prst="rect">
+            <a:avLst/>
+          </a:prstGeom>
+          <a:noFill/>
+        </p:spPr>
+        <p:txBody>
+          <a:bodyPr wrap="none" rtlCol="0">
+            <a:spAutoFit/>
+          </a:bodyPr>
+          <a:lstStyle/>
+          <a:p>
+            <a:r>
+              <a:rPr lang="en-GB" sz="2400" b="1" dirty="0">
+                <a:solidFill>
+                  <a:schemeClr val="bg1"/>
+                </a:solidFill>
+              </a:rPr>
+              <a:t>3/10</a:t>
+            </a:r>
+          </a:p>
+        </p:txBody>
+      </p:sp>
+    </p:spTree>
+    <p:extLst>
+      <p:ext uri="{BB962C8B-B14F-4D97-AF65-F5344CB8AC3E}">
+        <p14:creationId xmlns:p14="http://schemas.microsoft.com/office/powerpoint/2010/main" val="1408307130"/>
+      </p:ext>
+    </p:extLst>
+  </p:cSld>
+  <p:clrMapOvr>
+    <a:masterClrMapping/>
+  </p:clrMapOvr>
+</p:sld>
+</file>
+
+<file path=ppt/slides/slide19.xml><?xml version="1.0" encoding="utf-8"?>
+<p:sld xmlns:a="http://schemas.openxmlformats.org/drawingml/2006/main" xmlns:r="http://schemas.openxmlformats.org/officeDocument/2006/relationships" xmlns:p="http://schemas.openxmlformats.org/presentationml/2006/main">
+  <p:cSld>
+    <p:spTree>
+      <p:nvGrpSpPr>
+        <p:cNvPr id="1" name=""/>
+        <p:cNvGrpSpPr/>
+        <p:nvPr/>
+      </p:nvGrpSpPr>
+      <p:grpSpPr>
+        <a:xfrm>
+          <a:off x="0" y="0"/>
+          <a:ext cx="0" cy="0"/>
+          <a:chOff x="0" y="0"/>
+          <a:chExt cx="0" cy="0"/>
+        </a:xfrm>
+      </p:grpSpPr>
+      <p:sp>
+        <p:nvSpPr>
+          <p:cNvPr id="3" name="Subtitle 2"/>
+          <p:cNvSpPr>
+            <a:spLocks noGrp="1"/>
+          </p:cNvSpPr>
+          <p:nvPr>
+            <p:ph type="subTitle" idx="1"/>
+          </p:nvPr>
+        </p:nvSpPr>
+        <p:spPr>
+          <a:xfrm>
+            <a:off x="251520" y="764704"/>
+            <a:ext cx="8640960" cy="6480720"/>
+          </a:xfrm>
+        </p:spPr>
+        <p:txBody>
+          <a:bodyPr>
+            <a:noAutofit/>
+          </a:bodyPr>
+          <a:lstStyle/>
+          <a:p>
+            <a:r>
+              <a:rPr lang="en-GB" sz="3600" dirty="0">
+                <a:solidFill>
+                  <a:schemeClr val="bg1"/>
+                </a:solidFill>
+              </a:rPr>
+              <a:t>If you've been forgiven and if you've been redeemed</a:t>
+            </a:r>
+          </a:p>
+          <a:p>
+            <a:r>
+              <a:rPr lang="en-GB" sz="3600" dirty="0">
+                <a:solidFill>
+                  <a:schemeClr val="bg1"/>
+                </a:solidFill>
+              </a:rPr>
+              <a:t>Sing the song forever to the Lamb</a:t>
+            </a:r>
+          </a:p>
+          <a:p>
+            <a:r>
+              <a:rPr lang="en-GB" sz="3600" dirty="0">
+                <a:solidFill>
+                  <a:schemeClr val="bg1"/>
+                </a:solidFill>
+              </a:rPr>
+              <a:t>If you walk in freedom and if you bear His name</a:t>
+            </a:r>
+          </a:p>
+          <a:p>
+            <a:r>
+              <a:rPr lang="en-GB" sz="3600" dirty="0">
+                <a:solidFill>
+                  <a:schemeClr val="bg1"/>
+                </a:solidFill>
+              </a:rPr>
+              <a:t>Sing the song forever to the Lamb</a:t>
+            </a:r>
+          </a:p>
+          <a:p>
+            <a:r>
+              <a:rPr lang="en-GB" sz="3600" dirty="0">
+                <a:solidFill>
+                  <a:schemeClr val="bg1"/>
+                </a:solidFill>
+              </a:rPr>
+              <a:t>We'll sing the song forever and amen</a:t>
+            </a:r>
+          </a:p>
+        </p:txBody>
+      </p:sp>
+      <p:sp>
+        <p:nvSpPr>
+          <p:cNvPr id="4" name="TextBox 3"/>
+          <p:cNvSpPr txBox="1"/>
+          <p:nvPr/>
+        </p:nvSpPr>
+        <p:spPr>
+          <a:xfrm>
+            <a:off x="8428377" y="0"/>
+            <a:ext cx="784189" cy="461665"/>
+          </a:xfrm>
+          <a:prstGeom prst="rect">
+            <a:avLst/>
+          </a:prstGeom>
+          <a:noFill/>
+        </p:spPr>
+        <p:txBody>
+          <a:bodyPr wrap="none" rtlCol="0">
+            <a:spAutoFit/>
+          </a:bodyPr>
+          <a:lstStyle/>
+          <a:p>
+            <a:r>
+              <a:rPr lang="en-GB" sz="2400" b="1" dirty="0">
+                <a:solidFill>
+                  <a:schemeClr val="bg1"/>
+                </a:solidFill>
+              </a:rPr>
+              <a:t>4/10</a:t>
+            </a:r>
+          </a:p>
+        </p:txBody>
+      </p:sp>
+    </p:spTree>
+    <p:extLst>
+      <p:ext uri="{BB962C8B-B14F-4D97-AF65-F5344CB8AC3E}">
+        <p14:creationId xmlns:p14="http://schemas.microsoft.com/office/powerpoint/2010/main" val="2044400062"/>
+      </p:ext>
+    </p:extLst>
+  </p:cSld>
+  <p:clrMapOvr>
+    <a:masterClrMapping/>
+  </p:clrMapOvr>
+</p:sld>
+</file>
+
+<file path=ppt/slides/slide2.xml><?xml version="1.0" encoding="utf-8"?>
+<p:sld xmlns:a="http://schemas.openxmlformats.org/drawingml/2006/main" xmlns:r="http://schemas.openxmlformats.org/officeDocument/2006/relationships" xmlns:p="http://schemas.openxmlformats.org/presentationml/2006/main">
+  <p:cSld>
+    <p:spTree>
+      <p:nvGrpSpPr>
+        <p:cNvPr id="1" name="">
+          <a:extLst>
+            <a:ext uri="{FF2B5EF4-FFF2-40B4-BE49-F238E27FC236}">
+              <a16:creationId xmlns:a16="http://schemas.microsoft.com/office/drawing/2014/main" id="{DF9A925F-3C39-460B-44A4-E86305403BC2}"/>
+            </a:ext>
+          </a:extLst>
+        </p:cNvPr>
+        <p:cNvGrpSpPr/>
+        <p:nvPr/>
+      </p:nvGrpSpPr>
+      <p:grpSpPr>
+        <a:xfrm>
+          <a:off x="0" y="0"/>
+          <a:ext cx="0" cy="0"/>
+          <a:chOff x="0" y="0"/>
+          <a:chExt cx="0" cy="0"/>
+        </a:xfrm>
+      </p:grpSpPr>
+      <p:sp>
+        <p:nvSpPr>
+          <p:cNvPr id="2" name="Title 1">
+            <a:extLst>
+              <a:ext uri="{FF2B5EF4-FFF2-40B4-BE49-F238E27FC236}">
+                <a16:creationId xmlns:a16="http://schemas.microsoft.com/office/drawing/2014/main" id="{1090A4B3-12A3-DA1A-FA81-75E5929718AF}"/>
+              </a:ext>
+            </a:extLst>
+          </p:cNvPr>
+          <p:cNvSpPr txBox="1">
+            <a:spLocks/>
+          </p:cNvSpPr>
+          <p:nvPr/>
+        </p:nvSpPr>
+        <p:spPr bwMode="auto">
+          <a:xfrm>
+            <a:off x="457200" y="836712"/>
+            <a:ext cx="8229600" cy="489346"/>
+          </a:xfrm>
+          <a:prstGeom prst="rect">
+            <a:avLst/>
+          </a:prstGeom>
+          <a:noFill/>
+          <a:ln>
+            <a:noFill/>
+          </a:ln>
+          <a:extLst>
+            <a:ext uri="{909E8E84-426E-40DD-AFC4-6F175D3DCCD1}">
+              <a14:hiddenFill xmlns:a14="http://schemas.microsoft.com/office/drawing/2010/main">
+                <a:solidFill>
+                  <a:srgbClr val="FFFFFF"/>
+                </a:solidFill>
+              </a14:hiddenFill>
+            </a:ext>
+            <a:ext uri="{91240B29-F687-4F45-9708-019B960494DF}">
+              <a14:hiddenLine xmlns:a14="http://schemas.microsoft.com/office/drawing/2010/main" w="9525">
+                <a:solidFill>
+                  <a:srgbClr val="000000"/>
+                </a:solidFill>
+                <a:miter lim="800000"/>
+                <a:headEnd/>
+                <a:tailEnd/>
+              </a14:hiddenLine>
+            </a:ext>
+          </a:extLst>
+        </p:spPr>
+        <p:txBody>
+          <a:bodyPr vert="horz" wrap="square" lIns="91440" tIns="45720" rIns="91440" bIns="45720" numCol="1" anchor="ctr" anchorCtr="0" compatLnSpc="1">
+            <a:prstTxWarp prst="textNoShape">
+              <a:avLst/>
+            </a:prstTxWarp>
+            <a:normAutofit fontScale="90000" lnSpcReduction="10000"/>
+          </a:bodyPr>
+          <a:lstStyle>
+            <a:lvl1pPr algn="l" defTabSz="457200" rtl="0" eaLnBrk="1" fontAlgn="base" hangingPunct="1">
+              <a:spcBef>
+                <a:spcPct val="0"/>
+              </a:spcBef>
+              <a:spcAft>
+                <a:spcPct val="0"/>
+              </a:spcAft>
+              <a:defRPr sz="3200" kern="1200">
+                <a:solidFill>
+                  <a:srgbClr val="58595B"/>
+                </a:solidFill>
+                <a:latin typeface="Rockwell"/>
+                <a:ea typeface="+mj-ea"/>
+                <a:cs typeface="+mj-cs"/>
+              </a:defRPr>
+            </a:lvl1pPr>
+            <a:lvl2pPr algn="l" defTabSz="457200" rtl="0" eaLnBrk="1" fontAlgn="base" hangingPunct="1">
+              <a:spcBef>
+                <a:spcPct val="0"/>
+              </a:spcBef>
+              <a:spcAft>
+                <a:spcPct val="0"/>
+              </a:spcAft>
+              <a:defRPr sz="4400">
+                <a:solidFill>
+                  <a:srgbClr val="58595B"/>
+                </a:solidFill>
+                <a:latin typeface="Rockwell" panose="02060603020205020403" pitchFamily="18" charset="0"/>
+              </a:defRPr>
+            </a:lvl2pPr>
+            <a:lvl3pPr algn="l" defTabSz="457200" rtl="0" eaLnBrk="1" fontAlgn="base" hangingPunct="1">
+              <a:spcBef>
+                <a:spcPct val="0"/>
+              </a:spcBef>
+              <a:spcAft>
+                <a:spcPct val="0"/>
+              </a:spcAft>
+              <a:defRPr sz="4400">
+                <a:solidFill>
+                  <a:srgbClr val="58595B"/>
+                </a:solidFill>
+                <a:latin typeface="Rockwell" panose="02060603020205020403" pitchFamily="18" charset="0"/>
+              </a:defRPr>
+            </a:lvl3pPr>
+            <a:lvl4pPr algn="l" defTabSz="457200" rtl="0" eaLnBrk="1" fontAlgn="base" hangingPunct="1">
+              <a:spcBef>
+                <a:spcPct val="0"/>
+              </a:spcBef>
+              <a:spcAft>
+                <a:spcPct val="0"/>
+              </a:spcAft>
+              <a:defRPr sz="4400">
+                <a:solidFill>
+                  <a:srgbClr val="58595B"/>
+                </a:solidFill>
+                <a:latin typeface="Rockwell" panose="02060603020205020403" pitchFamily="18" charset="0"/>
+              </a:defRPr>
+            </a:lvl4pPr>
+            <a:lvl5pPr algn="l" defTabSz="457200" rtl="0" eaLnBrk="1" fontAlgn="base" hangingPunct="1">
+              <a:spcBef>
+                <a:spcPct val="0"/>
+              </a:spcBef>
+              <a:spcAft>
+                <a:spcPct val="0"/>
+              </a:spcAft>
+              <a:defRPr sz="4400">
+                <a:solidFill>
+                  <a:srgbClr val="58595B"/>
+                </a:solidFill>
+                <a:latin typeface="Rockwell" panose="02060603020205020403" pitchFamily="18" charset="0"/>
+              </a:defRPr>
+            </a:lvl5pPr>
+            <a:lvl6pPr marL="457200" algn="l" defTabSz="457200" rtl="0" eaLnBrk="1" fontAlgn="base" hangingPunct="1">
+              <a:spcBef>
+                <a:spcPct val="0"/>
+              </a:spcBef>
+              <a:spcAft>
+                <a:spcPct val="0"/>
+              </a:spcAft>
+              <a:defRPr sz="4400">
+                <a:solidFill>
+                  <a:srgbClr val="58595B"/>
+                </a:solidFill>
+                <a:latin typeface="Rockwell" panose="02060603020205020403" pitchFamily="18" charset="0"/>
+              </a:defRPr>
+            </a:lvl6pPr>
+            <a:lvl7pPr marL="914400" algn="l" defTabSz="457200" rtl="0" eaLnBrk="1" fontAlgn="base" hangingPunct="1">
+              <a:spcBef>
+                <a:spcPct val="0"/>
+              </a:spcBef>
+              <a:spcAft>
+                <a:spcPct val="0"/>
+              </a:spcAft>
+              <a:defRPr sz="4400">
+                <a:solidFill>
+                  <a:srgbClr val="58595B"/>
+                </a:solidFill>
+                <a:latin typeface="Rockwell" panose="02060603020205020403" pitchFamily="18" charset="0"/>
+              </a:defRPr>
+            </a:lvl7pPr>
+            <a:lvl8pPr marL="1371600" algn="l" defTabSz="457200" rtl="0" eaLnBrk="1" fontAlgn="base" hangingPunct="1">
+              <a:spcBef>
+                <a:spcPct val="0"/>
+              </a:spcBef>
+              <a:spcAft>
+                <a:spcPct val="0"/>
+              </a:spcAft>
+              <a:defRPr sz="4400">
+                <a:solidFill>
+                  <a:srgbClr val="58595B"/>
+                </a:solidFill>
+                <a:latin typeface="Rockwell" panose="02060603020205020403" pitchFamily="18" charset="0"/>
+              </a:defRPr>
+            </a:lvl8pPr>
+            <a:lvl9pPr marL="1828800" algn="l" defTabSz="457200" rtl="0" eaLnBrk="1" fontAlgn="base" hangingPunct="1">
+              <a:spcBef>
+                <a:spcPct val="0"/>
+              </a:spcBef>
+              <a:spcAft>
+                <a:spcPct val="0"/>
+              </a:spcAft>
+              <a:defRPr sz="4400">
+                <a:solidFill>
+                  <a:srgbClr val="58595B"/>
+                </a:solidFill>
+                <a:latin typeface="Rockwell" panose="02060603020205020403" pitchFamily="18" charset="0"/>
+              </a:defRPr>
+            </a:lvl9pPr>
+          </a:lstStyle>
+          <a:p>
+            <a:pPr marL="0" marR="0" lvl="0" indent="0" algn="l" defTabSz="457200" rtl="0" eaLnBrk="1" fontAlgn="base" latinLnBrk="0" hangingPunct="1">
+              <a:lnSpc>
+                <a:spcPct val="100000"/>
+              </a:lnSpc>
+              <a:spcBef>
+                <a:spcPct val="0"/>
+              </a:spcBef>
+              <a:spcAft>
+                <a:spcPct val="0"/>
+              </a:spcAft>
+              <a:buClrTx/>
+              <a:buSzTx/>
+              <a:buFontTx/>
+              <a:buNone/>
+              <a:tabLst/>
+              <a:defRPr/>
+            </a:pPr>
+            <a:endParaRPr kumimoji="0" lang="en-GB" sz="3200" b="0" i="0" u="none" strike="noStrike" kern="1200" cap="none" spc="0" normalizeH="0" baseline="0" noProof="0" dirty="0">
+              <a:ln>
+                <a:noFill/>
+              </a:ln>
+              <a:solidFill>
+                <a:schemeClr val="bg1"/>
+              </a:solidFill>
+              <a:effectLst/>
+              <a:uLnTx/>
+              <a:uFillTx/>
+              <a:latin typeface="Rockwell"/>
+              <a:ea typeface="+mj-ea"/>
+              <a:cs typeface="+mj-cs"/>
+            </a:endParaRPr>
+          </a:p>
+        </p:txBody>
+      </p:sp>
+      <p:sp>
+        <p:nvSpPr>
+          <p:cNvPr id="4" name="Title 1">
+            <a:extLst>
+              <a:ext uri="{FF2B5EF4-FFF2-40B4-BE49-F238E27FC236}">
+                <a16:creationId xmlns:a16="http://schemas.microsoft.com/office/drawing/2014/main" id="{A353E09A-379B-2879-8F00-D4900DE7FDE8}"/>
+              </a:ext>
+            </a:extLst>
+          </p:cNvPr>
+          <p:cNvSpPr txBox="1">
+            <a:spLocks/>
+          </p:cNvSpPr>
+          <p:nvPr/>
+        </p:nvSpPr>
+        <p:spPr bwMode="auto">
+          <a:xfrm>
+            <a:off x="435852" y="1484784"/>
+            <a:ext cx="8229600" cy="4680520"/>
+          </a:xfrm>
+          <a:prstGeom prst="rect">
+            <a:avLst/>
+          </a:prstGeom>
+          <a:noFill/>
+          <a:ln>
+            <a:noFill/>
+          </a:ln>
+          <a:extLst>
+            <a:ext uri="{909E8E84-426E-40DD-AFC4-6F175D3DCCD1}">
+              <a14:hiddenFill xmlns:a14="http://schemas.microsoft.com/office/drawing/2010/main">
+                <a:solidFill>
+                  <a:srgbClr val="FFFFFF"/>
+                </a:solidFill>
+              </a14:hiddenFill>
+            </a:ext>
+            <a:ext uri="{91240B29-F687-4F45-9708-019B960494DF}">
+              <a14:hiddenLine xmlns:a14="http://schemas.microsoft.com/office/drawing/2010/main" w="9525">
+                <a:solidFill>
+                  <a:srgbClr val="000000"/>
+                </a:solidFill>
+                <a:miter lim="800000"/>
+                <a:headEnd/>
+                <a:tailEnd/>
+              </a14:hiddenLine>
+            </a:ext>
+          </a:extLst>
+        </p:spPr>
+        <p:txBody>
+          <a:bodyPr vert="horz" wrap="square" lIns="91440" tIns="45720" rIns="91440" bIns="45720" numCol="1" anchor="ctr" anchorCtr="0" compatLnSpc="1">
+            <a:prstTxWarp prst="textNoShape">
+              <a:avLst/>
+            </a:prstTxWarp>
+            <a:normAutofit/>
+          </a:bodyPr>
+          <a:lstStyle>
+            <a:lvl1pPr algn="l" defTabSz="457200" rtl="0" eaLnBrk="1" fontAlgn="base" hangingPunct="1">
+              <a:spcBef>
+                <a:spcPct val="0"/>
+              </a:spcBef>
+              <a:spcAft>
+                <a:spcPct val="0"/>
+              </a:spcAft>
+              <a:defRPr sz="3200" kern="1200">
+                <a:solidFill>
+                  <a:srgbClr val="58595B"/>
+                </a:solidFill>
+                <a:latin typeface="Rockwell"/>
+                <a:ea typeface="+mj-ea"/>
+                <a:cs typeface="+mj-cs"/>
+              </a:defRPr>
+            </a:lvl1pPr>
+            <a:lvl2pPr algn="l" defTabSz="457200" rtl="0" eaLnBrk="1" fontAlgn="base" hangingPunct="1">
+              <a:spcBef>
+                <a:spcPct val="0"/>
+              </a:spcBef>
+              <a:spcAft>
+                <a:spcPct val="0"/>
+              </a:spcAft>
+              <a:defRPr sz="4400">
+                <a:solidFill>
+                  <a:srgbClr val="58595B"/>
+                </a:solidFill>
+                <a:latin typeface="Rockwell" panose="02060603020205020403" pitchFamily="18" charset="0"/>
+              </a:defRPr>
+            </a:lvl2pPr>
+            <a:lvl3pPr algn="l" defTabSz="457200" rtl="0" eaLnBrk="1" fontAlgn="base" hangingPunct="1">
+              <a:spcBef>
+                <a:spcPct val="0"/>
+              </a:spcBef>
+              <a:spcAft>
+                <a:spcPct val="0"/>
+              </a:spcAft>
+              <a:defRPr sz="4400">
+                <a:solidFill>
+                  <a:srgbClr val="58595B"/>
+                </a:solidFill>
+                <a:latin typeface="Rockwell" panose="02060603020205020403" pitchFamily="18" charset="0"/>
+              </a:defRPr>
+            </a:lvl3pPr>
+            <a:lvl4pPr algn="l" defTabSz="457200" rtl="0" eaLnBrk="1" fontAlgn="base" hangingPunct="1">
+              <a:spcBef>
+                <a:spcPct val="0"/>
+              </a:spcBef>
+              <a:spcAft>
+                <a:spcPct val="0"/>
+              </a:spcAft>
+              <a:defRPr sz="4400">
+                <a:solidFill>
+                  <a:srgbClr val="58595B"/>
+                </a:solidFill>
+                <a:latin typeface="Rockwell" panose="02060603020205020403" pitchFamily="18" charset="0"/>
+              </a:defRPr>
+            </a:lvl4pPr>
+            <a:lvl5pPr algn="l" defTabSz="457200" rtl="0" eaLnBrk="1" fontAlgn="base" hangingPunct="1">
+              <a:spcBef>
+                <a:spcPct val="0"/>
+              </a:spcBef>
+              <a:spcAft>
+                <a:spcPct val="0"/>
+              </a:spcAft>
+              <a:defRPr sz="4400">
+                <a:solidFill>
+                  <a:srgbClr val="58595B"/>
+                </a:solidFill>
+                <a:latin typeface="Rockwell" panose="02060603020205020403" pitchFamily="18" charset="0"/>
+              </a:defRPr>
+            </a:lvl5pPr>
+            <a:lvl6pPr marL="457200" algn="l" defTabSz="457200" rtl="0" eaLnBrk="1" fontAlgn="base" hangingPunct="1">
+              <a:spcBef>
+                <a:spcPct val="0"/>
+              </a:spcBef>
+              <a:spcAft>
+                <a:spcPct val="0"/>
+              </a:spcAft>
+              <a:defRPr sz="4400">
+                <a:solidFill>
+                  <a:srgbClr val="58595B"/>
+                </a:solidFill>
+                <a:latin typeface="Rockwell" panose="02060603020205020403" pitchFamily="18" charset="0"/>
+              </a:defRPr>
+            </a:lvl6pPr>
+            <a:lvl7pPr marL="914400" algn="l" defTabSz="457200" rtl="0" eaLnBrk="1" fontAlgn="base" hangingPunct="1">
+              <a:spcBef>
+                <a:spcPct val="0"/>
+              </a:spcBef>
+              <a:spcAft>
+                <a:spcPct val="0"/>
+              </a:spcAft>
+              <a:defRPr sz="4400">
+                <a:solidFill>
+                  <a:srgbClr val="58595B"/>
+                </a:solidFill>
+                <a:latin typeface="Rockwell" panose="02060603020205020403" pitchFamily="18" charset="0"/>
+              </a:defRPr>
+            </a:lvl7pPr>
+            <a:lvl8pPr marL="1371600" algn="l" defTabSz="457200" rtl="0" eaLnBrk="1" fontAlgn="base" hangingPunct="1">
+              <a:spcBef>
+                <a:spcPct val="0"/>
+              </a:spcBef>
+              <a:spcAft>
+                <a:spcPct val="0"/>
+              </a:spcAft>
+              <a:defRPr sz="4400">
+                <a:solidFill>
+                  <a:srgbClr val="58595B"/>
+                </a:solidFill>
+                <a:latin typeface="Rockwell" panose="02060603020205020403" pitchFamily="18" charset="0"/>
+              </a:defRPr>
+            </a:lvl8pPr>
+            <a:lvl9pPr marL="1828800" algn="l" defTabSz="457200" rtl="0" eaLnBrk="1" fontAlgn="base" hangingPunct="1">
+              <a:spcBef>
+                <a:spcPct val="0"/>
+              </a:spcBef>
+              <a:spcAft>
+                <a:spcPct val="0"/>
+              </a:spcAft>
+              <a:defRPr sz="4400">
+                <a:solidFill>
+                  <a:srgbClr val="58595B"/>
+                </a:solidFill>
+                <a:latin typeface="Rockwell" panose="02060603020205020403" pitchFamily="18" charset="0"/>
+              </a:defRPr>
+            </a:lvl9pPr>
+          </a:lstStyle>
+          <a:p>
+            <a:pPr marL="0" marR="0" lvl="0" indent="0" algn="ctr" defTabSz="457200" rtl="0" eaLnBrk="1" fontAlgn="base" latinLnBrk="0" hangingPunct="1">
+              <a:lnSpc>
+                <a:spcPct val="100000"/>
+              </a:lnSpc>
+              <a:spcBef>
+                <a:spcPct val="0"/>
+              </a:spcBef>
+              <a:spcAft>
+                <a:spcPct val="0"/>
+              </a:spcAft>
+              <a:buClrTx/>
+              <a:buSzTx/>
+              <a:buFontTx/>
+              <a:buNone/>
+              <a:tabLst/>
+              <a:defRPr/>
+            </a:pPr>
+            <a:endParaRPr kumimoji="0" lang="en-GB" sz="3200" b="0" i="0" u="none" strike="noStrike" kern="1200" cap="none" spc="0" normalizeH="0" baseline="0" noProof="0" dirty="0">
+              <a:ln>
+                <a:noFill/>
+              </a:ln>
+              <a:solidFill>
+                <a:schemeClr val="bg1"/>
+              </a:solidFill>
+              <a:effectLst/>
+              <a:uLnTx/>
+              <a:uFillTx/>
+              <a:latin typeface="Rockwell"/>
+              <a:ea typeface="+mj-ea"/>
+              <a:cs typeface="+mj-cs"/>
+            </a:endParaRPr>
+          </a:p>
+        </p:txBody>
+      </p:sp>
+      <p:pic>
+        <p:nvPicPr>
+          <p:cNvPr id="1026" name="Picture 2" descr="Power In Prayer">
+            <a:extLst>
+              <a:ext uri="{FF2B5EF4-FFF2-40B4-BE49-F238E27FC236}">
+                <a16:creationId xmlns:a16="http://schemas.microsoft.com/office/drawing/2014/main" id="{868311B2-4BE5-342E-2096-ABFC5403C939}"/>
+              </a:ext>
+            </a:extLst>
+          </p:cNvPr>
+          <p:cNvPicPr>
+            <a:picLocks noChangeAspect="1" noChangeArrowheads="1"/>
+          </p:cNvPicPr>
+          <p:nvPr/>
+        </p:nvPicPr>
+        <p:blipFill>
+          <a:blip r:embed="rId3">
+            <a:extLst>
+              <a:ext uri="{28A0092B-C50C-407E-A947-70E740481C1C}">
+                <a14:useLocalDpi xmlns:a14="http://schemas.microsoft.com/office/drawing/2010/main" val="0"/>
+              </a:ext>
+            </a:extLst>
+          </a:blip>
+          <a:srcRect/>
+          <a:stretch>
+            <a:fillRect/>
+          </a:stretch>
+        </p:blipFill>
+        <p:spPr bwMode="auto">
+          <a:xfrm>
+            <a:off x="892902" y="980728"/>
+            <a:ext cx="7574611" cy="5040559"/>
+          </a:xfrm>
+          <a:prstGeom prst="rect">
+            <a:avLst/>
+          </a:prstGeom>
+          <a:noFill/>
+          <a:extLst>
+            <a:ext uri="{909E8E84-426E-40DD-AFC4-6F175D3DCCD1}">
+              <a14:hiddenFill xmlns:a14="http://schemas.microsoft.com/office/drawing/2010/main">
+                <a:solidFill>
+                  <a:srgbClr val="FFFFFF"/>
+                </a:solidFill>
+              </a14:hiddenFill>
+            </a:ext>
+          </a:extLst>
+        </p:spPr>
+      </p:pic>
+    </p:spTree>
+    <p:extLst>
+      <p:ext uri="{BB962C8B-B14F-4D97-AF65-F5344CB8AC3E}">
+        <p14:creationId xmlns:p14="http://schemas.microsoft.com/office/powerpoint/2010/main" val="3512855255"/>
+      </p:ext>
+    </p:extLst>
+  </p:cSld>
+  <p:clrMapOvr>
+    <a:masterClrMapping/>
+  </p:clrMapOvr>
+</p:sld>
+</file>
+
+<file path=ppt/slides/slide20.xml><?xml version="1.0" encoding="utf-8"?>
+<p:sld xmlns:a="http://schemas.openxmlformats.org/drawingml/2006/main" xmlns:r="http://schemas.openxmlformats.org/officeDocument/2006/relationships" xmlns:p="http://schemas.openxmlformats.org/presentationml/2006/main">
+  <p:cSld>
+    <p:spTree>
+      <p:nvGrpSpPr>
+        <p:cNvPr id="1" name=""/>
+        <p:cNvGrpSpPr/>
+        <p:nvPr/>
+      </p:nvGrpSpPr>
+      <p:grpSpPr>
+        <a:xfrm>
+          <a:off x="0" y="0"/>
+          <a:ext cx="0" cy="0"/>
+          <a:chOff x="0" y="0"/>
+          <a:chExt cx="0" cy="0"/>
+        </a:xfrm>
+      </p:grpSpPr>
+      <p:sp>
+        <p:nvSpPr>
+          <p:cNvPr id="3" name="Subtitle 2"/>
+          <p:cNvSpPr>
+            <a:spLocks noGrp="1"/>
+          </p:cNvSpPr>
+          <p:nvPr>
+            <p:ph type="subTitle" idx="1"/>
+          </p:nvPr>
+        </p:nvSpPr>
+        <p:spPr>
+          <a:xfrm>
+            <a:off x="251520" y="764704"/>
+            <a:ext cx="8640960" cy="6480720"/>
+          </a:xfrm>
+        </p:spPr>
+        <p:txBody>
+          <a:bodyPr>
+            <a:noAutofit/>
+          </a:bodyPr>
+          <a:lstStyle/>
+          <a:p>
+            <a:r>
+              <a:rPr lang="en-GB" sz="3600" dirty="0">
+                <a:solidFill>
+                  <a:schemeClr val="bg1"/>
+                </a:solidFill>
+              </a:rPr>
+              <a:t>And the angels cry Holy</a:t>
+            </a:r>
+          </a:p>
+          <a:p>
+            <a:r>
+              <a:rPr lang="en-GB" sz="3600" dirty="0">
+                <a:solidFill>
+                  <a:schemeClr val="bg1"/>
+                </a:solidFill>
+              </a:rPr>
+              <a:t>All creation cries Holy</a:t>
+            </a:r>
+          </a:p>
+          <a:p>
+            <a:r>
+              <a:rPr lang="en-GB" sz="3600" dirty="0">
+                <a:solidFill>
+                  <a:schemeClr val="bg1"/>
+                </a:solidFill>
+              </a:rPr>
+              <a:t>You are lifted high Holy</a:t>
+            </a:r>
+          </a:p>
+          <a:p>
+            <a:r>
+              <a:rPr lang="en-GB" sz="3600" dirty="0">
+                <a:solidFill>
+                  <a:schemeClr val="bg1"/>
+                </a:solidFill>
+              </a:rPr>
+              <a:t>Holy forever</a:t>
+            </a:r>
+          </a:p>
+        </p:txBody>
+      </p:sp>
+      <p:sp>
+        <p:nvSpPr>
+          <p:cNvPr id="4" name="TextBox 3"/>
+          <p:cNvSpPr txBox="1"/>
+          <p:nvPr/>
+        </p:nvSpPr>
+        <p:spPr>
+          <a:xfrm>
+            <a:off x="8244408" y="44624"/>
+            <a:ext cx="784189" cy="461665"/>
+          </a:xfrm>
+          <a:prstGeom prst="rect">
+            <a:avLst/>
+          </a:prstGeom>
+          <a:noFill/>
+        </p:spPr>
+        <p:txBody>
+          <a:bodyPr wrap="none" rtlCol="0">
+            <a:spAutoFit/>
+          </a:bodyPr>
+          <a:lstStyle/>
+          <a:p>
+            <a:r>
+              <a:rPr lang="en-GB" sz="2400" b="1" dirty="0">
+                <a:solidFill>
+                  <a:schemeClr val="bg1"/>
+                </a:solidFill>
+              </a:rPr>
+              <a:t>5/10</a:t>
+            </a:r>
+          </a:p>
+        </p:txBody>
+      </p:sp>
+    </p:spTree>
+    <p:extLst>
+      <p:ext uri="{BB962C8B-B14F-4D97-AF65-F5344CB8AC3E}">
+        <p14:creationId xmlns:p14="http://schemas.microsoft.com/office/powerpoint/2010/main" val="2864160860"/>
+      </p:ext>
+    </p:extLst>
+  </p:cSld>
+  <p:clrMapOvr>
+    <a:masterClrMapping/>
+  </p:clrMapOvr>
+</p:sld>
+</file>
+
+<file path=ppt/slides/slide21.xml><?xml version="1.0" encoding="utf-8"?>
+<p:sld xmlns:a="http://schemas.openxmlformats.org/drawingml/2006/main" xmlns:r="http://schemas.openxmlformats.org/officeDocument/2006/relationships" xmlns:p="http://schemas.openxmlformats.org/presentationml/2006/main">
+  <p:cSld>
+    <p:spTree>
+      <p:nvGrpSpPr>
+        <p:cNvPr id="1" name=""/>
+        <p:cNvGrpSpPr/>
+        <p:nvPr/>
+      </p:nvGrpSpPr>
+      <p:grpSpPr>
+        <a:xfrm>
+          <a:off x="0" y="0"/>
+          <a:ext cx="0" cy="0"/>
+          <a:chOff x="0" y="0"/>
+          <a:chExt cx="0" cy="0"/>
+        </a:xfrm>
+      </p:grpSpPr>
+      <p:sp>
+        <p:nvSpPr>
+          <p:cNvPr id="3" name="Subtitle 2"/>
+          <p:cNvSpPr>
+            <a:spLocks noGrp="1"/>
+          </p:cNvSpPr>
+          <p:nvPr>
+            <p:ph type="subTitle" idx="1"/>
+          </p:nvPr>
+        </p:nvSpPr>
+        <p:spPr>
+          <a:xfrm>
+            <a:off x="179512" y="692696"/>
+            <a:ext cx="8640960" cy="6480720"/>
+          </a:xfrm>
+        </p:spPr>
+        <p:txBody>
+          <a:bodyPr>
+            <a:noAutofit/>
+          </a:bodyPr>
+          <a:lstStyle/>
+          <a:p>
+            <a:r>
+              <a:rPr lang="en-GB" sz="3600" dirty="0">
+                <a:solidFill>
+                  <a:schemeClr val="bg1"/>
+                </a:solidFill>
+              </a:rPr>
+              <a:t>Hear Your people sing Holy</a:t>
+            </a:r>
+          </a:p>
+          <a:p>
+            <a:r>
+              <a:rPr lang="en-GB" sz="3600" dirty="0">
+                <a:solidFill>
+                  <a:schemeClr val="bg1"/>
+                </a:solidFill>
+              </a:rPr>
+              <a:t>To the King of Kings Holy</a:t>
+            </a:r>
+          </a:p>
+          <a:p>
+            <a:r>
+              <a:rPr lang="en-GB" sz="3600" dirty="0">
+                <a:solidFill>
+                  <a:schemeClr val="bg1"/>
+                </a:solidFill>
+              </a:rPr>
+              <a:t>You will always be Holy</a:t>
+            </a:r>
+          </a:p>
+          <a:p>
+            <a:r>
+              <a:rPr lang="en-GB" sz="3600" dirty="0">
+                <a:solidFill>
+                  <a:schemeClr val="bg1"/>
+                </a:solidFill>
+              </a:rPr>
+              <a:t>Holy forever</a:t>
+            </a:r>
+          </a:p>
+        </p:txBody>
+      </p:sp>
+      <p:sp>
+        <p:nvSpPr>
+          <p:cNvPr id="4" name="TextBox 3"/>
+          <p:cNvSpPr txBox="1"/>
+          <p:nvPr/>
+        </p:nvSpPr>
+        <p:spPr>
+          <a:xfrm>
+            <a:off x="8334609" y="0"/>
+            <a:ext cx="784189" cy="461665"/>
+          </a:xfrm>
+          <a:prstGeom prst="rect">
+            <a:avLst/>
+          </a:prstGeom>
+          <a:noFill/>
+        </p:spPr>
+        <p:txBody>
+          <a:bodyPr wrap="none" rtlCol="0">
+            <a:spAutoFit/>
+          </a:bodyPr>
+          <a:lstStyle/>
+          <a:p>
+            <a:r>
+              <a:rPr lang="en-GB" sz="2400" b="1" dirty="0">
+                <a:solidFill>
+                  <a:schemeClr val="bg1"/>
+                </a:solidFill>
+              </a:rPr>
+              <a:t>6/10</a:t>
+            </a:r>
+          </a:p>
+        </p:txBody>
+      </p:sp>
+    </p:spTree>
+    <p:extLst>
+      <p:ext uri="{BB962C8B-B14F-4D97-AF65-F5344CB8AC3E}">
+        <p14:creationId xmlns:p14="http://schemas.microsoft.com/office/powerpoint/2010/main" val="3063323204"/>
+      </p:ext>
+    </p:extLst>
+  </p:cSld>
+  <p:clrMapOvr>
+    <a:masterClrMapping/>
+  </p:clrMapOvr>
+</p:sld>
+</file>
+
+<file path=ppt/slides/slide22.xml><?xml version="1.0" encoding="utf-8"?>
+<p:sld xmlns:a="http://schemas.openxmlformats.org/drawingml/2006/main" xmlns:r="http://schemas.openxmlformats.org/officeDocument/2006/relationships" xmlns:p="http://schemas.openxmlformats.org/presentationml/2006/main">
+  <p:cSld>
+    <p:spTree>
+      <p:nvGrpSpPr>
+        <p:cNvPr id="1" name=""/>
+        <p:cNvGrpSpPr/>
+        <p:nvPr/>
+      </p:nvGrpSpPr>
+      <p:grpSpPr>
+        <a:xfrm>
+          <a:off x="0" y="0"/>
+          <a:ext cx="0" cy="0"/>
+          <a:chOff x="0" y="0"/>
+          <a:chExt cx="0" cy="0"/>
+        </a:xfrm>
+      </p:grpSpPr>
+      <p:sp>
+        <p:nvSpPr>
+          <p:cNvPr id="3" name="Subtitle 2"/>
+          <p:cNvSpPr>
+            <a:spLocks noGrp="1"/>
+          </p:cNvSpPr>
+          <p:nvPr>
+            <p:ph type="subTitle" idx="1"/>
+          </p:nvPr>
+        </p:nvSpPr>
+        <p:spPr>
+          <a:xfrm>
+            <a:off x="251520" y="836712"/>
+            <a:ext cx="8640960" cy="6480720"/>
+          </a:xfrm>
+        </p:spPr>
+        <p:txBody>
+          <a:bodyPr>
+            <a:noAutofit/>
+          </a:bodyPr>
+          <a:lstStyle/>
+          <a:p>
+            <a:r>
+              <a:rPr lang="en-GB" sz="3600" dirty="0">
+                <a:solidFill>
+                  <a:schemeClr val="bg1"/>
+                </a:solidFill>
+              </a:rPr>
+              <a:t>(Jesus) Your name is the highest</a:t>
+            </a:r>
+          </a:p>
+          <a:p>
+            <a:r>
+              <a:rPr lang="en-GB" sz="3600" dirty="0">
+                <a:solidFill>
+                  <a:schemeClr val="bg1"/>
+                </a:solidFill>
+              </a:rPr>
+              <a:t>Your name is the greatest</a:t>
+            </a:r>
+          </a:p>
+          <a:p>
+            <a:r>
+              <a:rPr lang="en-GB" sz="3600" dirty="0">
+                <a:solidFill>
+                  <a:schemeClr val="bg1"/>
+                </a:solidFill>
+              </a:rPr>
+              <a:t>Your name stands above them all</a:t>
+            </a:r>
+          </a:p>
+          <a:p>
+            <a:r>
+              <a:rPr lang="en-GB" sz="3600" dirty="0">
+                <a:solidFill>
+                  <a:schemeClr val="bg1"/>
+                </a:solidFill>
+              </a:rPr>
+              <a:t>All thrones and dominions</a:t>
+            </a:r>
+          </a:p>
+          <a:p>
+            <a:r>
+              <a:rPr lang="en-GB" sz="3600" dirty="0">
+                <a:solidFill>
+                  <a:schemeClr val="bg1"/>
+                </a:solidFill>
+              </a:rPr>
+              <a:t>All powers and positions</a:t>
+            </a:r>
+          </a:p>
+          <a:p>
+            <a:r>
+              <a:rPr lang="en-GB" sz="3600" dirty="0">
+                <a:solidFill>
+                  <a:schemeClr val="bg1"/>
+                </a:solidFill>
+              </a:rPr>
+              <a:t>Your name stands above them all</a:t>
+            </a:r>
+          </a:p>
+        </p:txBody>
+      </p:sp>
+      <p:sp>
+        <p:nvSpPr>
+          <p:cNvPr id="4" name="TextBox 3"/>
+          <p:cNvSpPr txBox="1"/>
+          <p:nvPr/>
+        </p:nvSpPr>
+        <p:spPr>
+          <a:xfrm>
+            <a:off x="8331558" y="0"/>
+            <a:ext cx="784189" cy="461665"/>
+          </a:xfrm>
+          <a:prstGeom prst="rect">
+            <a:avLst/>
+          </a:prstGeom>
+          <a:noFill/>
+        </p:spPr>
+        <p:txBody>
+          <a:bodyPr wrap="none" rtlCol="0">
+            <a:spAutoFit/>
+          </a:bodyPr>
+          <a:lstStyle/>
+          <a:p>
+            <a:r>
+              <a:rPr lang="en-GB" sz="2400" b="1" dirty="0">
+                <a:solidFill>
+                  <a:schemeClr val="bg1"/>
+                </a:solidFill>
+              </a:rPr>
+              <a:t>7/10</a:t>
+            </a:r>
+          </a:p>
+        </p:txBody>
+      </p:sp>
+    </p:spTree>
+    <p:extLst>
+      <p:ext uri="{BB962C8B-B14F-4D97-AF65-F5344CB8AC3E}">
+        <p14:creationId xmlns:p14="http://schemas.microsoft.com/office/powerpoint/2010/main" val="1806542696"/>
+      </p:ext>
+    </p:extLst>
+  </p:cSld>
+  <p:clrMapOvr>
+    <a:masterClrMapping/>
+  </p:clrMapOvr>
+</p:sld>
+</file>
+
+<file path=ppt/slides/slide23.xml><?xml version="1.0" encoding="utf-8"?>
+<p:sld xmlns:a="http://schemas.openxmlformats.org/drawingml/2006/main" xmlns:r="http://schemas.openxmlformats.org/officeDocument/2006/relationships" xmlns:p="http://schemas.openxmlformats.org/presentationml/2006/main">
+  <p:cSld>
+    <p:spTree>
+      <p:nvGrpSpPr>
+        <p:cNvPr id="1" name=""/>
+        <p:cNvGrpSpPr/>
+        <p:nvPr/>
+      </p:nvGrpSpPr>
+      <p:grpSpPr>
+        <a:xfrm>
+          <a:off x="0" y="0"/>
+          <a:ext cx="0" cy="0"/>
+          <a:chOff x="0" y="0"/>
+          <a:chExt cx="0" cy="0"/>
+        </a:xfrm>
+      </p:grpSpPr>
+      <p:sp>
+        <p:nvSpPr>
+          <p:cNvPr id="3" name="Subtitle 2"/>
+          <p:cNvSpPr>
+            <a:spLocks noGrp="1"/>
+          </p:cNvSpPr>
+          <p:nvPr>
+            <p:ph type="subTitle" idx="1"/>
+          </p:nvPr>
+        </p:nvSpPr>
+        <p:spPr>
+          <a:xfrm>
+            <a:off x="251520" y="764704"/>
+            <a:ext cx="8640960" cy="6480720"/>
+          </a:xfrm>
+        </p:spPr>
+        <p:txBody>
+          <a:bodyPr>
+            <a:noAutofit/>
+          </a:bodyPr>
+          <a:lstStyle/>
+          <a:p>
+            <a:r>
+              <a:rPr lang="en-GB" sz="4000" dirty="0">
+                <a:solidFill>
+                  <a:schemeClr val="bg1"/>
+                </a:solidFill>
+              </a:rPr>
+              <a:t>And the angels cry Holy</a:t>
+            </a:r>
+          </a:p>
+          <a:p>
+            <a:r>
+              <a:rPr lang="en-GB" sz="4000" dirty="0">
+                <a:solidFill>
+                  <a:schemeClr val="bg1"/>
+                </a:solidFill>
+              </a:rPr>
+              <a:t>All creation cries Holy</a:t>
+            </a:r>
+          </a:p>
+          <a:p>
+            <a:r>
+              <a:rPr lang="en-GB" sz="4000" dirty="0">
+                <a:solidFill>
+                  <a:schemeClr val="bg1"/>
+                </a:solidFill>
+              </a:rPr>
+              <a:t>You are lifted high Holy</a:t>
+            </a:r>
+          </a:p>
+          <a:p>
+            <a:r>
+              <a:rPr lang="en-GB" sz="4000" dirty="0">
+                <a:solidFill>
+                  <a:schemeClr val="bg1"/>
+                </a:solidFill>
+              </a:rPr>
+              <a:t>Holy forever</a:t>
+            </a:r>
+          </a:p>
+        </p:txBody>
+      </p:sp>
+      <p:sp>
+        <p:nvSpPr>
+          <p:cNvPr id="4" name="TextBox 3"/>
+          <p:cNvSpPr txBox="1"/>
+          <p:nvPr/>
+        </p:nvSpPr>
+        <p:spPr>
+          <a:xfrm>
+            <a:off x="8316416" y="0"/>
+            <a:ext cx="784189" cy="461665"/>
+          </a:xfrm>
+          <a:prstGeom prst="rect">
+            <a:avLst/>
+          </a:prstGeom>
+          <a:noFill/>
+        </p:spPr>
+        <p:txBody>
+          <a:bodyPr wrap="none" rtlCol="0">
+            <a:spAutoFit/>
+          </a:bodyPr>
+          <a:lstStyle/>
+          <a:p>
+            <a:r>
+              <a:rPr lang="en-GB" sz="2400" b="1" dirty="0">
+                <a:solidFill>
+                  <a:schemeClr val="bg1"/>
+                </a:solidFill>
+              </a:rPr>
+              <a:t>8/10</a:t>
+            </a:r>
+          </a:p>
+        </p:txBody>
+      </p:sp>
+    </p:spTree>
+    <p:extLst>
+      <p:ext uri="{BB962C8B-B14F-4D97-AF65-F5344CB8AC3E}">
+        <p14:creationId xmlns:p14="http://schemas.microsoft.com/office/powerpoint/2010/main" val="3703381109"/>
+      </p:ext>
+    </p:extLst>
+  </p:cSld>
+  <p:clrMapOvr>
+    <a:masterClrMapping/>
+  </p:clrMapOvr>
+</p:sld>
+</file>
+
+<file path=ppt/slides/slide24.xml><?xml version="1.0" encoding="utf-8"?>
+<p:sld xmlns:a="http://schemas.openxmlformats.org/drawingml/2006/main" xmlns:r="http://schemas.openxmlformats.org/officeDocument/2006/relationships" xmlns:p="http://schemas.openxmlformats.org/presentationml/2006/main">
+  <p:cSld>
+    <p:spTree>
+      <p:nvGrpSpPr>
+        <p:cNvPr id="1" name=""/>
+        <p:cNvGrpSpPr/>
+        <p:nvPr/>
+      </p:nvGrpSpPr>
+      <p:grpSpPr>
+        <a:xfrm>
+          <a:off x="0" y="0"/>
+          <a:ext cx="0" cy="0"/>
+          <a:chOff x="0" y="0"/>
+          <a:chExt cx="0" cy="0"/>
+        </a:xfrm>
+      </p:grpSpPr>
+      <p:sp>
+        <p:nvSpPr>
+          <p:cNvPr id="3" name="Subtitle 2"/>
+          <p:cNvSpPr>
+            <a:spLocks noGrp="1"/>
+          </p:cNvSpPr>
+          <p:nvPr>
+            <p:ph type="subTitle" idx="1"/>
+          </p:nvPr>
+        </p:nvSpPr>
+        <p:spPr>
+          <a:xfrm>
+            <a:off x="251520" y="764704"/>
+            <a:ext cx="8640960" cy="6480720"/>
+          </a:xfrm>
+        </p:spPr>
+        <p:txBody>
+          <a:bodyPr>
+            <a:noAutofit/>
+          </a:bodyPr>
+          <a:lstStyle/>
+          <a:p>
+            <a:r>
+              <a:rPr lang="en-GB" sz="4000" dirty="0">
+                <a:solidFill>
+                  <a:schemeClr val="bg1"/>
+                </a:solidFill>
+              </a:rPr>
+              <a:t>Hear Your people sing Holy</a:t>
+            </a:r>
+          </a:p>
+          <a:p>
+            <a:r>
+              <a:rPr lang="en-GB" sz="4000" dirty="0">
+                <a:solidFill>
+                  <a:schemeClr val="bg1"/>
+                </a:solidFill>
+              </a:rPr>
+              <a:t>To the King of Kings Holy</a:t>
+            </a:r>
+          </a:p>
+          <a:p>
+            <a:r>
+              <a:rPr lang="en-GB" sz="4000" dirty="0">
+                <a:solidFill>
+                  <a:schemeClr val="bg1"/>
+                </a:solidFill>
+              </a:rPr>
+              <a:t>You will always be Holy</a:t>
+            </a:r>
+          </a:p>
+          <a:p>
+            <a:r>
+              <a:rPr lang="en-GB" sz="4000" dirty="0">
+                <a:solidFill>
+                  <a:schemeClr val="bg1"/>
+                </a:solidFill>
+              </a:rPr>
+              <a:t>Holy forever</a:t>
+            </a:r>
+          </a:p>
+        </p:txBody>
+      </p:sp>
+      <p:sp>
+        <p:nvSpPr>
+          <p:cNvPr id="4" name="TextBox 3"/>
+          <p:cNvSpPr txBox="1"/>
+          <p:nvPr/>
+        </p:nvSpPr>
+        <p:spPr>
+          <a:xfrm>
+            <a:off x="8398233" y="9947"/>
+            <a:ext cx="784189" cy="461665"/>
+          </a:xfrm>
+          <a:prstGeom prst="rect">
+            <a:avLst/>
+          </a:prstGeom>
+          <a:noFill/>
+        </p:spPr>
+        <p:txBody>
+          <a:bodyPr wrap="none" rtlCol="0">
+            <a:spAutoFit/>
+          </a:bodyPr>
+          <a:lstStyle/>
+          <a:p>
+            <a:r>
+              <a:rPr lang="en-GB" sz="2400" b="1" dirty="0">
+                <a:solidFill>
+                  <a:schemeClr val="bg1"/>
+                </a:solidFill>
+              </a:rPr>
+              <a:t>9/10</a:t>
+            </a:r>
+          </a:p>
+        </p:txBody>
+      </p:sp>
+    </p:spTree>
+    <p:extLst>
+      <p:ext uri="{BB962C8B-B14F-4D97-AF65-F5344CB8AC3E}">
+        <p14:creationId xmlns:p14="http://schemas.microsoft.com/office/powerpoint/2010/main" val="482190470"/>
+      </p:ext>
+    </p:extLst>
+  </p:cSld>
+  <p:clrMapOvr>
+    <a:masterClrMapping/>
+  </p:clrMapOvr>
+</p:sld>
+</file>
+
+<file path=ppt/slides/slide25.xml><?xml version="1.0" encoding="utf-8"?>
+<p:sld xmlns:a="http://schemas.openxmlformats.org/drawingml/2006/main" xmlns:r="http://schemas.openxmlformats.org/officeDocument/2006/relationships" xmlns:p="http://schemas.openxmlformats.org/presentationml/2006/main">
+  <p:cSld>
+    <p:spTree>
+      <p:nvGrpSpPr>
+        <p:cNvPr id="1" name=""/>
+        <p:cNvGrpSpPr/>
+        <p:nvPr/>
+      </p:nvGrpSpPr>
+      <p:grpSpPr>
+        <a:xfrm>
+          <a:off x="0" y="0"/>
+          <a:ext cx="0" cy="0"/>
+          <a:chOff x="0" y="0"/>
+          <a:chExt cx="0" cy="0"/>
+        </a:xfrm>
+      </p:grpSpPr>
+      <p:sp>
+        <p:nvSpPr>
+          <p:cNvPr id="3" name="Subtitle 2"/>
+          <p:cNvSpPr>
+            <a:spLocks noGrp="1"/>
+          </p:cNvSpPr>
+          <p:nvPr>
+            <p:ph type="subTitle" idx="1"/>
+          </p:nvPr>
+        </p:nvSpPr>
+        <p:spPr>
+          <a:xfrm>
             <a:off x="251520" y="692696"/>
             <a:ext cx="8640960" cy="6480720"/>
           </a:xfrm>
@@ -6224,7 +8326,7 @@
 </p:sld>
 </file>
 
-<file path=ppt/slides/slide19.xml><?xml version="1.0" encoding="utf-8"?>
+<file path=ppt/slides/slide26.xml><?xml version="1.0" encoding="utf-8"?>
 <p:sld xmlns:a="http://schemas.openxmlformats.org/drawingml/2006/main" xmlns:r="http://schemas.openxmlformats.org/officeDocument/2006/relationships" xmlns:p="http://schemas.openxmlformats.org/presentationml/2006/main">
   <p:cSld>
     <p:spTree>
@@ -6743,526 +8845,7 @@
 </p:sld>
 </file>
 
-<file path=ppt/slides/slide2.xml><?xml version="1.0" encoding="utf-8"?>
-<p:sld xmlns:a="http://schemas.openxmlformats.org/drawingml/2006/main" xmlns:r="http://schemas.openxmlformats.org/officeDocument/2006/relationships" xmlns:p="http://schemas.openxmlformats.org/presentationml/2006/main">
-  <p:cSld>
-    <p:spTree>
-      <p:nvGrpSpPr>
-        <p:cNvPr id="1" name="">
-          <a:extLst>
-            <a:ext uri="{FF2B5EF4-FFF2-40B4-BE49-F238E27FC236}">
-              <a16:creationId xmlns:a16="http://schemas.microsoft.com/office/drawing/2014/main" id="{DF9A925F-3C39-460B-44A4-E86305403BC2}"/>
-            </a:ext>
-          </a:extLst>
-        </p:cNvPr>
-        <p:cNvGrpSpPr/>
-        <p:nvPr/>
-      </p:nvGrpSpPr>
-      <p:grpSpPr>
-        <a:xfrm>
-          <a:off x="0" y="0"/>
-          <a:ext cx="0" cy="0"/>
-          <a:chOff x="0" y="0"/>
-          <a:chExt cx="0" cy="0"/>
-        </a:xfrm>
-      </p:grpSpPr>
-      <p:sp>
-        <p:nvSpPr>
-          <p:cNvPr id="2" name="Title 1">
-            <a:extLst>
-              <a:ext uri="{FF2B5EF4-FFF2-40B4-BE49-F238E27FC236}">
-                <a16:creationId xmlns:a16="http://schemas.microsoft.com/office/drawing/2014/main" id="{1090A4B3-12A3-DA1A-FA81-75E5929718AF}"/>
-              </a:ext>
-            </a:extLst>
-          </p:cNvPr>
-          <p:cNvSpPr txBox="1">
-            <a:spLocks/>
-          </p:cNvSpPr>
-          <p:nvPr/>
-        </p:nvSpPr>
-        <p:spPr bwMode="auto">
-          <a:xfrm>
-            <a:off x="457200" y="836712"/>
-            <a:ext cx="8229600" cy="489346"/>
-          </a:xfrm>
-          <a:prstGeom prst="rect">
-            <a:avLst/>
-          </a:prstGeom>
-          <a:noFill/>
-          <a:ln>
-            <a:noFill/>
-          </a:ln>
-          <a:extLst>
-            <a:ext uri="{909E8E84-426E-40DD-AFC4-6F175D3DCCD1}">
-              <a14:hiddenFill xmlns:a14="http://schemas.microsoft.com/office/drawing/2010/main">
-                <a:solidFill>
-                  <a:srgbClr val="FFFFFF"/>
-                </a:solidFill>
-              </a14:hiddenFill>
-            </a:ext>
-            <a:ext uri="{91240B29-F687-4F45-9708-019B960494DF}">
-              <a14:hiddenLine xmlns:a14="http://schemas.microsoft.com/office/drawing/2010/main" w="9525">
-                <a:solidFill>
-                  <a:srgbClr val="000000"/>
-                </a:solidFill>
-                <a:miter lim="800000"/>
-                <a:headEnd/>
-                <a:tailEnd/>
-              </a14:hiddenLine>
-            </a:ext>
-          </a:extLst>
-        </p:spPr>
-        <p:txBody>
-          <a:bodyPr vert="horz" wrap="square" lIns="91440" tIns="45720" rIns="91440" bIns="45720" numCol="1" anchor="ctr" anchorCtr="0" compatLnSpc="1">
-            <a:prstTxWarp prst="textNoShape">
-              <a:avLst/>
-            </a:prstTxWarp>
-            <a:normAutofit fontScale="90000" lnSpcReduction="10000"/>
-          </a:bodyPr>
-          <a:lstStyle>
-            <a:lvl1pPr algn="l" defTabSz="457200" rtl="0" eaLnBrk="1" fontAlgn="base" hangingPunct="1">
-              <a:spcBef>
-                <a:spcPct val="0"/>
-              </a:spcBef>
-              <a:spcAft>
-                <a:spcPct val="0"/>
-              </a:spcAft>
-              <a:defRPr sz="3200" kern="1200">
-                <a:solidFill>
-                  <a:srgbClr val="58595B"/>
-                </a:solidFill>
-                <a:latin typeface="Rockwell"/>
-                <a:ea typeface="+mj-ea"/>
-                <a:cs typeface="+mj-cs"/>
-              </a:defRPr>
-            </a:lvl1pPr>
-            <a:lvl2pPr algn="l" defTabSz="457200" rtl="0" eaLnBrk="1" fontAlgn="base" hangingPunct="1">
-              <a:spcBef>
-                <a:spcPct val="0"/>
-              </a:spcBef>
-              <a:spcAft>
-                <a:spcPct val="0"/>
-              </a:spcAft>
-              <a:defRPr sz="4400">
-                <a:solidFill>
-                  <a:srgbClr val="58595B"/>
-                </a:solidFill>
-                <a:latin typeface="Rockwell" panose="02060603020205020403" pitchFamily="18" charset="0"/>
-              </a:defRPr>
-            </a:lvl2pPr>
-            <a:lvl3pPr algn="l" defTabSz="457200" rtl="0" eaLnBrk="1" fontAlgn="base" hangingPunct="1">
-              <a:spcBef>
-                <a:spcPct val="0"/>
-              </a:spcBef>
-              <a:spcAft>
-                <a:spcPct val="0"/>
-              </a:spcAft>
-              <a:defRPr sz="4400">
-                <a:solidFill>
-                  <a:srgbClr val="58595B"/>
-                </a:solidFill>
-                <a:latin typeface="Rockwell" panose="02060603020205020403" pitchFamily="18" charset="0"/>
-              </a:defRPr>
-            </a:lvl3pPr>
-            <a:lvl4pPr algn="l" defTabSz="457200" rtl="0" eaLnBrk="1" fontAlgn="base" hangingPunct="1">
-              <a:spcBef>
-                <a:spcPct val="0"/>
-              </a:spcBef>
-              <a:spcAft>
-                <a:spcPct val="0"/>
-              </a:spcAft>
-              <a:defRPr sz="4400">
-                <a:solidFill>
-                  <a:srgbClr val="58595B"/>
-                </a:solidFill>
-                <a:latin typeface="Rockwell" panose="02060603020205020403" pitchFamily="18" charset="0"/>
-              </a:defRPr>
-            </a:lvl4pPr>
-            <a:lvl5pPr algn="l" defTabSz="457200" rtl="0" eaLnBrk="1" fontAlgn="base" hangingPunct="1">
-              <a:spcBef>
-                <a:spcPct val="0"/>
-              </a:spcBef>
-              <a:spcAft>
-                <a:spcPct val="0"/>
-              </a:spcAft>
-              <a:defRPr sz="4400">
-                <a:solidFill>
-                  <a:srgbClr val="58595B"/>
-                </a:solidFill>
-                <a:latin typeface="Rockwell" panose="02060603020205020403" pitchFamily="18" charset="0"/>
-              </a:defRPr>
-            </a:lvl5pPr>
-            <a:lvl6pPr marL="457200" algn="l" defTabSz="457200" rtl="0" eaLnBrk="1" fontAlgn="base" hangingPunct="1">
-              <a:spcBef>
-                <a:spcPct val="0"/>
-              </a:spcBef>
-              <a:spcAft>
-                <a:spcPct val="0"/>
-              </a:spcAft>
-              <a:defRPr sz="4400">
-                <a:solidFill>
-                  <a:srgbClr val="58595B"/>
-                </a:solidFill>
-                <a:latin typeface="Rockwell" panose="02060603020205020403" pitchFamily="18" charset="0"/>
-              </a:defRPr>
-            </a:lvl6pPr>
-            <a:lvl7pPr marL="914400" algn="l" defTabSz="457200" rtl="0" eaLnBrk="1" fontAlgn="base" hangingPunct="1">
-              <a:spcBef>
-                <a:spcPct val="0"/>
-              </a:spcBef>
-              <a:spcAft>
-                <a:spcPct val="0"/>
-              </a:spcAft>
-              <a:defRPr sz="4400">
-                <a:solidFill>
-                  <a:srgbClr val="58595B"/>
-                </a:solidFill>
-                <a:latin typeface="Rockwell" panose="02060603020205020403" pitchFamily="18" charset="0"/>
-              </a:defRPr>
-            </a:lvl7pPr>
-            <a:lvl8pPr marL="1371600" algn="l" defTabSz="457200" rtl="0" eaLnBrk="1" fontAlgn="base" hangingPunct="1">
-              <a:spcBef>
-                <a:spcPct val="0"/>
-              </a:spcBef>
-              <a:spcAft>
-                <a:spcPct val="0"/>
-              </a:spcAft>
-              <a:defRPr sz="4400">
-                <a:solidFill>
-                  <a:srgbClr val="58595B"/>
-                </a:solidFill>
-                <a:latin typeface="Rockwell" panose="02060603020205020403" pitchFamily="18" charset="0"/>
-              </a:defRPr>
-            </a:lvl8pPr>
-            <a:lvl9pPr marL="1828800" algn="l" defTabSz="457200" rtl="0" eaLnBrk="1" fontAlgn="base" hangingPunct="1">
-              <a:spcBef>
-                <a:spcPct val="0"/>
-              </a:spcBef>
-              <a:spcAft>
-                <a:spcPct val="0"/>
-              </a:spcAft>
-              <a:defRPr sz="4400">
-                <a:solidFill>
-                  <a:srgbClr val="58595B"/>
-                </a:solidFill>
-                <a:latin typeface="Rockwell" panose="02060603020205020403" pitchFamily="18" charset="0"/>
-              </a:defRPr>
-            </a:lvl9pPr>
-          </a:lstStyle>
-          <a:p>
-            <a:pPr marL="0" marR="0" lvl="0" indent="0" algn="l" defTabSz="457200" rtl="0" eaLnBrk="1" fontAlgn="base" latinLnBrk="0" hangingPunct="1">
-              <a:lnSpc>
-                <a:spcPct val="100000"/>
-              </a:lnSpc>
-              <a:spcBef>
-                <a:spcPct val="0"/>
-              </a:spcBef>
-              <a:spcAft>
-                <a:spcPct val="0"/>
-              </a:spcAft>
-              <a:buClrTx/>
-              <a:buSzTx/>
-              <a:buFontTx/>
-              <a:buNone/>
-              <a:tabLst/>
-              <a:defRPr/>
-            </a:pPr>
-            <a:endParaRPr kumimoji="0" lang="en-GB" sz="3200" b="0" i="0" u="none" strike="noStrike" kern="1200" cap="none" spc="0" normalizeH="0" baseline="0" noProof="0" dirty="0">
-              <a:ln>
-                <a:noFill/>
-              </a:ln>
-              <a:solidFill>
-                <a:schemeClr val="bg1"/>
-              </a:solidFill>
-              <a:effectLst/>
-              <a:uLnTx/>
-              <a:uFillTx/>
-              <a:latin typeface="Rockwell"/>
-              <a:ea typeface="+mj-ea"/>
-              <a:cs typeface="+mj-cs"/>
-            </a:endParaRPr>
-          </a:p>
-        </p:txBody>
-      </p:sp>
-      <p:sp>
-        <p:nvSpPr>
-          <p:cNvPr id="4" name="Title 1">
-            <a:extLst>
-              <a:ext uri="{FF2B5EF4-FFF2-40B4-BE49-F238E27FC236}">
-                <a16:creationId xmlns:a16="http://schemas.microsoft.com/office/drawing/2014/main" id="{A353E09A-379B-2879-8F00-D4900DE7FDE8}"/>
-              </a:ext>
-            </a:extLst>
-          </p:cNvPr>
-          <p:cNvSpPr txBox="1">
-            <a:spLocks/>
-          </p:cNvSpPr>
-          <p:nvPr/>
-        </p:nvSpPr>
-        <p:spPr bwMode="auto">
-          <a:xfrm>
-            <a:off x="435852" y="1484784"/>
-            <a:ext cx="8229600" cy="4680520"/>
-          </a:xfrm>
-          <a:prstGeom prst="rect">
-            <a:avLst/>
-          </a:prstGeom>
-          <a:noFill/>
-          <a:ln>
-            <a:noFill/>
-          </a:ln>
-          <a:extLst>
-            <a:ext uri="{909E8E84-426E-40DD-AFC4-6F175D3DCCD1}">
-              <a14:hiddenFill xmlns:a14="http://schemas.microsoft.com/office/drawing/2010/main">
-                <a:solidFill>
-                  <a:srgbClr val="FFFFFF"/>
-                </a:solidFill>
-              </a14:hiddenFill>
-            </a:ext>
-            <a:ext uri="{91240B29-F687-4F45-9708-019B960494DF}">
-              <a14:hiddenLine xmlns:a14="http://schemas.microsoft.com/office/drawing/2010/main" w="9525">
-                <a:solidFill>
-                  <a:srgbClr val="000000"/>
-                </a:solidFill>
-                <a:miter lim="800000"/>
-                <a:headEnd/>
-                <a:tailEnd/>
-              </a14:hiddenLine>
-            </a:ext>
-          </a:extLst>
-        </p:spPr>
-        <p:txBody>
-          <a:bodyPr vert="horz" wrap="square" lIns="91440" tIns="45720" rIns="91440" bIns="45720" numCol="1" anchor="ctr" anchorCtr="0" compatLnSpc="1">
-            <a:prstTxWarp prst="textNoShape">
-              <a:avLst/>
-            </a:prstTxWarp>
-            <a:normAutofit/>
-          </a:bodyPr>
-          <a:lstStyle>
-            <a:lvl1pPr algn="l" defTabSz="457200" rtl="0" eaLnBrk="1" fontAlgn="base" hangingPunct="1">
-              <a:spcBef>
-                <a:spcPct val="0"/>
-              </a:spcBef>
-              <a:spcAft>
-                <a:spcPct val="0"/>
-              </a:spcAft>
-              <a:defRPr sz="3200" kern="1200">
-                <a:solidFill>
-                  <a:srgbClr val="58595B"/>
-                </a:solidFill>
-                <a:latin typeface="Rockwell"/>
-                <a:ea typeface="+mj-ea"/>
-                <a:cs typeface="+mj-cs"/>
-              </a:defRPr>
-            </a:lvl1pPr>
-            <a:lvl2pPr algn="l" defTabSz="457200" rtl="0" eaLnBrk="1" fontAlgn="base" hangingPunct="1">
-              <a:spcBef>
-                <a:spcPct val="0"/>
-              </a:spcBef>
-              <a:spcAft>
-                <a:spcPct val="0"/>
-              </a:spcAft>
-              <a:defRPr sz="4400">
-                <a:solidFill>
-                  <a:srgbClr val="58595B"/>
-                </a:solidFill>
-                <a:latin typeface="Rockwell" panose="02060603020205020403" pitchFamily="18" charset="0"/>
-              </a:defRPr>
-            </a:lvl2pPr>
-            <a:lvl3pPr algn="l" defTabSz="457200" rtl="0" eaLnBrk="1" fontAlgn="base" hangingPunct="1">
-              <a:spcBef>
-                <a:spcPct val="0"/>
-              </a:spcBef>
-              <a:spcAft>
-                <a:spcPct val="0"/>
-              </a:spcAft>
-              <a:defRPr sz="4400">
-                <a:solidFill>
-                  <a:srgbClr val="58595B"/>
-                </a:solidFill>
-                <a:latin typeface="Rockwell" panose="02060603020205020403" pitchFamily="18" charset="0"/>
-              </a:defRPr>
-            </a:lvl3pPr>
-            <a:lvl4pPr algn="l" defTabSz="457200" rtl="0" eaLnBrk="1" fontAlgn="base" hangingPunct="1">
-              <a:spcBef>
-                <a:spcPct val="0"/>
-              </a:spcBef>
-              <a:spcAft>
-                <a:spcPct val="0"/>
-              </a:spcAft>
-              <a:defRPr sz="4400">
-                <a:solidFill>
-                  <a:srgbClr val="58595B"/>
-                </a:solidFill>
-                <a:latin typeface="Rockwell" panose="02060603020205020403" pitchFamily="18" charset="0"/>
-              </a:defRPr>
-            </a:lvl4pPr>
-            <a:lvl5pPr algn="l" defTabSz="457200" rtl="0" eaLnBrk="1" fontAlgn="base" hangingPunct="1">
-              <a:spcBef>
-                <a:spcPct val="0"/>
-              </a:spcBef>
-              <a:spcAft>
-                <a:spcPct val="0"/>
-              </a:spcAft>
-              <a:defRPr sz="4400">
-                <a:solidFill>
-                  <a:srgbClr val="58595B"/>
-                </a:solidFill>
-                <a:latin typeface="Rockwell" panose="02060603020205020403" pitchFamily="18" charset="0"/>
-              </a:defRPr>
-            </a:lvl5pPr>
-            <a:lvl6pPr marL="457200" algn="l" defTabSz="457200" rtl="0" eaLnBrk="1" fontAlgn="base" hangingPunct="1">
-              <a:spcBef>
-                <a:spcPct val="0"/>
-              </a:spcBef>
-              <a:spcAft>
-                <a:spcPct val="0"/>
-              </a:spcAft>
-              <a:defRPr sz="4400">
-                <a:solidFill>
-                  <a:srgbClr val="58595B"/>
-                </a:solidFill>
-                <a:latin typeface="Rockwell" panose="02060603020205020403" pitchFamily="18" charset="0"/>
-              </a:defRPr>
-            </a:lvl6pPr>
-            <a:lvl7pPr marL="914400" algn="l" defTabSz="457200" rtl="0" eaLnBrk="1" fontAlgn="base" hangingPunct="1">
-              <a:spcBef>
-                <a:spcPct val="0"/>
-              </a:spcBef>
-              <a:spcAft>
-                <a:spcPct val="0"/>
-              </a:spcAft>
-              <a:defRPr sz="4400">
-                <a:solidFill>
-                  <a:srgbClr val="58595B"/>
-                </a:solidFill>
-                <a:latin typeface="Rockwell" panose="02060603020205020403" pitchFamily="18" charset="0"/>
-              </a:defRPr>
-            </a:lvl7pPr>
-            <a:lvl8pPr marL="1371600" algn="l" defTabSz="457200" rtl="0" eaLnBrk="1" fontAlgn="base" hangingPunct="1">
-              <a:spcBef>
-                <a:spcPct val="0"/>
-              </a:spcBef>
-              <a:spcAft>
-                <a:spcPct val="0"/>
-              </a:spcAft>
-              <a:defRPr sz="4400">
-                <a:solidFill>
-                  <a:srgbClr val="58595B"/>
-                </a:solidFill>
-                <a:latin typeface="Rockwell" panose="02060603020205020403" pitchFamily="18" charset="0"/>
-              </a:defRPr>
-            </a:lvl8pPr>
-            <a:lvl9pPr marL="1828800" algn="l" defTabSz="457200" rtl="0" eaLnBrk="1" fontAlgn="base" hangingPunct="1">
-              <a:spcBef>
-                <a:spcPct val="0"/>
-              </a:spcBef>
-              <a:spcAft>
-                <a:spcPct val="0"/>
-              </a:spcAft>
-              <a:defRPr sz="4400">
-                <a:solidFill>
-                  <a:srgbClr val="58595B"/>
-                </a:solidFill>
-                <a:latin typeface="Rockwell" panose="02060603020205020403" pitchFamily="18" charset="0"/>
-              </a:defRPr>
-            </a:lvl9pPr>
-          </a:lstStyle>
-          <a:p>
-            <a:pPr marL="0" marR="0" lvl="0" indent="0" algn="ctr" defTabSz="457200" rtl="0" eaLnBrk="1" fontAlgn="base" latinLnBrk="0" hangingPunct="1">
-              <a:lnSpc>
-                <a:spcPct val="100000"/>
-              </a:lnSpc>
-              <a:spcBef>
-                <a:spcPct val="0"/>
-              </a:spcBef>
-              <a:spcAft>
-                <a:spcPct val="0"/>
-              </a:spcAft>
-              <a:buClrTx/>
-              <a:buSzTx/>
-              <a:buFontTx/>
-              <a:buNone/>
-              <a:tabLst/>
-              <a:defRPr/>
-            </a:pPr>
-            <a:endParaRPr kumimoji="0" lang="en-GB" sz="3200" b="0" i="0" u="none" strike="noStrike" kern="1200" cap="none" spc="0" normalizeH="0" baseline="0" noProof="0" dirty="0">
-              <a:ln>
-                <a:noFill/>
-              </a:ln>
-              <a:solidFill>
-                <a:schemeClr val="bg1"/>
-              </a:solidFill>
-              <a:effectLst/>
-              <a:uLnTx/>
-              <a:uFillTx/>
-              <a:latin typeface="Rockwell"/>
-              <a:ea typeface="+mj-ea"/>
-              <a:cs typeface="+mj-cs"/>
-            </a:endParaRPr>
-          </a:p>
-        </p:txBody>
-      </p:sp>
-      <p:pic>
-        <p:nvPicPr>
-          <p:cNvPr id="1026" name="Picture 2" descr="Power In Prayer">
-            <a:extLst>
-              <a:ext uri="{FF2B5EF4-FFF2-40B4-BE49-F238E27FC236}">
-                <a16:creationId xmlns:a16="http://schemas.microsoft.com/office/drawing/2014/main" id="{868311B2-4BE5-342E-2096-ABFC5403C939}"/>
-              </a:ext>
-            </a:extLst>
-          </p:cNvPr>
-          <p:cNvPicPr>
-            <a:picLocks noChangeAspect="1" noChangeArrowheads="1"/>
-          </p:cNvPicPr>
-          <p:nvPr/>
-        </p:nvPicPr>
-        <p:blipFill>
-          <a:blip r:embed="rId3">
-            <a:extLst>
-              <a:ext uri="{28A0092B-C50C-407E-A947-70E740481C1C}">
-                <a14:useLocalDpi xmlns:a14="http://schemas.microsoft.com/office/drawing/2010/main" val="0"/>
-              </a:ext>
-            </a:extLst>
-          </a:blip>
-          <a:srcRect/>
-          <a:stretch>
-            <a:fillRect/>
-          </a:stretch>
-        </p:blipFill>
-        <p:spPr bwMode="auto">
-          <a:xfrm>
-            <a:off x="892902" y="980728"/>
-            <a:ext cx="7574611" cy="5040559"/>
-          </a:xfrm>
-          <a:prstGeom prst="rect">
-            <a:avLst/>
-          </a:prstGeom>
-          <a:noFill/>
-          <a:extLst>
-            <a:ext uri="{909E8E84-426E-40DD-AFC4-6F175D3DCCD1}">
-              <a14:hiddenFill xmlns:a14="http://schemas.microsoft.com/office/drawing/2010/main">
-                <a:solidFill>
-                  <a:srgbClr val="FFFFFF"/>
-                </a:solidFill>
-              </a14:hiddenFill>
-            </a:ext>
-          </a:extLst>
-        </p:spPr>
-      </p:pic>
-    </p:spTree>
-    <p:extLst>
-      <p:ext uri="{BB962C8B-B14F-4D97-AF65-F5344CB8AC3E}">
-        <p14:creationId xmlns:p14="http://schemas.microsoft.com/office/powerpoint/2010/main" val="3512855255"/>
-      </p:ext>
-    </p:extLst>
-  </p:cSld>
-  <p:clrMapOvr>
-    <a:masterClrMapping/>
-  </p:clrMapOvr>
-</p:sld>
-</file>
-
-<file path=ppt/slides/slide20.xml><?xml version="1.0" encoding="utf-8"?>
+<file path=ppt/slides/slide27.xml><?xml version="1.0" encoding="utf-8"?>
 <p:sld xmlns:a="http://schemas.openxmlformats.org/drawingml/2006/main" xmlns:r="http://schemas.openxmlformats.org/officeDocument/2006/relationships" xmlns:p="http://schemas.openxmlformats.org/presentationml/2006/main">
   <p:cSld>
     <p:spTree>
@@ -7435,7 +9018,7 @@
 </p:sld>
 </file>
 
-<file path=ppt/slides/slide21.xml><?xml version="1.0" encoding="utf-8"?>
+<file path=ppt/slides/slide28.xml><?xml version="1.0" encoding="utf-8"?>
 <p:sld xmlns:a="http://schemas.openxmlformats.org/drawingml/2006/main" xmlns:r="http://schemas.openxmlformats.org/officeDocument/2006/relationships" xmlns:p="http://schemas.openxmlformats.org/presentationml/2006/main">
   <p:cSld>
     <p:spTree>
@@ -7581,7 +9164,7 @@
 </p:sld>
 </file>
 
-<file path=ppt/slides/slide22.xml><?xml version="1.0" encoding="utf-8"?>
+<file path=ppt/slides/slide29.xml><?xml version="1.0" encoding="utf-8"?>
 <p:sld xmlns:a="http://schemas.openxmlformats.org/drawingml/2006/main" xmlns:r="http://schemas.openxmlformats.org/officeDocument/2006/relationships" xmlns:p="http://schemas.openxmlformats.org/presentationml/2006/main">
   <p:cSld>
     <p:spTree>
@@ -7718,1083 +9301,6 @@
     <p:extLst>
       <p:ext uri="{BB962C8B-B14F-4D97-AF65-F5344CB8AC3E}">
         <p14:creationId xmlns:p14="http://schemas.microsoft.com/office/powerpoint/2010/main" val="1987109791"/>
-      </p:ext>
-    </p:extLst>
-  </p:cSld>
-  <p:clrMapOvr>
-    <a:masterClrMapping/>
-  </p:clrMapOvr>
-</p:sld>
-</file>
-
-<file path=ppt/slides/slide23.xml><?xml version="1.0" encoding="utf-8"?>
-<p:sld xmlns:a="http://schemas.openxmlformats.org/drawingml/2006/main" xmlns:r="http://schemas.openxmlformats.org/officeDocument/2006/relationships" xmlns:p="http://schemas.openxmlformats.org/presentationml/2006/main">
-  <p:cSld>
-    <p:spTree>
-      <p:nvGrpSpPr>
-        <p:cNvPr id="1" name=""/>
-        <p:cNvGrpSpPr/>
-        <p:nvPr/>
-      </p:nvGrpSpPr>
-      <p:grpSpPr>
-        <a:xfrm>
-          <a:off x="0" y="0"/>
-          <a:ext cx="0" cy="0"/>
-          <a:chOff x="0" y="0"/>
-          <a:chExt cx="0" cy="0"/>
-        </a:xfrm>
-      </p:grpSpPr>
-      <p:sp>
-        <p:nvSpPr>
-          <p:cNvPr id="3" name="Subtitle 2"/>
-          <p:cNvSpPr>
-            <a:spLocks noGrp="1"/>
-          </p:cNvSpPr>
-          <p:nvPr>
-            <p:ph type="subTitle" idx="1"/>
-          </p:nvPr>
-        </p:nvSpPr>
-        <p:spPr>
-          <a:xfrm>
-            <a:off x="0" y="692696"/>
-            <a:ext cx="8640960" cy="6480720"/>
-          </a:xfrm>
-        </p:spPr>
-        <p:txBody>
-          <a:bodyPr>
-            <a:noAutofit/>
-          </a:bodyPr>
-          <a:lstStyle/>
-          <a:p>
-            <a:r>
-              <a:rPr lang="en-GB" sz="4000" dirty="0">
-                <a:solidFill>
-                  <a:schemeClr val="bg1"/>
-                </a:solidFill>
-              </a:rPr>
-              <a:t>King of all days</a:t>
-            </a:r>
-          </a:p>
-          <a:p>
-            <a:r>
-              <a:rPr lang="en-GB" sz="4000" dirty="0">
-                <a:solidFill>
-                  <a:schemeClr val="bg1"/>
-                </a:solidFill>
-              </a:rPr>
-              <a:t>Oh so highly exalted</a:t>
-            </a:r>
-          </a:p>
-          <a:p>
-            <a:r>
-              <a:rPr lang="en-GB" sz="4000" dirty="0">
-                <a:solidFill>
-                  <a:schemeClr val="bg1"/>
-                </a:solidFill>
-              </a:rPr>
-              <a:t>Glorious in heaven above</a:t>
-            </a:r>
-          </a:p>
-          <a:p>
-            <a:r>
-              <a:rPr lang="en-GB" sz="4000" dirty="0">
-                <a:solidFill>
-                  <a:schemeClr val="bg1"/>
-                </a:solidFill>
-              </a:rPr>
-              <a:t>Humbly You came</a:t>
-            </a:r>
-          </a:p>
-          <a:p>
-            <a:r>
-              <a:rPr lang="en-GB" sz="4000" dirty="0">
-                <a:solidFill>
-                  <a:schemeClr val="bg1"/>
-                </a:solidFill>
-              </a:rPr>
-              <a:t>To the earth You created</a:t>
-            </a:r>
-          </a:p>
-          <a:p>
-            <a:r>
-              <a:rPr lang="en-GB" sz="4000" dirty="0">
-                <a:solidFill>
-                  <a:schemeClr val="bg1"/>
-                </a:solidFill>
-              </a:rPr>
-              <a:t>All for love's sake became poor</a:t>
-            </a:r>
-          </a:p>
-        </p:txBody>
-      </p:sp>
-      <p:sp>
-        <p:nvSpPr>
-          <p:cNvPr id="4" name="TextBox 3"/>
-          <p:cNvSpPr txBox="1"/>
-          <p:nvPr/>
-        </p:nvSpPr>
-        <p:spPr>
-          <a:xfrm>
-            <a:off x="8529729" y="0"/>
-            <a:ext cx="628698" cy="461665"/>
-          </a:xfrm>
-          <a:prstGeom prst="rect">
-            <a:avLst/>
-          </a:prstGeom>
-          <a:noFill/>
-        </p:spPr>
-        <p:txBody>
-          <a:bodyPr wrap="none" rtlCol="0">
-            <a:spAutoFit/>
-          </a:bodyPr>
-          <a:lstStyle/>
-          <a:p>
-            <a:r>
-              <a:rPr lang="en-GB" sz="2400" b="1" dirty="0">
-                <a:solidFill>
-                  <a:schemeClr val="bg1"/>
-                </a:solidFill>
-              </a:rPr>
-              <a:t>3/4</a:t>
-            </a:r>
-          </a:p>
-        </p:txBody>
-      </p:sp>
-    </p:spTree>
-    <p:extLst>
-      <p:ext uri="{BB962C8B-B14F-4D97-AF65-F5344CB8AC3E}">
-        <p14:creationId xmlns:p14="http://schemas.microsoft.com/office/powerpoint/2010/main" val="1984553941"/>
-      </p:ext>
-    </p:extLst>
-  </p:cSld>
-  <p:clrMapOvr>
-    <a:masterClrMapping/>
-  </p:clrMapOvr>
-</p:sld>
-</file>
-
-<file path=ppt/slides/slide24.xml><?xml version="1.0" encoding="utf-8"?>
-<p:sld xmlns:a="http://schemas.openxmlformats.org/drawingml/2006/main" xmlns:r="http://schemas.openxmlformats.org/officeDocument/2006/relationships" xmlns:p="http://schemas.openxmlformats.org/presentationml/2006/main">
-  <p:cSld>
-    <p:spTree>
-      <p:nvGrpSpPr>
-        <p:cNvPr id="1" name=""/>
-        <p:cNvGrpSpPr/>
-        <p:nvPr/>
-      </p:nvGrpSpPr>
-      <p:grpSpPr>
-        <a:xfrm>
-          <a:off x="0" y="0"/>
-          <a:ext cx="0" cy="0"/>
-          <a:chOff x="0" y="0"/>
-          <a:chExt cx="0" cy="0"/>
-        </a:xfrm>
-      </p:grpSpPr>
-      <p:sp>
-        <p:nvSpPr>
-          <p:cNvPr id="3" name="Subtitle 2"/>
-          <p:cNvSpPr>
-            <a:spLocks noGrp="1"/>
-          </p:cNvSpPr>
-          <p:nvPr>
-            <p:ph type="subTitle" idx="1"/>
-          </p:nvPr>
-        </p:nvSpPr>
-        <p:spPr>
-          <a:xfrm>
-            <a:off x="395536" y="836712"/>
-            <a:ext cx="8640960" cy="6480720"/>
-          </a:xfrm>
-        </p:spPr>
-        <p:txBody>
-          <a:bodyPr>
-            <a:noAutofit/>
-          </a:bodyPr>
-          <a:lstStyle/>
-          <a:p>
-            <a:r>
-              <a:rPr lang="en-GB" sz="4000" dirty="0">
-                <a:solidFill>
-                  <a:schemeClr val="bg1"/>
-                </a:solidFill>
-              </a:rPr>
-              <a:t>And I'll never know how much it cost</a:t>
-            </a:r>
-          </a:p>
-          <a:p>
-            <a:r>
-              <a:rPr lang="en-GB" sz="4000" dirty="0">
-                <a:solidFill>
-                  <a:schemeClr val="bg1"/>
-                </a:solidFill>
-              </a:rPr>
-              <a:t>To see my sin upon that cross</a:t>
-            </a:r>
-          </a:p>
-          <a:p>
-            <a:r>
-              <a:rPr lang="en-GB" sz="4000" dirty="0">
-                <a:solidFill>
-                  <a:schemeClr val="bg1"/>
-                </a:solidFill>
-              </a:rPr>
-              <a:t>And I'll never know how much it cost</a:t>
-            </a:r>
-          </a:p>
-          <a:p>
-            <a:r>
-              <a:rPr lang="en-GB" sz="4000" dirty="0">
-                <a:solidFill>
-                  <a:schemeClr val="bg1"/>
-                </a:solidFill>
-              </a:rPr>
-              <a:t>To see my sin upon that cross</a:t>
-            </a:r>
-          </a:p>
-        </p:txBody>
-      </p:sp>
-      <p:sp>
-        <p:nvSpPr>
-          <p:cNvPr id="4" name="TextBox 3"/>
-          <p:cNvSpPr txBox="1"/>
-          <p:nvPr/>
-        </p:nvSpPr>
-        <p:spPr>
-          <a:xfrm>
-            <a:off x="8529729" y="0"/>
-            <a:ext cx="628698" cy="461665"/>
-          </a:xfrm>
-          <a:prstGeom prst="rect">
-            <a:avLst/>
-          </a:prstGeom>
-          <a:noFill/>
-        </p:spPr>
-        <p:txBody>
-          <a:bodyPr wrap="none" rtlCol="0">
-            <a:spAutoFit/>
-          </a:bodyPr>
-          <a:lstStyle/>
-          <a:p>
-            <a:r>
-              <a:rPr lang="en-GB" sz="2400" b="1" dirty="0">
-                <a:solidFill>
-                  <a:schemeClr val="bg1"/>
-                </a:solidFill>
-              </a:rPr>
-              <a:t>4/4</a:t>
-            </a:r>
-          </a:p>
-        </p:txBody>
-      </p:sp>
-    </p:spTree>
-    <p:extLst>
-      <p:ext uri="{BB962C8B-B14F-4D97-AF65-F5344CB8AC3E}">
-        <p14:creationId xmlns:p14="http://schemas.microsoft.com/office/powerpoint/2010/main" val="2538617842"/>
-      </p:ext>
-    </p:extLst>
-  </p:cSld>
-  <p:clrMapOvr>
-    <a:masterClrMapping/>
-  </p:clrMapOvr>
-</p:sld>
-</file>
-
-<file path=ppt/slides/slide25.xml><?xml version="1.0" encoding="utf-8"?>
-<p:sld xmlns:a="http://schemas.openxmlformats.org/drawingml/2006/main" xmlns:r="http://schemas.openxmlformats.org/officeDocument/2006/relationships" xmlns:p="http://schemas.openxmlformats.org/presentationml/2006/main">
-  <p:cSld>
-    <p:spTree>
-      <p:nvGrpSpPr>
-        <p:cNvPr id="1" name=""/>
-        <p:cNvGrpSpPr/>
-        <p:nvPr/>
-      </p:nvGrpSpPr>
-      <p:grpSpPr>
-        <a:xfrm>
-          <a:off x="0" y="0"/>
-          <a:ext cx="0" cy="0"/>
-          <a:chOff x="0" y="0"/>
-          <a:chExt cx="0" cy="0"/>
-        </a:xfrm>
-      </p:grpSpPr>
-      <p:sp>
-        <p:nvSpPr>
-          <p:cNvPr id="3" name="Subtitle 2"/>
-          <p:cNvSpPr>
-            <a:spLocks noGrp="1"/>
-          </p:cNvSpPr>
-          <p:nvPr>
-            <p:ph type="subTitle" idx="1"/>
-          </p:nvPr>
-        </p:nvSpPr>
-        <p:spPr>
-          <a:xfrm>
-            <a:off x="323528" y="188640"/>
-            <a:ext cx="8640960" cy="6480720"/>
-          </a:xfrm>
-        </p:spPr>
-        <p:txBody>
-          <a:bodyPr>
-            <a:noAutofit/>
-          </a:bodyPr>
-          <a:lstStyle/>
-          <a:p>
-            <a:endParaRPr lang="en-GB" sz="5400" dirty="0">
-              <a:solidFill>
-                <a:schemeClr val="bg1"/>
-              </a:solidFill>
-            </a:endParaRPr>
-          </a:p>
-          <a:p>
-            <a:r>
-              <a:rPr lang="en-GB" sz="4400" b="0" i="0" dirty="0">
-                <a:solidFill>
-                  <a:srgbClr val="00A3E0"/>
-                </a:solidFill>
-                <a:effectLst/>
-                <a:latin typeface="akagi_probook"/>
-              </a:rPr>
-              <a:t>Make Room</a:t>
-            </a:r>
-          </a:p>
-          <a:p>
-            <a:br>
-              <a:rPr lang="en-GB" sz="1200" dirty="0">
-                <a:solidFill>
-                  <a:schemeClr val="bg1"/>
-                </a:solidFill>
-              </a:rPr>
-            </a:br>
-            <a:r>
-              <a:rPr lang="en-GB" sz="1200" dirty="0">
-                <a:solidFill>
-                  <a:schemeClr val="bg1"/>
-                </a:solidFill>
-              </a:rPr>
-              <a:t>CCLI Song # 7122057</a:t>
-            </a:r>
-          </a:p>
-          <a:p>
-            <a:r>
-              <a:rPr lang="en-GB" sz="1200" dirty="0">
-                <a:solidFill>
-                  <a:schemeClr val="bg1"/>
-                </a:solidFill>
-              </a:rPr>
-              <a:t>Evelyn </a:t>
-            </a:r>
-            <a:r>
-              <a:rPr lang="en-GB" sz="1200" dirty="0" err="1">
-                <a:solidFill>
-                  <a:schemeClr val="bg1"/>
-                </a:solidFill>
-              </a:rPr>
-              <a:t>Heideriqui</a:t>
-            </a:r>
-            <a:r>
-              <a:rPr lang="en-GB" sz="1200" dirty="0">
-                <a:solidFill>
-                  <a:schemeClr val="bg1"/>
-                </a:solidFill>
-              </a:rPr>
-              <a:t> | Josh Farro | Lucas </a:t>
-            </a:r>
-            <a:r>
-              <a:rPr lang="en-GB" sz="1200" dirty="0" err="1">
-                <a:solidFill>
-                  <a:schemeClr val="bg1"/>
-                </a:solidFill>
-              </a:rPr>
-              <a:t>Cortazio</a:t>
-            </a:r>
-            <a:r>
-              <a:rPr lang="en-GB" sz="1200" dirty="0">
-                <a:solidFill>
-                  <a:schemeClr val="bg1"/>
-                </a:solidFill>
-              </a:rPr>
-              <a:t> | Rebekah White</a:t>
-            </a:r>
-          </a:p>
-          <a:p>
-            <a:r>
-              <a:rPr lang="en-GB" sz="1200" dirty="0">
-                <a:solidFill>
-                  <a:schemeClr val="bg1"/>
-                </a:solidFill>
-              </a:rPr>
-              <a:t>© 2018 A New Song For A New Day Music; Community Music Songs; Curb Songs; Father of Lights Publishing; Mike Curb Music</a:t>
-            </a:r>
-          </a:p>
-          <a:p>
-            <a:r>
-              <a:rPr lang="en-GB" sz="1200" dirty="0">
-                <a:solidFill>
-                  <a:schemeClr val="bg1"/>
-                </a:solidFill>
-              </a:rPr>
-              <a:t>For use solely with the </a:t>
-            </a:r>
-            <a:r>
-              <a:rPr lang="en-GB" sz="1200" dirty="0" err="1">
-                <a:solidFill>
-                  <a:schemeClr val="bg1"/>
-                </a:solidFill>
-              </a:rPr>
-              <a:t>SongSelect</a:t>
-            </a:r>
-            <a:r>
-              <a:rPr lang="en-GB" sz="1200" dirty="0">
-                <a:solidFill>
-                  <a:schemeClr val="bg1"/>
-                </a:solidFill>
-              </a:rPr>
-              <a:t>® Terms of Use. All rights reserved. www.ccli.com</a:t>
-            </a:r>
-          </a:p>
-          <a:p>
-            <a:r>
-              <a:rPr lang="en-GB" sz="1200" dirty="0">
-                <a:solidFill>
-                  <a:schemeClr val="bg1"/>
-                </a:solidFill>
-              </a:rPr>
-              <a:t>CCLI Licence No. 33265</a:t>
-            </a:r>
-          </a:p>
-        </p:txBody>
-      </p:sp>
-    </p:spTree>
-    <p:extLst>
-      <p:ext uri="{BB962C8B-B14F-4D97-AF65-F5344CB8AC3E}">
-        <p14:creationId xmlns:p14="http://schemas.microsoft.com/office/powerpoint/2010/main" val="2943420828"/>
-      </p:ext>
-    </p:extLst>
-  </p:cSld>
-  <p:clrMapOvr>
-    <a:masterClrMapping/>
-  </p:clrMapOvr>
-</p:sld>
-</file>
-
-<file path=ppt/slides/slide26.xml><?xml version="1.0" encoding="utf-8"?>
-<p:sld xmlns:a="http://schemas.openxmlformats.org/drawingml/2006/main" xmlns:r="http://schemas.openxmlformats.org/officeDocument/2006/relationships" xmlns:p="http://schemas.openxmlformats.org/presentationml/2006/main">
-  <p:cSld>
-    <p:spTree>
-      <p:nvGrpSpPr>
-        <p:cNvPr id="1" name=""/>
-        <p:cNvGrpSpPr/>
-        <p:nvPr/>
-      </p:nvGrpSpPr>
-      <p:grpSpPr>
-        <a:xfrm>
-          <a:off x="0" y="0"/>
-          <a:ext cx="0" cy="0"/>
-          <a:chOff x="0" y="0"/>
-          <a:chExt cx="0" cy="0"/>
-        </a:xfrm>
-      </p:grpSpPr>
-      <p:sp>
-        <p:nvSpPr>
-          <p:cNvPr id="3" name="Subtitle 2"/>
-          <p:cNvSpPr>
-            <a:spLocks noGrp="1"/>
-          </p:cNvSpPr>
-          <p:nvPr>
-            <p:ph type="subTitle" idx="1"/>
-          </p:nvPr>
-        </p:nvSpPr>
-        <p:spPr>
-          <a:xfrm>
-            <a:off x="203118" y="764704"/>
-            <a:ext cx="8640960" cy="6480720"/>
-          </a:xfrm>
-        </p:spPr>
-        <p:txBody>
-          <a:bodyPr>
-            <a:noAutofit/>
-          </a:bodyPr>
-          <a:lstStyle/>
-          <a:p>
-            <a:r>
-              <a:rPr lang="en-GB" sz="3600" dirty="0">
-                <a:solidFill>
-                  <a:schemeClr val="bg1"/>
-                </a:solidFill>
-              </a:rPr>
-              <a:t>Here is where I lay it down</a:t>
-            </a:r>
-          </a:p>
-          <a:p>
-            <a:r>
-              <a:rPr lang="en-GB" sz="3600" dirty="0">
-                <a:solidFill>
-                  <a:schemeClr val="bg1"/>
-                </a:solidFill>
-              </a:rPr>
-              <a:t>Every burden every crown</a:t>
-            </a:r>
-          </a:p>
-          <a:p>
-            <a:r>
-              <a:rPr lang="en-GB" sz="3600" dirty="0">
-                <a:solidFill>
-                  <a:schemeClr val="bg1"/>
-                </a:solidFill>
-              </a:rPr>
-              <a:t>This is my surrender</a:t>
-            </a:r>
-          </a:p>
-          <a:p>
-            <a:r>
-              <a:rPr lang="en-GB" sz="3600" dirty="0">
-                <a:solidFill>
-                  <a:schemeClr val="bg1"/>
-                </a:solidFill>
-              </a:rPr>
-              <a:t>This is my surrender</a:t>
-            </a:r>
-          </a:p>
-          <a:p>
-            <a:r>
-              <a:rPr lang="en-GB" sz="3600" dirty="0">
-                <a:solidFill>
-                  <a:schemeClr val="bg1"/>
-                </a:solidFill>
-              </a:rPr>
-              <a:t>Here is where I lay it down</a:t>
-            </a:r>
-          </a:p>
-          <a:p>
-            <a:r>
-              <a:rPr lang="en-GB" sz="3600" dirty="0">
-                <a:solidFill>
-                  <a:schemeClr val="bg1"/>
-                </a:solidFill>
-              </a:rPr>
-              <a:t>Every lie and every doubt</a:t>
-            </a:r>
-          </a:p>
-          <a:p>
-            <a:r>
-              <a:rPr lang="en-GB" sz="3600" dirty="0">
-                <a:solidFill>
-                  <a:schemeClr val="bg1"/>
-                </a:solidFill>
-              </a:rPr>
-              <a:t>This is my surrender</a:t>
-            </a:r>
-          </a:p>
-        </p:txBody>
-      </p:sp>
-      <p:sp>
-        <p:nvSpPr>
-          <p:cNvPr id="4" name="TextBox 3"/>
-          <p:cNvSpPr txBox="1"/>
-          <p:nvPr/>
-        </p:nvSpPr>
-        <p:spPr>
-          <a:xfrm>
-            <a:off x="8529729" y="0"/>
-            <a:ext cx="628698" cy="461665"/>
-          </a:xfrm>
-          <a:prstGeom prst="rect">
-            <a:avLst/>
-          </a:prstGeom>
-          <a:noFill/>
-        </p:spPr>
-        <p:txBody>
-          <a:bodyPr wrap="none" rtlCol="0">
-            <a:spAutoFit/>
-          </a:bodyPr>
-          <a:lstStyle/>
-          <a:p>
-            <a:r>
-              <a:rPr lang="en-GB" sz="2400" b="1" dirty="0">
-                <a:solidFill>
-                  <a:schemeClr val="bg1"/>
-                </a:solidFill>
-              </a:rPr>
-              <a:t>1/5</a:t>
-            </a:r>
-          </a:p>
-        </p:txBody>
-      </p:sp>
-    </p:spTree>
-    <p:extLst>
-      <p:ext uri="{BB962C8B-B14F-4D97-AF65-F5344CB8AC3E}">
-        <p14:creationId xmlns:p14="http://schemas.microsoft.com/office/powerpoint/2010/main" val="3820146061"/>
-      </p:ext>
-    </p:extLst>
-  </p:cSld>
-  <p:clrMapOvr>
-    <a:masterClrMapping/>
-  </p:clrMapOvr>
-</p:sld>
-</file>
-
-<file path=ppt/slides/slide27.xml><?xml version="1.0" encoding="utf-8"?>
-<p:sld xmlns:a="http://schemas.openxmlformats.org/drawingml/2006/main" xmlns:r="http://schemas.openxmlformats.org/officeDocument/2006/relationships" xmlns:p="http://schemas.openxmlformats.org/presentationml/2006/main">
-  <p:cSld>
-    <p:spTree>
-      <p:nvGrpSpPr>
-        <p:cNvPr id="1" name="">
-          <a:extLst>
-            <a:ext uri="{FF2B5EF4-FFF2-40B4-BE49-F238E27FC236}">
-              <a16:creationId xmlns:a16="http://schemas.microsoft.com/office/drawing/2014/main" id="{35595A36-BBFC-5E4A-3C78-61FB77FCB3AE}"/>
-            </a:ext>
-          </a:extLst>
-        </p:cNvPr>
-        <p:cNvGrpSpPr/>
-        <p:nvPr/>
-      </p:nvGrpSpPr>
-      <p:grpSpPr>
-        <a:xfrm>
-          <a:off x="0" y="0"/>
-          <a:ext cx="0" cy="0"/>
-          <a:chOff x="0" y="0"/>
-          <a:chExt cx="0" cy="0"/>
-        </a:xfrm>
-      </p:grpSpPr>
-      <p:sp>
-        <p:nvSpPr>
-          <p:cNvPr id="3" name="Subtitle 2">
-            <a:extLst>
-              <a:ext uri="{FF2B5EF4-FFF2-40B4-BE49-F238E27FC236}">
-                <a16:creationId xmlns:a16="http://schemas.microsoft.com/office/drawing/2014/main" id="{7E6666CE-8F41-3DDB-321D-CD79FD7F4089}"/>
-              </a:ext>
-            </a:extLst>
-          </p:cNvPr>
-          <p:cNvSpPr>
-            <a:spLocks noGrp="1"/>
-          </p:cNvSpPr>
-          <p:nvPr>
-            <p:ph type="subTitle" idx="1"/>
-          </p:nvPr>
-        </p:nvSpPr>
-        <p:spPr>
-          <a:xfrm>
-            <a:off x="203118" y="764704"/>
-            <a:ext cx="8640960" cy="6480720"/>
-          </a:xfrm>
-        </p:spPr>
-        <p:txBody>
-          <a:bodyPr>
-            <a:noAutofit/>
-          </a:bodyPr>
-          <a:lstStyle/>
-          <a:p>
-            <a:r>
-              <a:rPr lang="en-GB" sz="3600" dirty="0">
-                <a:solidFill>
-                  <a:schemeClr val="bg1"/>
-                </a:solidFill>
-              </a:rPr>
-              <a:t>And I will make room for you</a:t>
-            </a:r>
-          </a:p>
-          <a:p>
-            <a:r>
-              <a:rPr lang="en-GB" sz="3600" dirty="0">
-                <a:solidFill>
-                  <a:schemeClr val="bg1"/>
-                </a:solidFill>
-              </a:rPr>
-              <a:t>To do whatever you want to</a:t>
-            </a:r>
-          </a:p>
-          <a:p>
-            <a:r>
-              <a:rPr lang="en-GB" sz="3600" dirty="0">
-                <a:solidFill>
-                  <a:schemeClr val="bg1"/>
-                </a:solidFill>
-              </a:rPr>
-              <a:t>To do whatever you want to</a:t>
-            </a:r>
-          </a:p>
-          <a:p>
-            <a:r>
-              <a:rPr lang="en-GB" sz="3600" dirty="0">
-                <a:solidFill>
-                  <a:schemeClr val="bg1"/>
-                </a:solidFill>
-              </a:rPr>
-              <a:t>And I will make room for you</a:t>
-            </a:r>
-          </a:p>
-          <a:p>
-            <a:r>
-              <a:rPr lang="en-GB" sz="3600" dirty="0">
-                <a:solidFill>
-                  <a:schemeClr val="bg1"/>
-                </a:solidFill>
-              </a:rPr>
-              <a:t>To do whatever you want to</a:t>
-            </a:r>
-          </a:p>
-          <a:p>
-            <a:r>
-              <a:rPr lang="en-GB" sz="3600" dirty="0">
-                <a:solidFill>
-                  <a:schemeClr val="bg1"/>
-                </a:solidFill>
-              </a:rPr>
-              <a:t>To do whatever you want to</a:t>
-            </a:r>
-          </a:p>
-        </p:txBody>
-      </p:sp>
-      <p:sp>
-        <p:nvSpPr>
-          <p:cNvPr id="4" name="TextBox 3">
-            <a:extLst>
-              <a:ext uri="{FF2B5EF4-FFF2-40B4-BE49-F238E27FC236}">
-                <a16:creationId xmlns:a16="http://schemas.microsoft.com/office/drawing/2014/main" id="{CC704C2B-362B-3D71-19FF-477A8615B492}"/>
-              </a:ext>
-            </a:extLst>
-          </p:cNvPr>
-          <p:cNvSpPr txBox="1"/>
-          <p:nvPr/>
-        </p:nvSpPr>
-        <p:spPr>
-          <a:xfrm>
-            <a:off x="8529729" y="0"/>
-            <a:ext cx="628698" cy="461665"/>
-          </a:xfrm>
-          <a:prstGeom prst="rect">
-            <a:avLst/>
-          </a:prstGeom>
-          <a:noFill/>
-        </p:spPr>
-        <p:txBody>
-          <a:bodyPr wrap="none" rtlCol="0">
-            <a:spAutoFit/>
-          </a:bodyPr>
-          <a:lstStyle/>
-          <a:p>
-            <a:r>
-              <a:rPr lang="en-GB" sz="2400" b="1" dirty="0">
-                <a:solidFill>
-                  <a:schemeClr val="bg1"/>
-                </a:solidFill>
-              </a:rPr>
-              <a:t>2/5</a:t>
-            </a:r>
-          </a:p>
-        </p:txBody>
-      </p:sp>
-    </p:spTree>
-    <p:extLst>
-      <p:ext uri="{BB962C8B-B14F-4D97-AF65-F5344CB8AC3E}">
-        <p14:creationId xmlns:p14="http://schemas.microsoft.com/office/powerpoint/2010/main" val="2346164547"/>
-      </p:ext>
-    </p:extLst>
-  </p:cSld>
-  <p:clrMapOvr>
-    <a:masterClrMapping/>
-  </p:clrMapOvr>
-</p:sld>
-</file>
-
-<file path=ppt/slides/slide28.xml><?xml version="1.0" encoding="utf-8"?>
-<p:sld xmlns:a="http://schemas.openxmlformats.org/drawingml/2006/main" xmlns:r="http://schemas.openxmlformats.org/officeDocument/2006/relationships" xmlns:p="http://schemas.openxmlformats.org/presentationml/2006/main">
-  <p:cSld>
-    <p:spTree>
-      <p:nvGrpSpPr>
-        <p:cNvPr id="1" name="">
-          <a:extLst>
-            <a:ext uri="{FF2B5EF4-FFF2-40B4-BE49-F238E27FC236}">
-              <a16:creationId xmlns:a16="http://schemas.microsoft.com/office/drawing/2014/main" id="{C2A4D6F4-E586-32D8-81E5-DD222EC395BC}"/>
-            </a:ext>
-          </a:extLst>
-        </p:cNvPr>
-        <p:cNvGrpSpPr/>
-        <p:nvPr/>
-      </p:nvGrpSpPr>
-      <p:grpSpPr>
-        <a:xfrm>
-          <a:off x="0" y="0"/>
-          <a:ext cx="0" cy="0"/>
-          <a:chOff x="0" y="0"/>
-          <a:chExt cx="0" cy="0"/>
-        </a:xfrm>
-      </p:grpSpPr>
-      <p:sp>
-        <p:nvSpPr>
-          <p:cNvPr id="3" name="Subtitle 2">
-            <a:extLst>
-              <a:ext uri="{FF2B5EF4-FFF2-40B4-BE49-F238E27FC236}">
-                <a16:creationId xmlns:a16="http://schemas.microsoft.com/office/drawing/2014/main" id="{EABAFD91-D620-2C50-B3C5-606A2B51A6B1}"/>
-              </a:ext>
-            </a:extLst>
-          </p:cNvPr>
-          <p:cNvSpPr>
-            <a:spLocks noGrp="1"/>
-          </p:cNvSpPr>
-          <p:nvPr>
-            <p:ph type="subTitle" idx="1"/>
-          </p:nvPr>
-        </p:nvSpPr>
-        <p:spPr>
-          <a:xfrm>
-            <a:off x="203118" y="764704"/>
-            <a:ext cx="8640960" cy="6480720"/>
-          </a:xfrm>
-        </p:spPr>
-        <p:txBody>
-          <a:bodyPr>
-            <a:noAutofit/>
-          </a:bodyPr>
-          <a:lstStyle/>
-          <a:p>
-            <a:r>
-              <a:rPr lang="en-GB" sz="3600" dirty="0">
-                <a:solidFill>
-                  <a:schemeClr val="bg1"/>
-                </a:solidFill>
-              </a:rPr>
-              <a:t>Shake up the ground of all my tradition</a:t>
-            </a:r>
-          </a:p>
-          <a:p>
-            <a:r>
-              <a:rPr lang="en-GB" sz="3600" dirty="0">
-                <a:solidFill>
-                  <a:schemeClr val="bg1"/>
-                </a:solidFill>
-              </a:rPr>
-              <a:t>Break down the walls of all my religion</a:t>
-            </a:r>
-          </a:p>
-          <a:p>
-            <a:r>
-              <a:rPr lang="en-GB" sz="3600" dirty="0">
-                <a:solidFill>
-                  <a:schemeClr val="bg1"/>
-                </a:solidFill>
-              </a:rPr>
-              <a:t>Your way is better</a:t>
-            </a:r>
-          </a:p>
-          <a:p>
-            <a:r>
-              <a:rPr lang="en-GB" sz="3600" dirty="0">
-                <a:solidFill>
-                  <a:schemeClr val="bg1"/>
-                </a:solidFill>
-              </a:rPr>
-              <a:t>Your way is better</a:t>
-            </a:r>
-          </a:p>
-        </p:txBody>
-      </p:sp>
-      <p:sp>
-        <p:nvSpPr>
-          <p:cNvPr id="4" name="TextBox 3">
-            <a:extLst>
-              <a:ext uri="{FF2B5EF4-FFF2-40B4-BE49-F238E27FC236}">
-                <a16:creationId xmlns:a16="http://schemas.microsoft.com/office/drawing/2014/main" id="{253F450E-3BFE-F25A-4BEB-AE68CCD254C1}"/>
-              </a:ext>
-            </a:extLst>
-          </p:cNvPr>
-          <p:cNvSpPr txBox="1"/>
-          <p:nvPr/>
-        </p:nvSpPr>
-        <p:spPr>
-          <a:xfrm>
-            <a:off x="8529729" y="0"/>
-            <a:ext cx="628698" cy="461665"/>
-          </a:xfrm>
-          <a:prstGeom prst="rect">
-            <a:avLst/>
-          </a:prstGeom>
-          <a:noFill/>
-        </p:spPr>
-        <p:txBody>
-          <a:bodyPr wrap="none" rtlCol="0">
-            <a:spAutoFit/>
-          </a:bodyPr>
-          <a:lstStyle/>
-          <a:p>
-            <a:r>
-              <a:rPr lang="en-GB" sz="2400" b="1" dirty="0">
-                <a:solidFill>
-                  <a:schemeClr val="bg1"/>
-                </a:solidFill>
-              </a:rPr>
-              <a:t>3/5</a:t>
-            </a:r>
-          </a:p>
-        </p:txBody>
-      </p:sp>
-    </p:spTree>
-    <p:extLst>
-      <p:ext uri="{BB962C8B-B14F-4D97-AF65-F5344CB8AC3E}">
-        <p14:creationId xmlns:p14="http://schemas.microsoft.com/office/powerpoint/2010/main" val="3304493692"/>
-      </p:ext>
-    </p:extLst>
-  </p:cSld>
-  <p:clrMapOvr>
-    <a:masterClrMapping/>
-  </p:clrMapOvr>
-</p:sld>
-</file>
-
-<file path=ppt/slides/slide29.xml><?xml version="1.0" encoding="utf-8"?>
-<p:sld xmlns:a="http://schemas.openxmlformats.org/drawingml/2006/main" xmlns:r="http://schemas.openxmlformats.org/officeDocument/2006/relationships" xmlns:p="http://schemas.openxmlformats.org/presentationml/2006/main">
-  <p:cSld>
-    <p:spTree>
-      <p:nvGrpSpPr>
-        <p:cNvPr id="1" name="">
-          <a:extLst>
-            <a:ext uri="{FF2B5EF4-FFF2-40B4-BE49-F238E27FC236}">
-              <a16:creationId xmlns:a16="http://schemas.microsoft.com/office/drawing/2014/main" id="{816BB2BE-7684-C382-8EBE-CE60825F887D}"/>
-            </a:ext>
-          </a:extLst>
-        </p:cNvPr>
-        <p:cNvGrpSpPr/>
-        <p:nvPr/>
-      </p:nvGrpSpPr>
-      <p:grpSpPr>
-        <a:xfrm>
-          <a:off x="0" y="0"/>
-          <a:ext cx="0" cy="0"/>
-          <a:chOff x="0" y="0"/>
-          <a:chExt cx="0" cy="0"/>
-        </a:xfrm>
-      </p:grpSpPr>
-      <p:sp>
-        <p:nvSpPr>
-          <p:cNvPr id="3" name="Subtitle 2">
-            <a:extLst>
-              <a:ext uri="{FF2B5EF4-FFF2-40B4-BE49-F238E27FC236}">
-                <a16:creationId xmlns:a16="http://schemas.microsoft.com/office/drawing/2014/main" id="{55CEAE7F-605D-7892-3434-CB078C80A286}"/>
-              </a:ext>
-            </a:extLst>
-          </p:cNvPr>
-          <p:cNvSpPr>
-            <a:spLocks noGrp="1"/>
-          </p:cNvSpPr>
-          <p:nvPr>
-            <p:ph type="subTitle" idx="1"/>
-          </p:nvPr>
-        </p:nvSpPr>
-        <p:spPr>
-          <a:xfrm>
-            <a:off x="203118" y="764704"/>
-            <a:ext cx="8640960" cy="6480720"/>
-          </a:xfrm>
-        </p:spPr>
-        <p:txBody>
-          <a:bodyPr>
-            <a:noAutofit/>
-          </a:bodyPr>
-          <a:lstStyle/>
-          <a:p>
-            <a:r>
-              <a:rPr lang="en-GB" sz="3600" dirty="0">
-                <a:solidFill>
-                  <a:schemeClr val="bg1"/>
-                </a:solidFill>
-              </a:rPr>
-              <a:t>And I will make room for you</a:t>
-            </a:r>
-          </a:p>
-          <a:p>
-            <a:r>
-              <a:rPr lang="en-GB" sz="3600" dirty="0">
-                <a:solidFill>
-                  <a:schemeClr val="bg1"/>
-                </a:solidFill>
-              </a:rPr>
-              <a:t>To do whatever you want to</a:t>
-            </a:r>
-          </a:p>
-          <a:p>
-            <a:r>
-              <a:rPr lang="en-GB" sz="3600" dirty="0">
-                <a:solidFill>
-                  <a:schemeClr val="bg1"/>
-                </a:solidFill>
-              </a:rPr>
-              <a:t>To do whatever you want to</a:t>
-            </a:r>
-          </a:p>
-          <a:p>
-            <a:r>
-              <a:rPr lang="en-GB" sz="3600" dirty="0">
-                <a:solidFill>
-                  <a:schemeClr val="bg1"/>
-                </a:solidFill>
-              </a:rPr>
-              <a:t>And I will make room for you</a:t>
-            </a:r>
-          </a:p>
-          <a:p>
-            <a:r>
-              <a:rPr lang="en-GB" sz="3600" dirty="0">
-                <a:solidFill>
-                  <a:schemeClr val="bg1"/>
-                </a:solidFill>
-              </a:rPr>
-              <a:t>To do whatever you want to</a:t>
-            </a:r>
-          </a:p>
-          <a:p>
-            <a:r>
-              <a:rPr lang="en-GB" sz="3600" dirty="0">
-                <a:solidFill>
-                  <a:schemeClr val="bg1"/>
-                </a:solidFill>
-              </a:rPr>
-              <a:t>To do whatever you want to</a:t>
-            </a:r>
-          </a:p>
-        </p:txBody>
-      </p:sp>
-      <p:sp>
-        <p:nvSpPr>
-          <p:cNvPr id="4" name="TextBox 3">
-            <a:extLst>
-              <a:ext uri="{FF2B5EF4-FFF2-40B4-BE49-F238E27FC236}">
-                <a16:creationId xmlns:a16="http://schemas.microsoft.com/office/drawing/2014/main" id="{005A5DB1-DB6E-C270-BBAD-7D232832332E}"/>
-              </a:ext>
-            </a:extLst>
-          </p:cNvPr>
-          <p:cNvSpPr txBox="1"/>
-          <p:nvPr/>
-        </p:nvSpPr>
-        <p:spPr>
-          <a:xfrm>
-            <a:off x="8529729" y="0"/>
-            <a:ext cx="628698" cy="461665"/>
-          </a:xfrm>
-          <a:prstGeom prst="rect">
-            <a:avLst/>
-          </a:prstGeom>
-          <a:noFill/>
-        </p:spPr>
-        <p:txBody>
-          <a:bodyPr wrap="none" rtlCol="0">
-            <a:spAutoFit/>
-          </a:bodyPr>
-          <a:lstStyle/>
-          <a:p>
-            <a:r>
-              <a:rPr lang="en-GB" sz="2400" b="1" dirty="0">
-                <a:solidFill>
-                  <a:schemeClr val="bg1"/>
-                </a:solidFill>
-              </a:rPr>
-              <a:t>4/5</a:t>
-            </a:r>
-          </a:p>
-        </p:txBody>
-      </p:sp>
-    </p:spTree>
-    <p:extLst>
-      <p:ext uri="{BB962C8B-B14F-4D97-AF65-F5344CB8AC3E}">
-        <p14:creationId xmlns:p14="http://schemas.microsoft.com/office/powerpoint/2010/main" val="2242556523"/>
       </p:ext>
     </p:extLst>
   </p:cSld>
@@ -8858,17 +9364,24 @@
                 <a:effectLst/>
                 <a:latin typeface="akagi_probook"/>
               </a:rPr>
-              <a:t>Open The Eyes of My Heart</a:t>
-            </a:r>
-          </a:p>
-          <a:p>
-            <a:r>
+              <a:t>Turn It Up</a:t>
+            </a:r>
+          </a:p>
+          <a:p>
+            <a:br>
               <a:rPr lang="en-GB" sz="1200" dirty="0">
                 <a:solidFill>
                   <a:schemeClr val="bg1"/>
                 </a:solidFill>
               </a:rPr>
-              <a:t>CCLI Song # 2298355</a:t>
+            </a:br>
+            <a:r>
+              <a:rPr lang="en-GB" sz="1200" dirty="0">
+                <a:solidFill>
+                  <a:schemeClr val="bg1"/>
+                </a:solidFill>
+              </a:rPr>
+              <a:t>CCLI Song # 6621485</a:t>
             </a:r>
           </a:p>
           <a:p>
@@ -8885,16 +9398,10 @@
                   <a:schemeClr val="bg1"/>
                 </a:solidFill>
               </a:rPr>
-              <a:t>Paul </a:t>
-            </a:r>
-            <a:r>
-              <a:rPr lang="en-GB" sz="1200" dirty="0" err="1">
-                <a:solidFill>
-                  <a:schemeClr val="bg1"/>
-                </a:solidFill>
-              </a:rPr>
-              <a:t>Baloche</a:t>
-            </a:r>
+              <a:t>Andy Harrison</a:t>
+            </a:r>
+          </a:p>
+          <a:p>
             <a:endParaRPr lang="en-GB" sz="1200" dirty="0">
               <a:solidFill>
                 <a:schemeClr val="bg1"/>
@@ -8902,6 +9409,58 @@
             </a:endParaRPr>
           </a:p>
           <a:p>
+            <a:r>
+              <a:rPr lang="en-GB" sz="1200" dirty="0">
+                <a:solidFill>
+                  <a:schemeClr val="bg1"/>
+                </a:solidFill>
+              </a:rPr>
+              <a:t>© 2012 </a:t>
+            </a:r>
+            <a:r>
+              <a:rPr lang="en-GB" sz="1200" dirty="0" err="1">
+                <a:solidFill>
+                  <a:schemeClr val="bg1"/>
+                </a:solidFill>
+              </a:rPr>
+              <a:t>Planetshakers</a:t>
+            </a:r>
+            <a:r>
+              <a:rPr lang="en-GB" sz="1200" dirty="0">
+                <a:solidFill>
+                  <a:schemeClr val="bg1"/>
+                </a:solidFill>
+              </a:rPr>
+              <a:t> Ministries Int. Inc. (Admin. by Song Solutions www.songsolutions.org)</a:t>
+            </a:r>
+          </a:p>
+          <a:p>
+            <a:r>
+              <a:rPr lang="en-GB" sz="1200" dirty="0">
+                <a:solidFill>
+                  <a:schemeClr val="bg1"/>
+                </a:solidFill>
+              </a:rPr>
+              <a:t>For use solely with the </a:t>
+            </a:r>
+            <a:r>
+              <a:rPr lang="en-GB" sz="1200" dirty="0" err="1">
+                <a:solidFill>
+                  <a:schemeClr val="bg1"/>
+                </a:solidFill>
+              </a:rPr>
+              <a:t>SongSelect</a:t>
+            </a:r>
+            <a:r>
+              <a:rPr lang="en-GB" sz="1200" dirty="0">
+                <a:solidFill>
+                  <a:schemeClr val="bg1"/>
+                </a:solidFill>
+              </a:rPr>
+              <a:t>® Terms of Use. All rights reserved. www.ccli.com</a:t>
+            </a:r>
+          </a:p>
+          <a:p>
             <a:endParaRPr lang="en-GB" sz="1200" dirty="0">
               <a:solidFill>
                 <a:schemeClr val="bg1"/>
@@ -8915,49 +9474,6 @@
                   <a:schemeClr val="bg1"/>
                 </a:solidFill>
               </a:rPr>
-              <a:t>© 1997 Integrity's Hosanna! Music (Admin. by Integrity Music Ltd)</a:t>
-            </a:r>
-          </a:p>
-          <a:p>
-            <a:r>
-              <a:rPr lang="en-GB" sz="1200" dirty="0">
-                <a:solidFill>
-                  <a:schemeClr val="bg1"/>
-                </a:solidFill>
-              </a:rPr>
-              <a:t>For use solely with the </a:t>
-            </a:r>
-            <a:r>
-              <a:rPr lang="en-GB" sz="1200" dirty="0" err="1">
-                <a:solidFill>
-                  <a:schemeClr val="bg1"/>
-                </a:solidFill>
-              </a:rPr>
-              <a:t>SongSelect</a:t>
-            </a:r>
-            <a:r>
-              <a:rPr lang="en-GB" sz="1200" dirty="0">
-                <a:solidFill>
-                  <a:schemeClr val="bg1"/>
-                </a:solidFill>
-              </a:rPr>
-              <a:t>® Terms of Use. All rights reserved. www.ccli.com</a:t>
-            </a:r>
-          </a:p>
-          <a:p>
-            <a:endParaRPr lang="en-GB" sz="1200" dirty="0">
-              <a:solidFill>
-                <a:schemeClr val="bg1"/>
-              </a:solidFill>
-            </a:endParaRPr>
-          </a:p>
-          <a:p>
-            <a:r>
-              <a:rPr lang="en-GB" sz="1200" dirty="0">
-                <a:solidFill>
-                  <a:schemeClr val="bg1"/>
-                </a:solidFill>
-              </a:rPr>
               <a:t>CCLI Licence No. 33265</a:t>
             </a:r>
           </a:p>
@@ -8966,7 +9482,7 @@
     </p:spTree>
     <p:extLst>
       <p:ext uri="{BB962C8B-B14F-4D97-AF65-F5344CB8AC3E}">
-        <p14:creationId xmlns:p14="http://schemas.microsoft.com/office/powerpoint/2010/main" val="2240796434"/>
+        <p14:creationId xmlns:p14="http://schemas.microsoft.com/office/powerpoint/2010/main" val="1597976624"/>
       </p:ext>
     </p:extLst>
   </p:cSld>
@@ -8977,6 +9493,1083 @@
 </file>
 
 <file path=ppt/slides/slide30.xml><?xml version="1.0" encoding="utf-8"?>
+<p:sld xmlns:a="http://schemas.openxmlformats.org/drawingml/2006/main" xmlns:r="http://schemas.openxmlformats.org/officeDocument/2006/relationships" xmlns:p="http://schemas.openxmlformats.org/presentationml/2006/main">
+  <p:cSld>
+    <p:spTree>
+      <p:nvGrpSpPr>
+        <p:cNvPr id="1" name=""/>
+        <p:cNvGrpSpPr/>
+        <p:nvPr/>
+      </p:nvGrpSpPr>
+      <p:grpSpPr>
+        <a:xfrm>
+          <a:off x="0" y="0"/>
+          <a:ext cx="0" cy="0"/>
+          <a:chOff x="0" y="0"/>
+          <a:chExt cx="0" cy="0"/>
+        </a:xfrm>
+      </p:grpSpPr>
+      <p:sp>
+        <p:nvSpPr>
+          <p:cNvPr id="3" name="Subtitle 2"/>
+          <p:cNvSpPr>
+            <a:spLocks noGrp="1"/>
+          </p:cNvSpPr>
+          <p:nvPr>
+            <p:ph type="subTitle" idx="1"/>
+          </p:nvPr>
+        </p:nvSpPr>
+        <p:spPr>
+          <a:xfrm>
+            <a:off x="0" y="692696"/>
+            <a:ext cx="8640960" cy="6480720"/>
+          </a:xfrm>
+        </p:spPr>
+        <p:txBody>
+          <a:bodyPr>
+            <a:noAutofit/>
+          </a:bodyPr>
+          <a:lstStyle/>
+          <a:p>
+            <a:r>
+              <a:rPr lang="en-GB" sz="4000" dirty="0">
+                <a:solidFill>
+                  <a:schemeClr val="bg1"/>
+                </a:solidFill>
+              </a:rPr>
+              <a:t>King of all days</a:t>
+            </a:r>
+          </a:p>
+          <a:p>
+            <a:r>
+              <a:rPr lang="en-GB" sz="4000" dirty="0">
+                <a:solidFill>
+                  <a:schemeClr val="bg1"/>
+                </a:solidFill>
+              </a:rPr>
+              <a:t>Oh so highly exalted</a:t>
+            </a:r>
+          </a:p>
+          <a:p>
+            <a:r>
+              <a:rPr lang="en-GB" sz="4000" dirty="0">
+                <a:solidFill>
+                  <a:schemeClr val="bg1"/>
+                </a:solidFill>
+              </a:rPr>
+              <a:t>Glorious in heaven above</a:t>
+            </a:r>
+          </a:p>
+          <a:p>
+            <a:r>
+              <a:rPr lang="en-GB" sz="4000" dirty="0">
+                <a:solidFill>
+                  <a:schemeClr val="bg1"/>
+                </a:solidFill>
+              </a:rPr>
+              <a:t>Humbly You came</a:t>
+            </a:r>
+          </a:p>
+          <a:p>
+            <a:r>
+              <a:rPr lang="en-GB" sz="4000" dirty="0">
+                <a:solidFill>
+                  <a:schemeClr val="bg1"/>
+                </a:solidFill>
+              </a:rPr>
+              <a:t>To the earth You created</a:t>
+            </a:r>
+          </a:p>
+          <a:p>
+            <a:r>
+              <a:rPr lang="en-GB" sz="4000" dirty="0">
+                <a:solidFill>
+                  <a:schemeClr val="bg1"/>
+                </a:solidFill>
+              </a:rPr>
+              <a:t>All for love's sake became poor</a:t>
+            </a:r>
+          </a:p>
+        </p:txBody>
+      </p:sp>
+      <p:sp>
+        <p:nvSpPr>
+          <p:cNvPr id="4" name="TextBox 3"/>
+          <p:cNvSpPr txBox="1"/>
+          <p:nvPr/>
+        </p:nvSpPr>
+        <p:spPr>
+          <a:xfrm>
+            <a:off x="8529729" y="0"/>
+            <a:ext cx="628698" cy="461665"/>
+          </a:xfrm>
+          <a:prstGeom prst="rect">
+            <a:avLst/>
+          </a:prstGeom>
+          <a:noFill/>
+        </p:spPr>
+        <p:txBody>
+          <a:bodyPr wrap="none" rtlCol="0">
+            <a:spAutoFit/>
+          </a:bodyPr>
+          <a:lstStyle/>
+          <a:p>
+            <a:r>
+              <a:rPr lang="en-GB" sz="2400" b="1" dirty="0">
+                <a:solidFill>
+                  <a:schemeClr val="bg1"/>
+                </a:solidFill>
+              </a:rPr>
+              <a:t>3/4</a:t>
+            </a:r>
+          </a:p>
+        </p:txBody>
+      </p:sp>
+    </p:spTree>
+    <p:extLst>
+      <p:ext uri="{BB962C8B-B14F-4D97-AF65-F5344CB8AC3E}">
+        <p14:creationId xmlns:p14="http://schemas.microsoft.com/office/powerpoint/2010/main" val="1984553941"/>
+      </p:ext>
+    </p:extLst>
+  </p:cSld>
+  <p:clrMapOvr>
+    <a:masterClrMapping/>
+  </p:clrMapOvr>
+</p:sld>
+</file>
+
+<file path=ppt/slides/slide31.xml><?xml version="1.0" encoding="utf-8"?>
+<p:sld xmlns:a="http://schemas.openxmlformats.org/drawingml/2006/main" xmlns:r="http://schemas.openxmlformats.org/officeDocument/2006/relationships" xmlns:p="http://schemas.openxmlformats.org/presentationml/2006/main">
+  <p:cSld>
+    <p:spTree>
+      <p:nvGrpSpPr>
+        <p:cNvPr id="1" name=""/>
+        <p:cNvGrpSpPr/>
+        <p:nvPr/>
+      </p:nvGrpSpPr>
+      <p:grpSpPr>
+        <a:xfrm>
+          <a:off x="0" y="0"/>
+          <a:ext cx="0" cy="0"/>
+          <a:chOff x="0" y="0"/>
+          <a:chExt cx="0" cy="0"/>
+        </a:xfrm>
+      </p:grpSpPr>
+      <p:sp>
+        <p:nvSpPr>
+          <p:cNvPr id="3" name="Subtitle 2"/>
+          <p:cNvSpPr>
+            <a:spLocks noGrp="1"/>
+          </p:cNvSpPr>
+          <p:nvPr>
+            <p:ph type="subTitle" idx="1"/>
+          </p:nvPr>
+        </p:nvSpPr>
+        <p:spPr>
+          <a:xfrm>
+            <a:off x="395536" y="836712"/>
+            <a:ext cx="8640960" cy="6480720"/>
+          </a:xfrm>
+        </p:spPr>
+        <p:txBody>
+          <a:bodyPr>
+            <a:noAutofit/>
+          </a:bodyPr>
+          <a:lstStyle/>
+          <a:p>
+            <a:r>
+              <a:rPr lang="en-GB" sz="4000" dirty="0">
+                <a:solidFill>
+                  <a:schemeClr val="bg1"/>
+                </a:solidFill>
+              </a:rPr>
+              <a:t>And I'll never know how much it cost</a:t>
+            </a:r>
+          </a:p>
+          <a:p>
+            <a:r>
+              <a:rPr lang="en-GB" sz="4000" dirty="0">
+                <a:solidFill>
+                  <a:schemeClr val="bg1"/>
+                </a:solidFill>
+              </a:rPr>
+              <a:t>To see my sin upon that cross</a:t>
+            </a:r>
+          </a:p>
+          <a:p>
+            <a:r>
+              <a:rPr lang="en-GB" sz="4000" dirty="0">
+                <a:solidFill>
+                  <a:schemeClr val="bg1"/>
+                </a:solidFill>
+              </a:rPr>
+              <a:t>And I'll never know how much it cost</a:t>
+            </a:r>
+          </a:p>
+          <a:p>
+            <a:r>
+              <a:rPr lang="en-GB" sz="4000" dirty="0">
+                <a:solidFill>
+                  <a:schemeClr val="bg1"/>
+                </a:solidFill>
+              </a:rPr>
+              <a:t>To see my sin upon that cross</a:t>
+            </a:r>
+          </a:p>
+        </p:txBody>
+      </p:sp>
+      <p:sp>
+        <p:nvSpPr>
+          <p:cNvPr id="4" name="TextBox 3"/>
+          <p:cNvSpPr txBox="1"/>
+          <p:nvPr/>
+        </p:nvSpPr>
+        <p:spPr>
+          <a:xfrm>
+            <a:off x="8529729" y="0"/>
+            <a:ext cx="628698" cy="461665"/>
+          </a:xfrm>
+          <a:prstGeom prst="rect">
+            <a:avLst/>
+          </a:prstGeom>
+          <a:noFill/>
+        </p:spPr>
+        <p:txBody>
+          <a:bodyPr wrap="none" rtlCol="0">
+            <a:spAutoFit/>
+          </a:bodyPr>
+          <a:lstStyle/>
+          <a:p>
+            <a:r>
+              <a:rPr lang="en-GB" sz="2400" b="1" dirty="0">
+                <a:solidFill>
+                  <a:schemeClr val="bg1"/>
+                </a:solidFill>
+              </a:rPr>
+              <a:t>4/4</a:t>
+            </a:r>
+          </a:p>
+        </p:txBody>
+      </p:sp>
+    </p:spTree>
+    <p:extLst>
+      <p:ext uri="{BB962C8B-B14F-4D97-AF65-F5344CB8AC3E}">
+        <p14:creationId xmlns:p14="http://schemas.microsoft.com/office/powerpoint/2010/main" val="2538617842"/>
+      </p:ext>
+    </p:extLst>
+  </p:cSld>
+  <p:clrMapOvr>
+    <a:masterClrMapping/>
+  </p:clrMapOvr>
+</p:sld>
+</file>
+
+<file path=ppt/slides/slide32.xml><?xml version="1.0" encoding="utf-8"?>
+<p:sld xmlns:a="http://schemas.openxmlformats.org/drawingml/2006/main" xmlns:r="http://schemas.openxmlformats.org/officeDocument/2006/relationships" xmlns:p="http://schemas.openxmlformats.org/presentationml/2006/main">
+  <p:cSld>
+    <p:spTree>
+      <p:nvGrpSpPr>
+        <p:cNvPr id="1" name=""/>
+        <p:cNvGrpSpPr/>
+        <p:nvPr/>
+      </p:nvGrpSpPr>
+      <p:grpSpPr>
+        <a:xfrm>
+          <a:off x="0" y="0"/>
+          <a:ext cx="0" cy="0"/>
+          <a:chOff x="0" y="0"/>
+          <a:chExt cx="0" cy="0"/>
+        </a:xfrm>
+      </p:grpSpPr>
+      <p:sp>
+        <p:nvSpPr>
+          <p:cNvPr id="3" name="Subtitle 2"/>
+          <p:cNvSpPr>
+            <a:spLocks noGrp="1"/>
+          </p:cNvSpPr>
+          <p:nvPr>
+            <p:ph type="subTitle" idx="1"/>
+          </p:nvPr>
+        </p:nvSpPr>
+        <p:spPr>
+          <a:xfrm>
+            <a:off x="323528" y="188640"/>
+            <a:ext cx="8640960" cy="6480720"/>
+          </a:xfrm>
+        </p:spPr>
+        <p:txBody>
+          <a:bodyPr>
+            <a:noAutofit/>
+          </a:bodyPr>
+          <a:lstStyle/>
+          <a:p>
+            <a:endParaRPr lang="en-GB" sz="5400" dirty="0">
+              <a:solidFill>
+                <a:schemeClr val="bg1"/>
+              </a:solidFill>
+            </a:endParaRPr>
+          </a:p>
+          <a:p>
+            <a:r>
+              <a:rPr lang="en-GB" sz="4400" b="0" i="0" dirty="0">
+                <a:solidFill>
+                  <a:srgbClr val="00A3E0"/>
+                </a:solidFill>
+                <a:effectLst/>
+                <a:latin typeface="akagi_probook"/>
+              </a:rPr>
+              <a:t>Make Room</a:t>
+            </a:r>
+          </a:p>
+          <a:p>
+            <a:br>
+              <a:rPr lang="en-GB" sz="1200" dirty="0">
+                <a:solidFill>
+                  <a:schemeClr val="bg1"/>
+                </a:solidFill>
+              </a:rPr>
+            </a:br>
+            <a:r>
+              <a:rPr lang="en-GB" sz="1200" dirty="0">
+                <a:solidFill>
+                  <a:schemeClr val="bg1"/>
+                </a:solidFill>
+              </a:rPr>
+              <a:t>CCLI Song # 7122057</a:t>
+            </a:r>
+          </a:p>
+          <a:p>
+            <a:r>
+              <a:rPr lang="en-GB" sz="1200" dirty="0">
+                <a:solidFill>
+                  <a:schemeClr val="bg1"/>
+                </a:solidFill>
+              </a:rPr>
+              <a:t>Evelyn </a:t>
+            </a:r>
+            <a:r>
+              <a:rPr lang="en-GB" sz="1200" dirty="0" err="1">
+                <a:solidFill>
+                  <a:schemeClr val="bg1"/>
+                </a:solidFill>
+              </a:rPr>
+              <a:t>Heideriqui</a:t>
+            </a:r>
+            <a:r>
+              <a:rPr lang="en-GB" sz="1200" dirty="0">
+                <a:solidFill>
+                  <a:schemeClr val="bg1"/>
+                </a:solidFill>
+              </a:rPr>
+              <a:t> | Josh Farro | Lucas </a:t>
+            </a:r>
+            <a:r>
+              <a:rPr lang="en-GB" sz="1200" dirty="0" err="1">
+                <a:solidFill>
+                  <a:schemeClr val="bg1"/>
+                </a:solidFill>
+              </a:rPr>
+              <a:t>Cortazio</a:t>
+            </a:r>
+            <a:r>
+              <a:rPr lang="en-GB" sz="1200" dirty="0">
+                <a:solidFill>
+                  <a:schemeClr val="bg1"/>
+                </a:solidFill>
+              </a:rPr>
+              <a:t> | Rebekah White</a:t>
+            </a:r>
+          </a:p>
+          <a:p>
+            <a:r>
+              <a:rPr lang="en-GB" sz="1200" dirty="0">
+                <a:solidFill>
+                  <a:schemeClr val="bg1"/>
+                </a:solidFill>
+              </a:rPr>
+              <a:t>© 2018 A New Song For A New Day Music; Community Music Songs; Curb Songs; Father of Lights Publishing; Mike Curb Music</a:t>
+            </a:r>
+          </a:p>
+          <a:p>
+            <a:r>
+              <a:rPr lang="en-GB" sz="1200" dirty="0">
+                <a:solidFill>
+                  <a:schemeClr val="bg1"/>
+                </a:solidFill>
+              </a:rPr>
+              <a:t>For use solely with the </a:t>
+            </a:r>
+            <a:r>
+              <a:rPr lang="en-GB" sz="1200" dirty="0" err="1">
+                <a:solidFill>
+                  <a:schemeClr val="bg1"/>
+                </a:solidFill>
+              </a:rPr>
+              <a:t>SongSelect</a:t>
+            </a:r>
+            <a:r>
+              <a:rPr lang="en-GB" sz="1200" dirty="0">
+                <a:solidFill>
+                  <a:schemeClr val="bg1"/>
+                </a:solidFill>
+              </a:rPr>
+              <a:t>® Terms of Use. All rights reserved. www.ccli.com</a:t>
+            </a:r>
+          </a:p>
+          <a:p>
+            <a:r>
+              <a:rPr lang="en-GB" sz="1200" dirty="0">
+                <a:solidFill>
+                  <a:schemeClr val="bg1"/>
+                </a:solidFill>
+              </a:rPr>
+              <a:t>CCLI Licence No. 33265</a:t>
+            </a:r>
+          </a:p>
+        </p:txBody>
+      </p:sp>
+    </p:spTree>
+    <p:extLst>
+      <p:ext uri="{BB962C8B-B14F-4D97-AF65-F5344CB8AC3E}">
+        <p14:creationId xmlns:p14="http://schemas.microsoft.com/office/powerpoint/2010/main" val="2943420828"/>
+      </p:ext>
+    </p:extLst>
+  </p:cSld>
+  <p:clrMapOvr>
+    <a:masterClrMapping/>
+  </p:clrMapOvr>
+</p:sld>
+</file>
+
+<file path=ppt/slides/slide33.xml><?xml version="1.0" encoding="utf-8"?>
+<p:sld xmlns:a="http://schemas.openxmlformats.org/drawingml/2006/main" xmlns:r="http://schemas.openxmlformats.org/officeDocument/2006/relationships" xmlns:p="http://schemas.openxmlformats.org/presentationml/2006/main">
+  <p:cSld>
+    <p:spTree>
+      <p:nvGrpSpPr>
+        <p:cNvPr id="1" name=""/>
+        <p:cNvGrpSpPr/>
+        <p:nvPr/>
+      </p:nvGrpSpPr>
+      <p:grpSpPr>
+        <a:xfrm>
+          <a:off x="0" y="0"/>
+          <a:ext cx="0" cy="0"/>
+          <a:chOff x="0" y="0"/>
+          <a:chExt cx="0" cy="0"/>
+        </a:xfrm>
+      </p:grpSpPr>
+      <p:sp>
+        <p:nvSpPr>
+          <p:cNvPr id="3" name="Subtitle 2"/>
+          <p:cNvSpPr>
+            <a:spLocks noGrp="1"/>
+          </p:cNvSpPr>
+          <p:nvPr>
+            <p:ph type="subTitle" idx="1"/>
+          </p:nvPr>
+        </p:nvSpPr>
+        <p:spPr>
+          <a:xfrm>
+            <a:off x="203118" y="764704"/>
+            <a:ext cx="8640960" cy="6480720"/>
+          </a:xfrm>
+        </p:spPr>
+        <p:txBody>
+          <a:bodyPr>
+            <a:noAutofit/>
+          </a:bodyPr>
+          <a:lstStyle/>
+          <a:p>
+            <a:r>
+              <a:rPr lang="en-GB" sz="3600" dirty="0">
+                <a:solidFill>
+                  <a:schemeClr val="bg1"/>
+                </a:solidFill>
+              </a:rPr>
+              <a:t>Here is where I lay it down</a:t>
+            </a:r>
+          </a:p>
+          <a:p>
+            <a:r>
+              <a:rPr lang="en-GB" sz="3600" dirty="0">
+                <a:solidFill>
+                  <a:schemeClr val="bg1"/>
+                </a:solidFill>
+              </a:rPr>
+              <a:t>Every burden every crown</a:t>
+            </a:r>
+          </a:p>
+          <a:p>
+            <a:r>
+              <a:rPr lang="en-GB" sz="3600" dirty="0">
+                <a:solidFill>
+                  <a:schemeClr val="bg1"/>
+                </a:solidFill>
+              </a:rPr>
+              <a:t>This is my surrender</a:t>
+            </a:r>
+          </a:p>
+          <a:p>
+            <a:r>
+              <a:rPr lang="en-GB" sz="3600" dirty="0">
+                <a:solidFill>
+                  <a:schemeClr val="bg1"/>
+                </a:solidFill>
+              </a:rPr>
+              <a:t>This is my surrender</a:t>
+            </a:r>
+          </a:p>
+          <a:p>
+            <a:r>
+              <a:rPr lang="en-GB" sz="3600" dirty="0">
+                <a:solidFill>
+                  <a:schemeClr val="bg1"/>
+                </a:solidFill>
+              </a:rPr>
+              <a:t>Here is where I lay it down</a:t>
+            </a:r>
+          </a:p>
+          <a:p>
+            <a:r>
+              <a:rPr lang="en-GB" sz="3600" dirty="0">
+                <a:solidFill>
+                  <a:schemeClr val="bg1"/>
+                </a:solidFill>
+              </a:rPr>
+              <a:t>Every lie and every doubt</a:t>
+            </a:r>
+          </a:p>
+          <a:p>
+            <a:r>
+              <a:rPr lang="en-GB" sz="3600" dirty="0">
+                <a:solidFill>
+                  <a:schemeClr val="bg1"/>
+                </a:solidFill>
+              </a:rPr>
+              <a:t>This is my surrender</a:t>
+            </a:r>
+          </a:p>
+        </p:txBody>
+      </p:sp>
+      <p:sp>
+        <p:nvSpPr>
+          <p:cNvPr id="4" name="TextBox 3"/>
+          <p:cNvSpPr txBox="1"/>
+          <p:nvPr/>
+        </p:nvSpPr>
+        <p:spPr>
+          <a:xfrm>
+            <a:off x="8529729" y="0"/>
+            <a:ext cx="628698" cy="461665"/>
+          </a:xfrm>
+          <a:prstGeom prst="rect">
+            <a:avLst/>
+          </a:prstGeom>
+          <a:noFill/>
+        </p:spPr>
+        <p:txBody>
+          <a:bodyPr wrap="none" rtlCol="0">
+            <a:spAutoFit/>
+          </a:bodyPr>
+          <a:lstStyle/>
+          <a:p>
+            <a:r>
+              <a:rPr lang="en-GB" sz="2400" b="1" dirty="0">
+                <a:solidFill>
+                  <a:schemeClr val="bg1"/>
+                </a:solidFill>
+              </a:rPr>
+              <a:t>1/5</a:t>
+            </a:r>
+          </a:p>
+        </p:txBody>
+      </p:sp>
+    </p:spTree>
+    <p:extLst>
+      <p:ext uri="{BB962C8B-B14F-4D97-AF65-F5344CB8AC3E}">
+        <p14:creationId xmlns:p14="http://schemas.microsoft.com/office/powerpoint/2010/main" val="3820146061"/>
+      </p:ext>
+    </p:extLst>
+  </p:cSld>
+  <p:clrMapOvr>
+    <a:masterClrMapping/>
+  </p:clrMapOvr>
+</p:sld>
+</file>
+
+<file path=ppt/slides/slide34.xml><?xml version="1.0" encoding="utf-8"?>
+<p:sld xmlns:a="http://schemas.openxmlformats.org/drawingml/2006/main" xmlns:r="http://schemas.openxmlformats.org/officeDocument/2006/relationships" xmlns:p="http://schemas.openxmlformats.org/presentationml/2006/main">
+  <p:cSld>
+    <p:spTree>
+      <p:nvGrpSpPr>
+        <p:cNvPr id="1" name="">
+          <a:extLst>
+            <a:ext uri="{FF2B5EF4-FFF2-40B4-BE49-F238E27FC236}">
+              <a16:creationId xmlns:a16="http://schemas.microsoft.com/office/drawing/2014/main" id="{35595A36-BBFC-5E4A-3C78-61FB77FCB3AE}"/>
+            </a:ext>
+          </a:extLst>
+        </p:cNvPr>
+        <p:cNvGrpSpPr/>
+        <p:nvPr/>
+      </p:nvGrpSpPr>
+      <p:grpSpPr>
+        <a:xfrm>
+          <a:off x="0" y="0"/>
+          <a:ext cx="0" cy="0"/>
+          <a:chOff x="0" y="0"/>
+          <a:chExt cx="0" cy="0"/>
+        </a:xfrm>
+      </p:grpSpPr>
+      <p:sp>
+        <p:nvSpPr>
+          <p:cNvPr id="3" name="Subtitle 2">
+            <a:extLst>
+              <a:ext uri="{FF2B5EF4-FFF2-40B4-BE49-F238E27FC236}">
+                <a16:creationId xmlns:a16="http://schemas.microsoft.com/office/drawing/2014/main" id="{7E6666CE-8F41-3DDB-321D-CD79FD7F4089}"/>
+              </a:ext>
+            </a:extLst>
+          </p:cNvPr>
+          <p:cNvSpPr>
+            <a:spLocks noGrp="1"/>
+          </p:cNvSpPr>
+          <p:nvPr>
+            <p:ph type="subTitle" idx="1"/>
+          </p:nvPr>
+        </p:nvSpPr>
+        <p:spPr>
+          <a:xfrm>
+            <a:off x="203118" y="764704"/>
+            <a:ext cx="8640960" cy="6480720"/>
+          </a:xfrm>
+        </p:spPr>
+        <p:txBody>
+          <a:bodyPr>
+            <a:noAutofit/>
+          </a:bodyPr>
+          <a:lstStyle/>
+          <a:p>
+            <a:r>
+              <a:rPr lang="en-GB" sz="3600" dirty="0">
+                <a:solidFill>
+                  <a:schemeClr val="bg1"/>
+                </a:solidFill>
+              </a:rPr>
+              <a:t>And I will make room for you</a:t>
+            </a:r>
+          </a:p>
+          <a:p>
+            <a:r>
+              <a:rPr lang="en-GB" sz="3600" dirty="0">
+                <a:solidFill>
+                  <a:schemeClr val="bg1"/>
+                </a:solidFill>
+              </a:rPr>
+              <a:t>To do whatever you want to</a:t>
+            </a:r>
+          </a:p>
+          <a:p>
+            <a:r>
+              <a:rPr lang="en-GB" sz="3600" dirty="0">
+                <a:solidFill>
+                  <a:schemeClr val="bg1"/>
+                </a:solidFill>
+              </a:rPr>
+              <a:t>To do whatever you want to</a:t>
+            </a:r>
+          </a:p>
+          <a:p>
+            <a:r>
+              <a:rPr lang="en-GB" sz="3600" dirty="0">
+                <a:solidFill>
+                  <a:schemeClr val="bg1"/>
+                </a:solidFill>
+              </a:rPr>
+              <a:t>And I will make room for you</a:t>
+            </a:r>
+          </a:p>
+          <a:p>
+            <a:r>
+              <a:rPr lang="en-GB" sz="3600" dirty="0">
+                <a:solidFill>
+                  <a:schemeClr val="bg1"/>
+                </a:solidFill>
+              </a:rPr>
+              <a:t>To do whatever you want to</a:t>
+            </a:r>
+          </a:p>
+          <a:p>
+            <a:r>
+              <a:rPr lang="en-GB" sz="3600" dirty="0">
+                <a:solidFill>
+                  <a:schemeClr val="bg1"/>
+                </a:solidFill>
+              </a:rPr>
+              <a:t>To do whatever you want to</a:t>
+            </a:r>
+          </a:p>
+        </p:txBody>
+      </p:sp>
+      <p:sp>
+        <p:nvSpPr>
+          <p:cNvPr id="4" name="TextBox 3">
+            <a:extLst>
+              <a:ext uri="{FF2B5EF4-FFF2-40B4-BE49-F238E27FC236}">
+                <a16:creationId xmlns:a16="http://schemas.microsoft.com/office/drawing/2014/main" id="{CC704C2B-362B-3D71-19FF-477A8615B492}"/>
+              </a:ext>
+            </a:extLst>
+          </p:cNvPr>
+          <p:cNvSpPr txBox="1"/>
+          <p:nvPr/>
+        </p:nvSpPr>
+        <p:spPr>
+          <a:xfrm>
+            <a:off x="8529729" y="0"/>
+            <a:ext cx="628698" cy="461665"/>
+          </a:xfrm>
+          <a:prstGeom prst="rect">
+            <a:avLst/>
+          </a:prstGeom>
+          <a:noFill/>
+        </p:spPr>
+        <p:txBody>
+          <a:bodyPr wrap="none" rtlCol="0">
+            <a:spAutoFit/>
+          </a:bodyPr>
+          <a:lstStyle/>
+          <a:p>
+            <a:r>
+              <a:rPr lang="en-GB" sz="2400" b="1" dirty="0">
+                <a:solidFill>
+                  <a:schemeClr val="bg1"/>
+                </a:solidFill>
+              </a:rPr>
+              <a:t>2/5</a:t>
+            </a:r>
+          </a:p>
+        </p:txBody>
+      </p:sp>
+    </p:spTree>
+    <p:extLst>
+      <p:ext uri="{BB962C8B-B14F-4D97-AF65-F5344CB8AC3E}">
+        <p14:creationId xmlns:p14="http://schemas.microsoft.com/office/powerpoint/2010/main" val="2346164547"/>
+      </p:ext>
+    </p:extLst>
+  </p:cSld>
+  <p:clrMapOvr>
+    <a:masterClrMapping/>
+  </p:clrMapOvr>
+</p:sld>
+</file>
+
+<file path=ppt/slides/slide35.xml><?xml version="1.0" encoding="utf-8"?>
+<p:sld xmlns:a="http://schemas.openxmlformats.org/drawingml/2006/main" xmlns:r="http://schemas.openxmlformats.org/officeDocument/2006/relationships" xmlns:p="http://schemas.openxmlformats.org/presentationml/2006/main">
+  <p:cSld>
+    <p:spTree>
+      <p:nvGrpSpPr>
+        <p:cNvPr id="1" name="">
+          <a:extLst>
+            <a:ext uri="{FF2B5EF4-FFF2-40B4-BE49-F238E27FC236}">
+              <a16:creationId xmlns:a16="http://schemas.microsoft.com/office/drawing/2014/main" id="{C2A4D6F4-E586-32D8-81E5-DD222EC395BC}"/>
+            </a:ext>
+          </a:extLst>
+        </p:cNvPr>
+        <p:cNvGrpSpPr/>
+        <p:nvPr/>
+      </p:nvGrpSpPr>
+      <p:grpSpPr>
+        <a:xfrm>
+          <a:off x="0" y="0"/>
+          <a:ext cx="0" cy="0"/>
+          <a:chOff x="0" y="0"/>
+          <a:chExt cx="0" cy="0"/>
+        </a:xfrm>
+      </p:grpSpPr>
+      <p:sp>
+        <p:nvSpPr>
+          <p:cNvPr id="3" name="Subtitle 2">
+            <a:extLst>
+              <a:ext uri="{FF2B5EF4-FFF2-40B4-BE49-F238E27FC236}">
+                <a16:creationId xmlns:a16="http://schemas.microsoft.com/office/drawing/2014/main" id="{EABAFD91-D620-2C50-B3C5-606A2B51A6B1}"/>
+              </a:ext>
+            </a:extLst>
+          </p:cNvPr>
+          <p:cNvSpPr>
+            <a:spLocks noGrp="1"/>
+          </p:cNvSpPr>
+          <p:nvPr>
+            <p:ph type="subTitle" idx="1"/>
+          </p:nvPr>
+        </p:nvSpPr>
+        <p:spPr>
+          <a:xfrm>
+            <a:off x="203118" y="764704"/>
+            <a:ext cx="8640960" cy="6480720"/>
+          </a:xfrm>
+        </p:spPr>
+        <p:txBody>
+          <a:bodyPr>
+            <a:noAutofit/>
+          </a:bodyPr>
+          <a:lstStyle/>
+          <a:p>
+            <a:r>
+              <a:rPr lang="en-GB" sz="3600" dirty="0">
+                <a:solidFill>
+                  <a:schemeClr val="bg1"/>
+                </a:solidFill>
+              </a:rPr>
+              <a:t>Shake up the ground of all my tradition</a:t>
+            </a:r>
+          </a:p>
+          <a:p>
+            <a:r>
+              <a:rPr lang="en-GB" sz="3600" dirty="0">
+                <a:solidFill>
+                  <a:schemeClr val="bg1"/>
+                </a:solidFill>
+              </a:rPr>
+              <a:t>Break down the walls of all my religion</a:t>
+            </a:r>
+          </a:p>
+          <a:p>
+            <a:r>
+              <a:rPr lang="en-GB" sz="3600" dirty="0">
+                <a:solidFill>
+                  <a:schemeClr val="bg1"/>
+                </a:solidFill>
+              </a:rPr>
+              <a:t>Your way is better</a:t>
+            </a:r>
+          </a:p>
+          <a:p>
+            <a:r>
+              <a:rPr lang="en-GB" sz="3600" dirty="0">
+                <a:solidFill>
+                  <a:schemeClr val="bg1"/>
+                </a:solidFill>
+              </a:rPr>
+              <a:t>Your way is better</a:t>
+            </a:r>
+          </a:p>
+        </p:txBody>
+      </p:sp>
+      <p:sp>
+        <p:nvSpPr>
+          <p:cNvPr id="4" name="TextBox 3">
+            <a:extLst>
+              <a:ext uri="{FF2B5EF4-FFF2-40B4-BE49-F238E27FC236}">
+                <a16:creationId xmlns:a16="http://schemas.microsoft.com/office/drawing/2014/main" id="{253F450E-3BFE-F25A-4BEB-AE68CCD254C1}"/>
+              </a:ext>
+            </a:extLst>
+          </p:cNvPr>
+          <p:cNvSpPr txBox="1"/>
+          <p:nvPr/>
+        </p:nvSpPr>
+        <p:spPr>
+          <a:xfrm>
+            <a:off x="8529729" y="0"/>
+            <a:ext cx="628698" cy="461665"/>
+          </a:xfrm>
+          <a:prstGeom prst="rect">
+            <a:avLst/>
+          </a:prstGeom>
+          <a:noFill/>
+        </p:spPr>
+        <p:txBody>
+          <a:bodyPr wrap="none" rtlCol="0">
+            <a:spAutoFit/>
+          </a:bodyPr>
+          <a:lstStyle/>
+          <a:p>
+            <a:r>
+              <a:rPr lang="en-GB" sz="2400" b="1" dirty="0">
+                <a:solidFill>
+                  <a:schemeClr val="bg1"/>
+                </a:solidFill>
+              </a:rPr>
+              <a:t>3/5</a:t>
+            </a:r>
+          </a:p>
+        </p:txBody>
+      </p:sp>
+    </p:spTree>
+    <p:extLst>
+      <p:ext uri="{BB962C8B-B14F-4D97-AF65-F5344CB8AC3E}">
+        <p14:creationId xmlns:p14="http://schemas.microsoft.com/office/powerpoint/2010/main" val="3304493692"/>
+      </p:ext>
+    </p:extLst>
+  </p:cSld>
+  <p:clrMapOvr>
+    <a:masterClrMapping/>
+  </p:clrMapOvr>
+</p:sld>
+</file>
+
+<file path=ppt/slides/slide36.xml><?xml version="1.0" encoding="utf-8"?>
+<p:sld xmlns:a="http://schemas.openxmlformats.org/drawingml/2006/main" xmlns:r="http://schemas.openxmlformats.org/officeDocument/2006/relationships" xmlns:p="http://schemas.openxmlformats.org/presentationml/2006/main">
+  <p:cSld>
+    <p:spTree>
+      <p:nvGrpSpPr>
+        <p:cNvPr id="1" name="">
+          <a:extLst>
+            <a:ext uri="{FF2B5EF4-FFF2-40B4-BE49-F238E27FC236}">
+              <a16:creationId xmlns:a16="http://schemas.microsoft.com/office/drawing/2014/main" id="{816BB2BE-7684-C382-8EBE-CE60825F887D}"/>
+            </a:ext>
+          </a:extLst>
+        </p:cNvPr>
+        <p:cNvGrpSpPr/>
+        <p:nvPr/>
+      </p:nvGrpSpPr>
+      <p:grpSpPr>
+        <a:xfrm>
+          <a:off x="0" y="0"/>
+          <a:ext cx="0" cy="0"/>
+          <a:chOff x="0" y="0"/>
+          <a:chExt cx="0" cy="0"/>
+        </a:xfrm>
+      </p:grpSpPr>
+      <p:sp>
+        <p:nvSpPr>
+          <p:cNvPr id="3" name="Subtitle 2">
+            <a:extLst>
+              <a:ext uri="{FF2B5EF4-FFF2-40B4-BE49-F238E27FC236}">
+                <a16:creationId xmlns:a16="http://schemas.microsoft.com/office/drawing/2014/main" id="{55CEAE7F-605D-7892-3434-CB078C80A286}"/>
+              </a:ext>
+            </a:extLst>
+          </p:cNvPr>
+          <p:cNvSpPr>
+            <a:spLocks noGrp="1"/>
+          </p:cNvSpPr>
+          <p:nvPr>
+            <p:ph type="subTitle" idx="1"/>
+          </p:nvPr>
+        </p:nvSpPr>
+        <p:spPr>
+          <a:xfrm>
+            <a:off x="203118" y="764704"/>
+            <a:ext cx="8640960" cy="6480720"/>
+          </a:xfrm>
+        </p:spPr>
+        <p:txBody>
+          <a:bodyPr>
+            <a:noAutofit/>
+          </a:bodyPr>
+          <a:lstStyle/>
+          <a:p>
+            <a:r>
+              <a:rPr lang="en-GB" sz="3600" dirty="0">
+                <a:solidFill>
+                  <a:schemeClr val="bg1"/>
+                </a:solidFill>
+              </a:rPr>
+              <a:t>And I will make room for you</a:t>
+            </a:r>
+          </a:p>
+          <a:p>
+            <a:r>
+              <a:rPr lang="en-GB" sz="3600" dirty="0">
+                <a:solidFill>
+                  <a:schemeClr val="bg1"/>
+                </a:solidFill>
+              </a:rPr>
+              <a:t>To do whatever you want to</a:t>
+            </a:r>
+          </a:p>
+          <a:p>
+            <a:r>
+              <a:rPr lang="en-GB" sz="3600" dirty="0">
+                <a:solidFill>
+                  <a:schemeClr val="bg1"/>
+                </a:solidFill>
+              </a:rPr>
+              <a:t>To do whatever you want to</a:t>
+            </a:r>
+          </a:p>
+          <a:p>
+            <a:r>
+              <a:rPr lang="en-GB" sz="3600" dirty="0">
+                <a:solidFill>
+                  <a:schemeClr val="bg1"/>
+                </a:solidFill>
+              </a:rPr>
+              <a:t>And I will make room for you</a:t>
+            </a:r>
+          </a:p>
+          <a:p>
+            <a:r>
+              <a:rPr lang="en-GB" sz="3600" dirty="0">
+                <a:solidFill>
+                  <a:schemeClr val="bg1"/>
+                </a:solidFill>
+              </a:rPr>
+              <a:t>To do whatever you want to</a:t>
+            </a:r>
+          </a:p>
+          <a:p>
+            <a:r>
+              <a:rPr lang="en-GB" sz="3600" dirty="0">
+                <a:solidFill>
+                  <a:schemeClr val="bg1"/>
+                </a:solidFill>
+              </a:rPr>
+              <a:t>To do whatever you want to</a:t>
+            </a:r>
+          </a:p>
+        </p:txBody>
+      </p:sp>
+      <p:sp>
+        <p:nvSpPr>
+          <p:cNvPr id="4" name="TextBox 3">
+            <a:extLst>
+              <a:ext uri="{FF2B5EF4-FFF2-40B4-BE49-F238E27FC236}">
+                <a16:creationId xmlns:a16="http://schemas.microsoft.com/office/drawing/2014/main" id="{005A5DB1-DB6E-C270-BBAD-7D232832332E}"/>
+              </a:ext>
+            </a:extLst>
+          </p:cNvPr>
+          <p:cNvSpPr txBox="1"/>
+          <p:nvPr/>
+        </p:nvSpPr>
+        <p:spPr>
+          <a:xfrm>
+            <a:off x="8529729" y="0"/>
+            <a:ext cx="628698" cy="461665"/>
+          </a:xfrm>
+          <a:prstGeom prst="rect">
+            <a:avLst/>
+          </a:prstGeom>
+          <a:noFill/>
+        </p:spPr>
+        <p:txBody>
+          <a:bodyPr wrap="none" rtlCol="0">
+            <a:spAutoFit/>
+          </a:bodyPr>
+          <a:lstStyle/>
+          <a:p>
+            <a:r>
+              <a:rPr lang="en-GB" sz="2400" b="1" dirty="0">
+                <a:solidFill>
+                  <a:schemeClr val="bg1"/>
+                </a:solidFill>
+              </a:rPr>
+              <a:t>4/5</a:t>
+            </a:r>
+          </a:p>
+        </p:txBody>
+      </p:sp>
+    </p:spTree>
+    <p:extLst>
+      <p:ext uri="{BB962C8B-B14F-4D97-AF65-F5344CB8AC3E}">
+        <p14:creationId xmlns:p14="http://schemas.microsoft.com/office/powerpoint/2010/main" val="2242556523"/>
+      </p:ext>
+    </p:extLst>
+  </p:cSld>
+  <p:clrMapOvr>
+    <a:masterClrMapping/>
+  </p:clrMapOvr>
+</p:sld>
+</file>
+
+<file path=ppt/slides/slide37.xml><?xml version="1.0" encoding="utf-8"?>
 <p:sld xmlns:a="http://schemas.openxmlformats.org/drawingml/2006/main" xmlns:r="http://schemas.openxmlformats.org/officeDocument/2006/relationships" xmlns:p="http://schemas.openxmlformats.org/presentationml/2006/main">
   <p:cSld>
     <p:spTree>
@@ -9110,7 +10703,7 @@
 </p:sld>
 </file>
 
-<file path=ppt/slides/slide31.xml><?xml version="1.0" encoding="utf-8"?>
+<file path=ppt/slides/slide38.xml><?xml version="1.0" encoding="utf-8"?>
 <p:sld xmlns:a="http://schemas.openxmlformats.org/drawingml/2006/main" xmlns:r="http://schemas.openxmlformats.org/officeDocument/2006/relationships" xmlns:p="http://schemas.openxmlformats.org/presentationml/2006/main">
   <p:cSld>
     <p:spTree>
@@ -9623,7 +11216,7 @@
 </p:sld>
 </file>
 
-<file path=ppt/slides/slide32.xml><?xml version="1.0" encoding="utf-8"?>
+<file path=ppt/slides/slide39.xml><?xml version="1.0" encoding="utf-8"?>
 <p:sld xmlns:a="http://schemas.openxmlformats.org/drawingml/2006/main" xmlns:r="http://schemas.openxmlformats.org/officeDocument/2006/relationships" xmlns:p="http://schemas.openxmlformats.org/presentationml/2006/main">
   <p:cSld>
     <p:spTree>
@@ -9683,7 +11276,133 @@
 </p:sld>
 </file>
 
-<file path=ppt/slides/slide33.xml><?xml version="1.0" encoding="utf-8"?>
+<file path=ppt/slides/slide4.xml><?xml version="1.0" encoding="utf-8"?>
+<p:sld xmlns:a="http://schemas.openxmlformats.org/drawingml/2006/main" xmlns:r="http://schemas.openxmlformats.org/officeDocument/2006/relationships" xmlns:p="http://schemas.openxmlformats.org/presentationml/2006/main">
+  <p:cSld>
+    <p:spTree>
+      <p:nvGrpSpPr>
+        <p:cNvPr id="1" name=""/>
+        <p:cNvGrpSpPr/>
+        <p:nvPr/>
+      </p:nvGrpSpPr>
+      <p:grpSpPr>
+        <a:xfrm>
+          <a:off x="0" y="0"/>
+          <a:ext cx="0" cy="0"/>
+          <a:chOff x="0" y="0"/>
+          <a:chExt cx="0" cy="0"/>
+        </a:xfrm>
+      </p:grpSpPr>
+      <p:sp>
+        <p:nvSpPr>
+          <p:cNvPr id="3" name="Subtitle 2"/>
+          <p:cNvSpPr>
+            <a:spLocks noGrp="1"/>
+          </p:cNvSpPr>
+          <p:nvPr>
+            <p:ph type="subTitle" idx="1"/>
+          </p:nvPr>
+        </p:nvSpPr>
+        <p:spPr>
+          <a:xfrm>
+            <a:off x="323528" y="620688"/>
+            <a:ext cx="8640960" cy="6480720"/>
+          </a:xfrm>
+        </p:spPr>
+        <p:txBody>
+          <a:bodyPr>
+            <a:noAutofit/>
+          </a:bodyPr>
+          <a:lstStyle/>
+          <a:p>
+            <a:r>
+              <a:rPr lang="en-GB" sz="4000" dirty="0">
+                <a:solidFill>
+                  <a:schemeClr val="bg1"/>
+                </a:solidFill>
+              </a:rPr>
+              <a:t>You are here as we lift You up</a:t>
+            </a:r>
+          </a:p>
+          <a:p>
+            <a:r>
+              <a:rPr lang="en-GB" sz="4000" dirty="0">
+                <a:solidFill>
+                  <a:schemeClr val="bg1"/>
+                </a:solidFill>
+              </a:rPr>
+              <a:t>You are riding on our praise</a:t>
+            </a:r>
+          </a:p>
+          <a:p>
+            <a:r>
+              <a:rPr lang="en-GB" sz="4000" dirty="0">
+                <a:solidFill>
+                  <a:schemeClr val="bg1"/>
+                </a:solidFill>
+              </a:rPr>
+              <a:t>Be enthroned over everything</a:t>
+            </a:r>
+          </a:p>
+          <a:p>
+            <a:r>
+              <a:rPr lang="en-GB" sz="4000" dirty="0">
+                <a:solidFill>
+                  <a:schemeClr val="bg1"/>
+                </a:solidFill>
+              </a:rPr>
+              <a:t>You are seated in our praise</a:t>
+            </a:r>
+          </a:p>
+        </p:txBody>
+      </p:sp>
+      <p:sp>
+        <p:nvSpPr>
+          <p:cNvPr id="4" name="TextBox 3"/>
+          <p:cNvSpPr txBox="1"/>
+          <p:nvPr/>
+        </p:nvSpPr>
+        <p:spPr>
+          <a:xfrm>
+            <a:off x="8529729" y="0"/>
+            <a:ext cx="628698" cy="461665"/>
+          </a:xfrm>
+          <a:prstGeom prst="rect">
+            <a:avLst/>
+          </a:prstGeom>
+          <a:noFill/>
+        </p:spPr>
+        <p:txBody>
+          <a:bodyPr wrap="none" rtlCol="0">
+            <a:spAutoFit/>
+          </a:bodyPr>
+          <a:lstStyle/>
+          <a:p>
+            <a:r>
+              <a:rPr lang="en-GB" sz="2400" b="1" dirty="0">
+                <a:solidFill>
+                  <a:schemeClr val="bg1"/>
+                </a:solidFill>
+              </a:rPr>
+              <a:t>1/6</a:t>
+            </a:r>
+          </a:p>
+        </p:txBody>
+      </p:sp>
+    </p:spTree>
+    <p:extLst>
+      <p:ext uri="{BB962C8B-B14F-4D97-AF65-F5344CB8AC3E}">
+        <p14:creationId xmlns:p14="http://schemas.microsoft.com/office/powerpoint/2010/main" val="1666691722"/>
+      </p:ext>
+    </p:extLst>
+  </p:cSld>
+  <p:clrMapOvr>
+    <a:masterClrMapping/>
+  </p:clrMapOvr>
+</p:sld>
+</file>
+
+<file path=ppt/slides/slide40.xml><?xml version="1.0" encoding="utf-8"?>
 <p:sld xmlns:a="http://schemas.openxmlformats.org/drawingml/2006/main" xmlns:r="http://schemas.openxmlformats.org/officeDocument/2006/relationships" xmlns:p="http://schemas.openxmlformats.org/presentationml/2006/main">
   <p:cSld>
     <p:spTree>
@@ -9743,7 +11462,7 @@
 </p:sld>
 </file>
 
-<file path=ppt/slides/slide34.xml><?xml version="1.0" encoding="utf-8"?>
+<file path=ppt/slides/slide41.xml><?xml version="1.0" encoding="utf-8"?>
 <p:sld xmlns:a="http://schemas.openxmlformats.org/drawingml/2006/main" xmlns:r="http://schemas.openxmlformats.org/officeDocument/2006/relationships" xmlns:p="http://schemas.openxmlformats.org/presentationml/2006/main">
   <p:cSld>
     <p:spTree>
@@ -9811,7 +11530,7 @@
 </p:sld>
 </file>
 
-<file path=ppt/slides/slide35.xml><?xml version="1.0" encoding="utf-8"?>
+<file path=ppt/slides/slide42.xml><?xml version="1.0" encoding="utf-8"?>
 <p:sld xmlns:a="http://schemas.openxmlformats.org/drawingml/2006/main" xmlns:r="http://schemas.openxmlformats.org/officeDocument/2006/relationships" xmlns:p="http://schemas.openxmlformats.org/presentationml/2006/main">
   <p:cSld>
     <p:spTree>
@@ -9955,7 +11674,7 @@
 </p:sld>
 </file>
 
-<file path=ppt/slides/slide36.xml><?xml version="1.0" encoding="utf-8"?>
+<file path=ppt/slides/slide43.xml><?xml version="1.0" encoding="utf-8"?>
 <p:sld xmlns:a="http://schemas.openxmlformats.org/drawingml/2006/main" xmlns:r="http://schemas.openxmlformats.org/officeDocument/2006/relationships" xmlns:p="http://schemas.openxmlformats.org/presentationml/2006/main">
   <p:cSld>
     <p:spTree>
@@ -10099,7 +11818,7 @@
 </p:sld>
 </file>
 
-<file path=ppt/slides/slide37.xml><?xml version="1.0" encoding="utf-8"?>
+<file path=ppt/slides/slide44.xml><?xml version="1.0" encoding="utf-8"?>
 <p:sld xmlns:a="http://schemas.openxmlformats.org/drawingml/2006/main" xmlns:r="http://schemas.openxmlformats.org/officeDocument/2006/relationships" xmlns:p="http://schemas.openxmlformats.org/presentationml/2006/main">
   <p:cSld>
     <p:spTree>
@@ -10581,132 +12300,6 @@
     <p:extLst>
       <p:ext uri="{BB962C8B-B14F-4D97-AF65-F5344CB8AC3E}">
         <p14:creationId xmlns:p14="http://schemas.microsoft.com/office/powerpoint/2010/main" val="3974712765"/>
-      </p:ext>
-    </p:extLst>
-  </p:cSld>
-  <p:clrMapOvr>
-    <a:masterClrMapping/>
-  </p:clrMapOvr>
-</p:sld>
-</file>
-
-<file path=ppt/slides/slide4.xml><?xml version="1.0" encoding="utf-8"?>
-<p:sld xmlns:a="http://schemas.openxmlformats.org/drawingml/2006/main" xmlns:r="http://schemas.openxmlformats.org/officeDocument/2006/relationships" xmlns:p="http://schemas.openxmlformats.org/presentationml/2006/main">
-  <p:cSld>
-    <p:spTree>
-      <p:nvGrpSpPr>
-        <p:cNvPr id="1" name=""/>
-        <p:cNvGrpSpPr/>
-        <p:nvPr/>
-      </p:nvGrpSpPr>
-      <p:grpSpPr>
-        <a:xfrm>
-          <a:off x="0" y="0"/>
-          <a:ext cx="0" cy="0"/>
-          <a:chOff x="0" y="0"/>
-          <a:chExt cx="0" cy="0"/>
-        </a:xfrm>
-      </p:grpSpPr>
-      <p:sp>
-        <p:nvSpPr>
-          <p:cNvPr id="3" name="Subtitle 2"/>
-          <p:cNvSpPr>
-            <a:spLocks noGrp="1"/>
-          </p:cNvSpPr>
-          <p:nvPr>
-            <p:ph type="subTitle" idx="1"/>
-          </p:nvPr>
-        </p:nvSpPr>
-        <p:spPr>
-          <a:xfrm>
-            <a:off x="251520" y="692696"/>
-            <a:ext cx="8640960" cy="6480720"/>
-          </a:xfrm>
-        </p:spPr>
-        <p:txBody>
-          <a:bodyPr>
-            <a:noAutofit/>
-          </a:bodyPr>
-          <a:lstStyle/>
-          <a:p>
-            <a:r>
-              <a:rPr lang="en-GB" sz="4000" dirty="0">
-                <a:solidFill>
-                  <a:schemeClr val="bg1"/>
-                </a:solidFill>
-              </a:rPr>
-              <a:t>Open the eyes of my heart Lord</a:t>
-            </a:r>
-          </a:p>
-          <a:p>
-            <a:r>
-              <a:rPr lang="en-GB" sz="4000" dirty="0">
-                <a:solidFill>
-                  <a:schemeClr val="bg1"/>
-                </a:solidFill>
-              </a:rPr>
-              <a:t>Open the eyes of my heart</a:t>
-            </a:r>
-          </a:p>
-          <a:p>
-            <a:r>
-              <a:rPr lang="en-GB" sz="4000" dirty="0">
-                <a:solidFill>
-                  <a:schemeClr val="bg1"/>
-                </a:solidFill>
-              </a:rPr>
-              <a:t>I want to see You</a:t>
-            </a:r>
-          </a:p>
-          <a:p>
-            <a:r>
-              <a:rPr lang="en-GB" sz="4000" dirty="0">
-                <a:solidFill>
-                  <a:schemeClr val="bg1"/>
-                </a:solidFill>
-              </a:rPr>
-              <a:t>I want to see You</a:t>
-            </a:r>
-          </a:p>
-        </p:txBody>
-      </p:sp>
-      <p:sp>
-        <p:nvSpPr>
-          <p:cNvPr id="4" name="TextBox 3"/>
-          <p:cNvSpPr txBox="1"/>
-          <p:nvPr/>
-        </p:nvSpPr>
-        <p:spPr>
-          <a:xfrm>
-            <a:off x="8529729" y="0"/>
-            <a:ext cx="628698" cy="461665"/>
-          </a:xfrm>
-          <a:prstGeom prst="rect">
-            <a:avLst/>
-          </a:prstGeom>
-          <a:noFill/>
-        </p:spPr>
-        <p:txBody>
-          <a:bodyPr wrap="none" rtlCol="0">
-            <a:spAutoFit/>
-          </a:bodyPr>
-          <a:lstStyle/>
-          <a:p>
-            <a:r>
-              <a:rPr lang="en-GB" sz="2400" b="1" dirty="0">
-                <a:solidFill>
-                  <a:schemeClr val="bg1"/>
-                </a:solidFill>
-              </a:rPr>
-              <a:t>1/3</a:t>
-            </a:r>
-          </a:p>
-        </p:txBody>
-      </p:sp>
-    </p:spTree>
-    <p:extLst>
-      <p:ext uri="{BB962C8B-B14F-4D97-AF65-F5344CB8AC3E}">
-        <p14:creationId xmlns:p14="http://schemas.microsoft.com/office/powerpoint/2010/main" val="4181510961"/>
       </p:ext>
     </p:extLst>
   </p:cSld>
@@ -10745,7 +12338,7 @@
         </p:nvSpPr>
         <p:spPr>
           <a:xfrm>
-            <a:off x="323528" y="692696"/>
+            <a:off x="248838" y="764704"/>
             <a:ext cx="8640960" cy="6480720"/>
           </a:xfrm>
         </p:spPr>
@@ -10761,7 +12354,7 @@
                   <a:schemeClr val="bg1"/>
                 </a:solidFill>
               </a:rPr>
-              <a:t>To see You high and lifted up</a:t>
+              <a:t>This is prophetic I can feel it in the air</a:t>
             </a:r>
           </a:p>
           <a:p>
@@ -10771,7 +12364,7 @@
                   <a:schemeClr val="bg1"/>
                 </a:solidFill>
               </a:rPr>
-              <a:t>Shining in the light of Your glory</a:t>
+              <a:t>We lift our praise and You change the atmosphere</a:t>
             </a:r>
           </a:p>
           <a:p>
@@ -10781,7 +12374,7 @@
                   <a:schemeClr val="bg1"/>
                 </a:solidFill>
               </a:rPr>
-              <a:t>Pour out Your power and love</a:t>
+              <a:t>With hearts open now everybody singing out</a:t>
             </a:r>
           </a:p>
           <a:p>
@@ -10791,37 +12384,18 @@
                   <a:schemeClr val="bg1"/>
                 </a:solidFill>
               </a:rPr>
-              <a:t>As we sing holy </a:t>
-            </a:r>
-            <a:r>
-              <a:rPr lang="en-GB" sz="4000" dirty="0" err="1">
-                <a:solidFill>
-                  <a:schemeClr val="bg1"/>
-                </a:solidFill>
-              </a:rPr>
-              <a:t>holy</a:t>
-            </a:r>
+              <a:t>(Oh)</a:t>
+            </a:r>
+          </a:p>
+          <a:p>
             <a:r>
               <a:rPr lang="en-GB" sz="4000" dirty="0">
                 <a:solidFill>
                   <a:schemeClr val="bg1"/>
                 </a:solidFill>
               </a:rPr>
-              <a:t> </a:t>
-            </a:r>
-            <a:r>
-              <a:rPr lang="en-GB" sz="4000" dirty="0" err="1">
-                <a:solidFill>
-                  <a:schemeClr val="bg1"/>
-                </a:solidFill>
-              </a:rPr>
-              <a:t>holy</a:t>
-            </a:r>
-            <a:endParaRPr lang="en-GB" sz="4000" dirty="0">
-              <a:solidFill>
-                <a:schemeClr val="bg1"/>
-              </a:solidFill>
-            </a:endParaRPr>
+              <a:t>(I am free)</a:t>
+            </a:r>
           </a:p>
         </p:txBody>
       </p:sp>
@@ -10853,7 +12427,7 @@
                   <a:schemeClr val="bg1"/>
                 </a:solidFill>
               </a:rPr>
-              <a:t>2/3</a:t>
+              <a:t>2/6</a:t>
             </a:r>
           </a:p>
         </p:txBody>
@@ -10861,7 +12435,7 @@
     </p:spTree>
     <p:extLst>
       <p:ext uri="{BB962C8B-B14F-4D97-AF65-F5344CB8AC3E}">
-        <p14:creationId xmlns:p14="http://schemas.microsoft.com/office/powerpoint/2010/main" val="2144799739"/>
+        <p14:creationId xmlns:p14="http://schemas.microsoft.com/office/powerpoint/2010/main" val="2989488391"/>
       </p:ext>
     </p:extLst>
   </p:cSld>
@@ -10900,7 +12474,7 @@
         </p:nvSpPr>
         <p:spPr>
           <a:xfrm>
-            <a:off x="251520" y="764704"/>
+            <a:off x="251520" y="692696"/>
             <a:ext cx="8640960" cy="6480720"/>
           </a:xfrm>
         </p:spPr>
@@ -10916,37 +12490,18 @@
                   <a:schemeClr val="bg1"/>
                 </a:solidFill>
               </a:rPr>
-              <a:t>Holy </a:t>
-            </a:r>
-            <a:r>
-              <a:rPr lang="en-GB" sz="4000" dirty="0" err="1">
-                <a:solidFill>
-                  <a:schemeClr val="bg1"/>
-                </a:solidFill>
-              </a:rPr>
-              <a:t>holy</a:t>
-            </a:r>
+              <a:t>Turn it up this sound of praise</a:t>
+            </a:r>
+          </a:p>
+          <a:p>
             <a:r>
               <a:rPr lang="en-GB" sz="4000" dirty="0">
                 <a:solidFill>
                   <a:schemeClr val="bg1"/>
                 </a:solidFill>
               </a:rPr>
-              <a:t> </a:t>
-            </a:r>
-            <a:r>
-              <a:rPr lang="en-GB" sz="4000" dirty="0" err="1">
-                <a:solidFill>
-                  <a:schemeClr val="bg1"/>
-                </a:solidFill>
-              </a:rPr>
-              <a:t>holy</a:t>
-            </a:r>
-            <a:endParaRPr lang="en-GB" sz="4000" dirty="0">
-              <a:solidFill>
-                <a:schemeClr val="bg1"/>
-              </a:solidFill>
-            </a:endParaRPr>
+              <a:t>Make it louder than any other</a:t>
+            </a:r>
           </a:p>
           <a:p>
             <a:r>
@@ -10955,85 +12510,7 @@
                   <a:schemeClr val="bg1"/>
                 </a:solidFill>
               </a:rPr>
-              <a:t>Holy </a:t>
-            </a:r>
-            <a:r>
-              <a:rPr lang="en-GB" sz="4000" dirty="0" err="1">
-                <a:solidFill>
-                  <a:schemeClr val="bg1"/>
-                </a:solidFill>
-              </a:rPr>
-              <a:t>holy</a:t>
-            </a:r>
-            <a:r>
-              <a:rPr lang="en-GB" sz="4000" dirty="0">
-                <a:solidFill>
-                  <a:schemeClr val="bg1"/>
-                </a:solidFill>
-              </a:rPr>
-              <a:t> </a:t>
-            </a:r>
-            <a:r>
-              <a:rPr lang="en-GB" sz="4000" dirty="0" err="1">
-                <a:solidFill>
-                  <a:schemeClr val="bg1"/>
-                </a:solidFill>
-              </a:rPr>
-              <a:t>holy</a:t>
-            </a:r>
-            <a:endParaRPr lang="en-GB" sz="4000" dirty="0">
-              <a:solidFill>
-                <a:schemeClr val="bg1"/>
-              </a:solidFill>
-            </a:endParaRPr>
-          </a:p>
-          <a:p>
-            <a:r>
-              <a:rPr lang="en-GB" sz="4000" dirty="0">
-                <a:solidFill>
-                  <a:schemeClr val="bg1"/>
-                </a:solidFill>
-              </a:rPr>
-              <a:t>Holy </a:t>
-            </a:r>
-            <a:r>
-              <a:rPr lang="en-GB" sz="4000" dirty="0" err="1">
-                <a:solidFill>
-                  <a:schemeClr val="bg1"/>
-                </a:solidFill>
-              </a:rPr>
-              <a:t>holy</a:t>
-            </a:r>
-            <a:r>
-              <a:rPr lang="en-GB" sz="4000" dirty="0">
-                <a:solidFill>
-                  <a:schemeClr val="bg1"/>
-                </a:solidFill>
-              </a:rPr>
-              <a:t> </a:t>
-            </a:r>
-            <a:r>
-              <a:rPr lang="en-GB" sz="4000" dirty="0" err="1">
-                <a:solidFill>
-                  <a:schemeClr val="bg1"/>
-                </a:solidFill>
-              </a:rPr>
-              <a:t>holy</a:t>
-            </a:r>
-            <a:endParaRPr lang="en-GB" sz="4000" dirty="0">
-              <a:solidFill>
-                <a:schemeClr val="bg1"/>
-              </a:solidFill>
-            </a:endParaRPr>
-          </a:p>
-          <a:p>
-            <a:r>
-              <a:rPr lang="en-GB" sz="4000" dirty="0">
-                <a:solidFill>
-                  <a:schemeClr val="bg1"/>
-                </a:solidFill>
-              </a:rPr>
-              <a:t>I want to see You</a:t>
+              <a:t>Lift Him up and shout His name over all</a:t>
             </a:r>
           </a:p>
         </p:txBody>
@@ -11066,7 +12543,7 @@
                   <a:schemeClr val="bg1"/>
                 </a:solidFill>
               </a:rPr>
-              <a:t>3/3</a:t>
+              <a:t>3/6</a:t>
             </a:r>
           </a:p>
         </p:txBody>
@@ -11074,7 +12551,7 @@
     </p:spTree>
     <p:extLst>
       <p:ext uri="{BB962C8B-B14F-4D97-AF65-F5344CB8AC3E}">
-        <p14:creationId xmlns:p14="http://schemas.microsoft.com/office/powerpoint/2010/main" val="96186106"/>
+        <p14:creationId xmlns:p14="http://schemas.microsoft.com/office/powerpoint/2010/main" val="3632522424"/>
       </p:ext>
     </p:extLst>
   </p:cSld>
@@ -11089,13 +12566,7 @@
   <p:cSld>
     <p:spTree>
       <p:nvGrpSpPr>
-        <p:cNvPr id="1" name="">
-          <a:extLst>
-            <a:ext uri="{FF2B5EF4-FFF2-40B4-BE49-F238E27FC236}">
-              <a16:creationId xmlns:a16="http://schemas.microsoft.com/office/drawing/2014/main" id="{3BD0DB8A-D241-9AA9-5574-30058BCC9AA0}"/>
-            </a:ext>
-          </a:extLst>
-        </p:cNvPr>
+        <p:cNvPr id="1" name=""/>
         <p:cNvGrpSpPr/>
         <p:nvPr/>
       </p:nvGrpSpPr>
@@ -11109,491 +12580,104 @@
       </p:grpSpPr>
       <p:sp>
         <p:nvSpPr>
-          <p:cNvPr id="2" name="Title 1">
-            <a:extLst>
-              <a:ext uri="{FF2B5EF4-FFF2-40B4-BE49-F238E27FC236}">
-                <a16:creationId xmlns:a16="http://schemas.microsoft.com/office/drawing/2014/main" id="{68E731CB-B20C-0811-7B9C-3AE24AECAC15}"/>
-              </a:ext>
-            </a:extLst>
-          </p:cNvPr>
-          <p:cNvSpPr txBox="1">
-            <a:spLocks/>
-          </p:cNvSpPr>
+          <p:cNvPr id="3" name="Subtitle 2"/>
+          <p:cNvSpPr>
+            <a:spLocks noGrp="1"/>
+          </p:cNvSpPr>
+          <p:nvPr>
+            <p:ph type="subTitle" idx="1"/>
+          </p:nvPr>
+        </p:nvSpPr>
+        <p:spPr>
+          <a:xfrm>
+            <a:off x="251520" y="692696"/>
+            <a:ext cx="8640960" cy="6480720"/>
+          </a:xfrm>
+        </p:spPr>
+        <p:txBody>
+          <a:bodyPr>
+            <a:noAutofit/>
+          </a:bodyPr>
+          <a:lstStyle/>
+          <a:p>
+            <a:r>
+              <a:rPr lang="en-GB" sz="4000" dirty="0">
+                <a:solidFill>
+                  <a:schemeClr val="bg1"/>
+                </a:solidFill>
+              </a:rPr>
+              <a:t>As we praise I can feel the change</a:t>
+            </a:r>
+          </a:p>
+          <a:p>
+            <a:r>
+              <a:rPr lang="en-GB" sz="4000" dirty="0">
+                <a:solidFill>
+                  <a:schemeClr val="bg1"/>
+                </a:solidFill>
+              </a:rPr>
+              <a:t>As Your presence now invades</a:t>
+            </a:r>
+          </a:p>
+          <a:p>
+            <a:r>
+              <a:rPr lang="en-GB" sz="4000" dirty="0">
+                <a:solidFill>
+                  <a:schemeClr val="bg1"/>
+                </a:solidFill>
+              </a:rPr>
+              <a:t>Hear the sound of the broken chains</a:t>
+            </a:r>
+          </a:p>
+          <a:p>
+            <a:r>
+              <a:rPr lang="en-GB" sz="4000" dirty="0">
+                <a:solidFill>
+                  <a:schemeClr val="bg1"/>
+                </a:solidFill>
+              </a:rPr>
+              <a:t>Prison doors are giving way</a:t>
+            </a:r>
+          </a:p>
+        </p:txBody>
+      </p:sp>
+      <p:sp>
+        <p:nvSpPr>
+          <p:cNvPr id="4" name="TextBox 3"/>
+          <p:cNvSpPr txBox="1"/>
           <p:nvPr/>
         </p:nvSpPr>
-        <p:spPr bwMode="auto">
+        <p:spPr>
           <a:xfrm>
-            <a:off x="457200" y="836712"/>
-            <a:ext cx="8229600" cy="489346"/>
+            <a:off x="8529729" y="0"/>
+            <a:ext cx="628698" cy="461665"/>
           </a:xfrm>
           <a:prstGeom prst="rect">
             <a:avLst/>
           </a:prstGeom>
           <a:noFill/>
-          <a:ln>
-            <a:noFill/>
-          </a:ln>
-          <a:extLst>
-            <a:ext uri="{909E8E84-426E-40DD-AFC4-6F175D3DCCD1}">
-              <a14:hiddenFill xmlns:a14="http://schemas.microsoft.com/office/drawing/2010/main">
-                <a:solidFill>
-                  <a:srgbClr val="FFFFFF"/>
-                </a:solidFill>
-              </a14:hiddenFill>
-            </a:ext>
-            <a:ext uri="{91240B29-F687-4F45-9708-019B960494DF}">
-              <a14:hiddenLine xmlns:a14="http://schemas.microsoft.com/office/drawing/2010/main" w="9525">
-                <a:solidFill>
-                  <a:srgbClr val="000000"/>
-                </a:solidFill>
-                <a:miter lim="800000"/>
-                <a:headEnd/>
-                <a:tailEnd/>
-              </a14:hiddenLine>
-            </a:ext>
-          </a:extLst>
         </p:spPr>
         <p:txBody>
-          <a:bodyPr vert="horz" wrap="square" lIns="91440" tIns="45720" rIns="91440" bIns="45720" numCol="1" anchor="ctr" anchorCtr="0" compatLnSpc="1">
-            <a:prstTxWarp prst="textNoShape">
-              <a:avLst/>
-            </a:prstTxWarp>
-            <a:normAutofit fontScale="90000" lnSpcReduction="10000"/>
+          <a:bodyPr wrap="none" rtlCol="0">
+            <a:spAutoFit/>
           </a:bodyPr>
-          <a:lstStyle>
-            <a:lvl1pPr algn="l" defTabSz="457200" rtl="0" eaLnBrk="1" fontAlgn="base" hangingPunct="1">
-              <a:spcBef>
-                <a:spcPct val="0"/>
-              </a:spcBef>
-              <a:spcAft>
-                <a:spcPct val="0"/>
-              </a:spcAft>
-              <a:defRPr sz="3200" kern="1200">
-                <a:solidFill>
-                  <a:srgbClr val="58595B"/>
-                </a:solidFill>
-                <a:latin typeface="Rockwell"/>
-                <a:ea typeface="+mj-ea"/>
-                <a:cs typeface="+mj-cs"/>
-              </a:defRPr>
-            </a:lvl1pPr>
-            <a:lvl2pPr algn="l" defTabSz="457200" rtl="0" eaLnBrk="1" fontAlgn="base" hangingPunct="1">
-              <a:spcBef>
-                <a:spcPct val="0"/>
-              </a:spcBef>
-              <a:spcAft>
-                <a:spcPct val="0"/>
-              </a:spcAft>
-              <a:defRPr sz="4400">
-                <a:solidFill>
-                  <a:srgbClr val="58595B"/>
-                </a:solidFill>
-                <a:latin typeface="Rockwell" panose="02060603020205020403" pitchFamily="18" charset="0"/>
-              </a:defRPr>
-            </a:lvl2pPr>
-            <a:lvl3pPr algn="l" defTabSz="457200" rtl="0" eaLnBrk="1" fontAlgn="base" hangingPunct="1">
-              <a:spcBef>
-                <a:spcPct val="0"/>
-              </a:spcBef>
-              <a:spcAft>
-                <a:spcPct val="0"/>
-              </a:spcAft>
-              <a:defRPr sz="4400">
-                <a:solidFill>
-                  <a:srgbClr val="58595B"/>
-                </a:solidFill>
-                <a:latin typeface="Rockwell" panose="02060603020205020403" pitchFamily="18" charset="0"/>
-              </a:defRPr>
-            </a:lvl3pPr>
-            <a:lvl4pPr algn="l" defTabSz="457200" rtl="0" eaLnBrk="1" fontAlgn="base" hangingPunct="1">
-              <a:spcBef>
-                <a:spcPct val="0"/>
-              </a:spcBef>
-              <a:spcAft>
-                <a:spcPct val="0"/>
-              </a:spcAft>
-              <a:defRPr sz="4400">
-                <a:solidFill>
-                  <a:srgbClr val="58595B"/>
-                </a:solidFill>
-                <a:latin typeface="Rockwell" panose="02060603020205020403" pitchFamily="18" charset="0"/>
-              </a:defRPr>
-            </a:lvl4pPr>
-            <a:lvl5pPr algn="l" defTabSz="457200" rtl="0" eaLnBrk="1" fontAlgn="base" hangingPunct="1">
-              <a:spcBef>
-                <a:spcPct val="0"/>
-              </a:spcBef>
-              <a:spcAft>
-                <a:spcPct val="0"/>
-              </a:spcAft>
-              <a:defRPr sz="4400">
-                <a:solidFill>
-                  <a:srgbClr val="58595B"/>
-                </a:solidFill>
-                <a:latin typeface="Rockwell" panose="02060603020205020403" pitchFamily="18" charset="0"/>
-              </a:defRPr>
-            </a:lvl5pPr>
-            <a:lvl6pPr marL="457200" algn="l" defTabSz="457200" rtl="0" eaLnBrk="1" fontAlgn="base" hangingPunct="1">
-              <a:spcBef>
-                <a:spcPct val="0"/>
-              </a:spcBef>
-              <a:spcAft>
-                <a:spcPct val="0"/>
-              </a:spcAft>
-              <a:defRPr sz="4400">
-                <a:solidFill>
-                  <a:srgbClr val="58595B"/>
-                </a:solidFill>
-                <a:latin typeface="Rockwell" panose="02060603020205020403" pitchFamily="18" charset="0"/>
-              </a:defRPr>
-            </a:lvl6pPr>
-            <a:lvl7pPr marL="914400" algn="l" defTabSz="457200" rtl="0" eaLnBrk="1" fontAlgn="base" hangingPunct="1">
-              <a:spcBef>
-                <a:spcPct val="0"/>
-              </a:spcBef>
-              <a:spcAft>
-                <a:spcPct val="0"/>
-              </a:spcAft>
-              <a:defRPr sz="4400">
-                <a:solidFill>
-                  <a:srgbClr val="58595B"/>
-                </a:solidFill>
-                <a:latin typeface="Rockwell" panose="02060603020205020403" pitchFamily="18" charset="0"/>
-              </a:defRPr>
-            </a:lvl7pPr>
-            <a:lvl8pPr marL="1371600" algn="l" defTabSz="457200" rtl="0" eaLnBrk="1" fontAlgn="base" hangingPunct="1">
-              <a:spcBef>
-                <a:spcPct val="0"/>
-              </a:spcBef>
-              <a:spcAft>
-                <a:spcPct val="0"/>
-              </a:spcAft>
-              <a:defRPr sz="4400">
-                <a:solidFill>
-                  <a:srgbClr val="58595B"/>
-                </a:solidFill>
-                <a:latin typeface="Rockwell" panose="02060603020205020403" pitchFamily="18" charset="0"/>
-              </a:defRPr>
-            </a:lvl8pPr>
-            <a:lvl9pPr marL="1828800" algn="l" defTabSz="457200" rtl="0" eaLnBrk="1" fontAlgn="base" hangingPunct="1">
-              <a:spcBef>
-                <a:spcPct val="0"/>
-              </a:spcBef>
-              <a:spcAft>
-                <a:spcPct val="0"/>
-              </a:spcAft>
-              <a:defRPr sz="4400">
-                <a:solidFill>
-                  <a:srgbClr val="58595B"/>
-                </a:solidFill>
-                <a:latin typeface="Rockwell" panose="02060603020205020403" pitchFamily="18" charset="0"/>
-              </a:defRPr>
-            </a:lvl9pPr>
-          </a:lstStyle>
-          <a:p>
-            <a:pPr marL="0" marR="0" lvl="0" indent="0" algn="l" defTabSz="457200" rtl="0" eaLnBrk="1" fontAlgn="base" latinLnBrk="0" hangingPunct="1">
-              <a:lnSpc>
-                <a:spcPct val="100000"/>
-              </a:lnSpc>
-              <a:spcBef>
-                <a:spcPct val="0"/>
-              </a:spcBef>
-              <a:spcAft>
-                <a:spcPct val="0"/>
-              </a:spcAft>
-              <a:buClrTx/>
-              <a:buSzTx/>
-              <a:buFontTx/>
-              <a:buNone/>
-              <a:tabLst/>
-              <a:defRPr/>
-            </a:pPr>
-            <a:endParaRPr kumimoji="0" lang="en-GB" sz="3200" b="0" i="0" u="none" strike="noStrike" kern="1200" cap="none" spc="0" normalizeH="0" baseline="0" noProof="0" dirty="0">
-              <a:ln>
-                <a:noFill/>
-              </a:ln>
-              <a:solidFill>
-                <a:schemeClr val="bg1"/>
-              </a:solidFill>
-              <a:effectLst/>
-              <a:uLnTx/>
-              <a:uFillTx/>
-              <a:latin typeface="Rockwell"/>
-              <a:ea typeface="+mj-ea"/>
-              <a:cs typeface="+mj-cs"/>
-            </a:endParaRPr>
-          </a:p>
-        </p:txBody>
-      </p:sp>
-      <p:sp>
-        <p:nvSpPr>
-          <p:cNvPr id="4" name="Title 1">
-            <a:extLst>
-              <a:ext uri="{FF2B5EF4-FFF2-40B4-BE49-F238E27FC236}">
-                <a16:creationId xmlns:a16="http://schemas.microsoft.com/office/drawing/2014/main" id="{FDEE83AF-38B0-CC0F-E6EE-E767ABB401C5}"/>
-              </a:ext>
-            </a:extLst>
-          </p:cNvPr>
-          <p:cNvSpPr txBox="1">
-            <a:spLocks/>
-          </p:cNvSpPr>
-          <p:nvPr/>
-        </p:nvSpPr>
-        <p:spPr bwMode="auto">
-          <a:xfrm>
-            <a:off x="435852" y="1484784"/>
-            <a:ext cx="8229600" cy="4680520"/>
-          </a:xfrm>
-          <a:prstGeom prst="rect">
-            <a:avLst/>
-          </a:prstGeom>
-          <a:noFill/>
-          <a:ln>
-            <a:noFill/>
-          </a:ln>
-          <a:extLst>
-            <a:ext uri="{909E8E84-426E-40DD-AFC4-6F175D3DCCD1}">
-              <a14:hiddenFill xmlns:a14="http://schemas.microsoft.com/office/drawing/2010/main">
-                <a:solidFill>
-                  <a:srgbClr val="FFFFFF"/>
-                </a:solidFill>
-              </a14:hiddenFill>
-            </a:ext>
-            <a:ext uri="{91240B29-F687-4F45-9708-019B960494DF}">
-              <a14:hiddenLine xmlns:a14="http://schemas.microsoft.com/office/drawing/2010/main" w="9525">
-                <a:solidFill>
-                  <a:srgbClr val="000000"/>
-                </a:solidFill>
-                <a:miter lim="800000"/>
-                <a:headEnd/>
-                <a:tailEnd/>
-              </a14:hiddenLine>
-            </a:ext>
-          </a:extLst>
-        </p:spPr>
-        <p:txBody>
-          <a:bodyPr vert="horz" wrap="square" lIns="91440" tIns="45720" rIns="91440" bIns="45720" numCol="1" anchor="ctr" anchorCtr="0" compatLnSpc="1">
-            <a:prstTxWarp prst="textNoShape">
-              <a:avLst/>
-            </a:prstTxWarp>
-            <a:normAutofit/>
-          </a:bodyPr>
-          <a:lstStyle>
-            <a:lvl1pPr algn="l" defTabSz="457200" rtl="0" eaLnBrk="1" fontAlgn="base" hangingPunct="1">
-              <a:spcBef>
-                <a:spcPct val="0"/>
-              </a:spcBef>
-              <a:spcAft>
-                <a:spcPct val="0"/>
-              </a:spcAft>
-              <a:defRPr sz="3200" kern="1200">
-                <a:solidFill>
-                  <a:srgbClr val="58595B"/>
-                </a:solidFill>
-                <a:latin typeface="Rockwell"/>
-                <a:ea typeface="+mj-ea"/>
-                <a:cs typeface="+mj-cs"/>
-              </a:defRPr>
-            </a:lvl1pPr>
-            <a:lvl2pPr algn="l" defTabSz="457200" rtl="0" eaLnBrk="1" fontAlgn="base" hangingPunct="1">
-              <a:spcBef>
-                <a:spcPct val="0"/>
-              </a:spcBef>
-              <a:spcAft>
-                <a:spcPct val="0"/>
-              </a:spcAft>
-              <a:defRPr sz="4400">
-                <a:solidFill>
-                  <a:srgbClr val="58595B"/>
-                </a:solidFill>
-                <a:latin typeface="Rockwell" panose="02060603020205020403" pitchFamily="18" charset="0"/>
-              </a:defRPr>
-            </a:lvl2pPr>
-            <a:lvl3pPr algn="l" defTabSz="457200" rtl="0" eaLnBrk="1" fontAlgn="base" hangingPunct="1">
-              <a:spcBef>
-                <a:spcPct val="0"/>
-              </a:spcBef>
-              <a:spcAft>
-                <a:spcPct val="0"/>
-              </a:spcAft>
-              <a:defRPr sz="4400">
-                <a:solidFill>
-                  <a:srgbClr val="58595B"/>
-                </a:solidFill>
-                <a:latin typeface="Rockwell" panose="02060603020205020403" pitchFamily="18" charset="0"/>
-              </a:defRPr>
-            </a:lvl3pPr>
-            <a:lvl4pPr algn="l" defTabSz="457200" rtl="0" eaLnBrk="1" fontAlgn="base" hangingPunct="1">
-              <a:spcBef>
-                <a:spcPct val="0"/>
-              </a:spcBef>
-              <a:spcAft>
-                <a:spcPct val="0"/>
-              </a:spcAft>
-              <a:defRPr sz="4400">
-                <a:solidFill>
-                  <a:srgbClr val="58595B"/>
-                </a:solidFill>
-                <a:latin typeface="Rockwell" panose="02060603020205020403" pitchFamily="18" charset="0"/>
-              </a:defRPr>
-            </a:lvl4pPr>
-            <a:lvl5pPr algn="l" defTabSz="457200" rtl="0" eaLnBrk="1" fontAlgn="base" hangingPunct="1">
-              <a:spcBef>
-                <a:spcPct val="0"/>
-              </a:spcBef>
-              <a:spcAft>
-                <a:spcPct val="0"/>
-              </a:spcAft>
-              <a:defRPr sz="4400">
-                <a:solidFill>
-                  <a:srgbClr val="58595B"/>
-                </a:solidFill>
-                <a:latin typeface="Rockwell" panose="02060603020205020403" pitchFamily="18" charset="0"/>
-              </a:defRPr>
-            </a:lvl5pPr>
-            <a:lvl6pPr marL="457200" algn="l" defTabSz="457200" rtl="0" eaLnBrk="1" fontAlgn="base" hangingPunct="1">
-              <a:spcBef>
-                <a:spcPct val="0"/>
-              </a:spcBef>
-              <a:spcAft>
-                <a:spcPct val="0"/>
-              </a:spcAft>
-              <a:defRPr sz="4400">
-                <a:solidFill>
-                  <a:srgbClr val="58595B"/>
-                </a:solidFill>
-                <a:latin typeface="Rockwell" panose="02060603020205020403" pitchFamily="18" charset="0"/>
-              </a:defRPr>
-            </a:lvl6pPr>
-            <a:lvl7pPr marL="914400" algn="l" defTabSz="457200" rtl="0" eaLnBrk="1" fontAlgn="base" hangingPunct="1">
-              <a:spcBef>
-                <a:spcPct val="0"/>
-              </a:spcBef>
-              <a:spcAft>
-                <a:spcPct val="0"/>
-              </a:spcAft>
-              <a:defRPr sz="4400">
-                <a:solidFill>
-                  <a:srgbClr val="58595B"/>
-                </a:solidFill>
-                <a:latin typeface="Rockwell" panose="02060603020205020403" pitchFamily="18" charset="0"/>
-              </a:defRPr>
-            </a:lvl7pPr>
-            <a:lvl8pPr marL="1371600" algn="l" defTabSz="457200" rtl="0" eaLnBrk="1" fontAlgn="base" hangingPunct="1">
-              <a:spcBef>
-                <a:spcPct val="0"/>
-              </a:spcBef>
-              <a:spcAft>
-                <a:spcPct val="0"/>
-              </a:spcAft>
-              <a:defRPr sz="4400">
-                <a:solidFill>
-                  <a:srgbClr val="58595B"/>
-                </a:solidFill>
-                <a:latin typeface="Rockwell" panose="02060603020205020403" pitchFamily="18" charset="0"/>
-              </a:defRPr>
-            </a:lvl8pPr>
-            <a:lvl9pPr marL="1828800" algn="l" defTabSz="457200" rtl="0" eaLnBrk="1" fontAlgn="base" hangingPunct="1">
-              <a:spcBef>
-                <a:spcPct val="0"/>
-              </a:spcBef>
-              <a:spcAft>
-                <a:spcPct val="0"/>
-              </a:spcAft>
-              <a:defRPr sz="4400">
-                <a:solidFill>
-                  <a:srgbClr val="58595B"/>
-                </a:solidFill>
-                <a:latin typeface="Rockwell" panose="02060603020205020403" pitchFamily="18" charset="0"/>
-              </a:defRPr>
-            </a:lvl9pPr>
-          </a:lstStyle>
-          <a:p>
-            <a:pPr marL="0" marR="0" lvl="0" indent="0" algn="ctr" defTabSz="457200" rtl="0" eaLnBrk="1" fontAlgn="base" latinLnBrk="0" hangingPunct="1">
-              <a:lnSpc>
-                <a:spcPct val="100000"/>
-              </a:lnSpc>
-              <a:spcBef>
-                <a:spcPct val="0"/>
-              </a:spcBef>
-              <a:spcAft>
-                <a:spcPct val="0"/>
-              </a:spcAft>
-              <a:buClrTx/>
-              <a:buSzTx/>
-              <a:buFontTx/>
-              <a:buNone/>
-              <a:tabLst/>
-              <a:defRPr/>
-            </a:pPr>
-            <a:endParaRPr kumimoji="0" lang="en-GB" sz="3200" b="0" i="0" u="none" strike="noStrike" kern="1200" cap="none" spc="0" normalizeH="0" baseline="0" noProof="0" dirty="0">
-              <a:ln>
-                <a:noFill/>
-              </a:ln>
-              <a:solidFill>
-                <a:schemeClr val="bg1"/>
-              </a:solidFill>
-              <a:effectLst/>
-              <a:uLnTx/>
-              <a:uFillTx/>
-              <a:latin typeface="Rockwell"/>
-              <a:ea typeface="+mj-ea"/>
-              <a:cs typeface="+mj-cs"/>
-            </a:endParaRPr>
-          </a:p>
-        </p:txBody>
-      </p:sp>
-      <p:pic>
-        <p:nvPicPr>
-          <p:cNvPr id="1026" name="Picture 2" descr="Power In Prayer">
-            <a:extLst>
-              <a:ext uri="{FF2B5EF4-FFF2-40B4-BE49-F238E27FC236}">
-                <a16:creationId xmlns:a16="http://schemas.microsoft.com/office/drawing/2014/main" id="{E68731D5-3D98-6E1F-2D7C-85A40059D921}"/>
-              </a:ext>
-            </a:extLst>
-          </p:cNvPr>
-          <p:cNvPicPr>
-            <a:picLocks noChangeAspect="1" noChangeArrowheads="1"/>
-          </p:cNvPicPr>
-          <p:nvPr/>
-        </p:nvPicPr>
-        <p:blipFill>
-          <a:blip r:embed="rId3">
-            <a:extLst>
-              <a:ext uri="{28A0092B-C50C-407E-A947-70E740481C1C}">
-                <a14:useLocalDpi xmlns:a14="http://schemas.microsoft.com/office/drawing/2010/main" val="0"/>
-              </a:ext>
-            </a:extLst>
-          </a:blip>
-          <a:srcRect/>
-          <a:stretch>
-            <a:fillRect/>
-          </a:stretch>
-        </p:blipFill>
-        <p:spPr bwMode="auto">
-          <a:xfrm>
-            <a:off x="892902" y="980728"/>
-            <a:ext cx="7574611" cy="5040559"/>
-          </a:xfrm>
-          <a:prstGeom prst="rect">
-            <a:avLst/>
-          </a:prstGeom>
-          <a:noFill/>
-          <a:extLst>
-            <a:ext uri="{909E8E84-426E-40DD-AFC4-6F175D3DCCD1}">
-              <a14:hiddenFill xmlns:a14="http://schemas.microsoft.com/office/drawing/2010/main">
-                <a:solidFill>
-                  <a:srgbClr val="FFFFFF"/>
-                </a:solidFill>
-              </a14:hiddenFill>
-            </a:ext>
-          </a:extLst>
-        </p:spPr>
-      </p:pic>
+          <a:lstStyle/>
+          <a:p>
+            <a:r>
+              <a:rPr lang="en-GB" sz="2400" b="1" dirty="0">
+                <a:solidFill>
+                  <a:schemeClr val="bg1"/>
+                </a:solidFill>
+              </a:rPr>
+              <a:t>4/6</a:t>
+            </a:r>
+          </a:p>
+        </p:txBody>
+      </p:sp>
     </p:spTree>
     <p:extLst>
       <p:ext uri="{BB962C8B-B14F-4D97-AF65-F5344CB8AC3E}">
-        <p14:creationId xmlns:p14="http://schemas.microsoft.com/office/powerpoint/2010/main" val="2219425860"/>
+        <p14:creationId xmlns:p14="http://schemas.microsoft.com/office/powerpoint/2010/main" val="2394190690"/>
       </p:ext>
     </p:extLst>
   </p:cSld>
@@ -11632,7 +12716,7 @@
         </p:nvSpPr>
         <p:spPr>
           <a:xfrm>
-            <a:off x="323528" y="188640"/>
+            <a:off x="251520" y="692696"/>
             <a:ext cx="8640960" cy="6480720"/>
           </a:xfrm>
         </p:spPr>
@@ -11642,206 +12726,74 @@
           </a:bodyPr>
           <a:lstStyle/>
           <a:p>
-            <a:endParaRPr lang="en-GB" sz="5400" dirty="0">
-              <a:solidFill>
-                <a:schemeClr val="bg1"/>
-              </a:solidFill>
-            </a:endParaRPr>
-          </a:p>
-          <a:p>
-            <a:r>
-              <a:rPr lang="en-GB" sz="4400" b="0" i="0" dirty="0">
-                <a:solidFill>
-                  <a:srgbClr val="00A3E0"/>
-                </a:solidFill>
-                <a:effectLst/>
-                <a:latin typeface="akagi_probook"/>
-              </a:rPr>
-              <a:t>Holy Forever</a:t>
-            </a:r>
-          </a:p>
-          <a:p>
-            <a:br>
-              <a:rPr lang="en-GB" sz="1200" dirty="0">
-                <a:solidFill>
-                  <a:schemeClr val="bg1"/>
-                </a:solidFill>
-              </a:rPr>
-            </a:br>
-            <a:r>
-              <a:rPr lang="en-GB" sz="1200" dirty="0">
-                <a:solidFill>
-                  <a:schemeClr val="bg1"/>
-                </a:solidFill>
-              </a:rPr>
-              <a:t>CCLI Song # 7201044</a:t>
-            </a:r>
-          </a:p>
-          <a:p>
-            <a:endParaRPr lang="en-GB" sz="1200" dirty="0">
-              <a:solidFill>
-                <a:schemeClr val="bg1"/>
-              </a:solidFill>
-            </a:endParaRPr>
-          </a:p>
-          <a:p>
-            <a:r>
-              <a:rPr lang="en-GB" sz="1200" dirty="0">
-                <a:solidFill>
-                  <a:schemeClr val="bg1"/>
-                </a:solidFill>
-              </a:rPr>
-              <a:t>Brian Johnson | Chris Tomlin | Jason Ingram | Jenn Johnson | Phil Wickham</a:t>
-            </a:r>
-          </a:p>
-          <a:p>
-            <a:endParaRPr lang="en-GB" sz="1200" dirty="0">
-              <a:solidFill>
-                <a:schemeClr val="bg1"/>
-              </a:solidFill>
-            </a:endParaRPr>
-          </a:p>
-          <a:p>
-            <a:r>
-              <a:rPr lang="en-GB" sz="1200" dirty="0">
-                <a:solidFill>
-                  <a:schemeClr val="bg1"/>
-                </a:solidFill>
-              </a:rPr>
-              <a:t>© Phil Wickham Music (Admin. by / Small Stone Media BV, Holland (Admin. in the UK/Eire by Song Solutions www.songsolutions.org))</a:t>
-            </a:r>
-          </a:p>
-          <a:p>
-            <a:r>
-              <a:rPr lang="en-GB" sz="1200" dirty="0">
-                <a:solidFill>
-                  <a:schemeClr val="bg1"/>
-                </a:solidFill>
-              </a:rPr>
-              <a:t>Simply Global Songs (Admin. by / Small Stone Media BV, Holland (Admin. in the UK/Eire by Song Solutions www.songsolutions.org))</a:t>
-            </a:r>
-          </a:p>
-          <a:p>
-            <a:r>
-              <a:rPr lang="en-GB" sz="1200" dirty="0">
-                <a:solidFill>
-                  <a:schemeClr val="bg1"/>
-                </a:solidFill>
-              </a:rPr>
-              <a:t>Capitol CMG Paragon (Admin. by Capitol CMG Publishing)</a:t>
-            </a:r>
-          </a:p>
-          <a:p>
-            <a:r>
-              <a:rPr lang="en-GB" sz="1200" dirty="0">
-                <a:solidFill>
-                  <a:schemeClr val="bg1"/>
-                </a:solidFill>
-              </a:rPr>
-              <a:t>S. D. G. Publishing (Admin. by Capitol CMG Publishing)</a:t>
-            </a:r>
-          </a:p>
-          <a:p>
-            <a:r>
-              <a:rPr lang="en-GB" sz="1200" dirty="0">
-                <a:solidFill>
-                  <a:schemeClr val="bg1"/>
-                </a:solidFill>
-              </a:rPr>
-              <a:t>Be Essential Songs (Admin. by Essential Music Publishing LLC)</a:t>
-            </a:r>
-          </a:p>
-          <a:p>
-            <a:r>
-              <a:rPr lang="en-GB" sz="1200" dirty="0">
-                <a:solidFill>
-                  <a:schemeClr val="bg1"/>
-                </a:solidFill>
-              </a:rPr>
-              <a:t>My Magnolia Music (Admin. by Essential Music Publishing LLC)</a:t>
-            </a:r>
-          </a:p>
-          <a:p>
-            <a:r>
-              <a:rPr lang="en-GB" sz="1200" dirty="0">
-                <a:solidFill>
-                  <a:schemeClr val="bg1"/>
-                </a:solidFill>
-              </a:rPr>
-              <a:t>Bethel Music Publishing (Admin. by Song Solutions)</a:t>
-            </a:r>
-          </a:p>
-          <a:p>
-            <a:r>
-              <a:rPr lang="en-GB" sz="1200" dirty="0">
-                <a:solidFill>
-                  <a:schemeClr val="bg1"/>
-                </a:solidFill>
-              </a:rPr>
-              <a:t>Brian and Jenn Publishing (Admin. by Song Solutions)</a:t>
-            </a:r>
-          </a:p>
-          <a:p>
-            <a:r>
-              <a:rPr lang="en-GB" sz="1200" dirty="0">
-                <a:solidFill>
-                  <a:schemeClr val="bg1"/>
-                </a:solidFill>
-              </a:rPr>
-              <a:t>For use solely with the </a:t>
-            </a:r>
-            <a:r>
-              <a:rPr lang="en-GB" sz="1200" dirty="0" err="1">
-                <a:solidFill>
-                  <a:schemeClr val="bg1"/>
-                </a:solidFill>
-              </a:rPr>
-              <a:t>SongSelect</a:t>
-            </a:r>
-            <a:r>
-              <a:rPr lang="en-GB" sz="1200" dirty="0">
-                <a:solidFill>
-                  <a:schemeClr val="bg1"/>
-                </a:solidFill>
-              </a:rPr>
-              <a:t>® Terms of Use. All rights reserved. www.ccli.com</a:t>
-            </a:r>
-          </a:p>
-          <a:p>
-            <a:endParaRPr lang="en-GB" sz="1200" dirty="0">
-              <a:solidFill>
-                <a:schemeClr val="bg1"/>
-              </a:solidFill>
-            </a:endParaRPr>
-          </a:p>
-          <a:p>
-            <a:r>
-              <a:rPr lang="en-GB" sz="1200" dirty="0">
-                <a:solidFill>
-                  <a:schemeClr val="bg1"/>
-                </a:solidFill>
-              </a:rPr>
-              <a:t>CCLI Licence No. 33265</a:t>
-            </a:r>
-            <a:br>
-              <a:rPr lang="en-GB" sz="1200" dirty="0">
-                <a:solidFill>
-                  <a:schemeClr val="bg1"/>
-                </a:solidFill>
-              </a:rPr>
-            </a:br>
-            <a:endParaRPr lang="en-GB" sz="1200" dirty="0">
-              <a:solidFill>
-                <a:schemeClr val="bg1"/>
-              </a:solidFill>
-            </a:endParaRPr>
+            <a:r>
+              <a:rPr lang="en-GB" sz="4000" dirty="0">
+                <a:solidFill>
+                  <a:schemeClr val="bg1"/>
+                </a:solidFill>
+              </a:rPr>
+              <a:t>Our praise goes up</a:t>
+            </a:r>
+          </a:p>
+          <a:p>
+            <a:r>
+              <a:rPr lang="en-GB" sz="4000" dirty="0">
+                <a:solidFill>
+                  <a:schemeClr val="bg1"/>
+                </a:solidFill>
+              </a:rPr>
+              <a:t>Your rain comes down</a:t>
+            </a:r>
+          </a:p>
+          <a:p>
+            <a:r>
+              <a:rPr lang="en-GB" sz="4000" dirty="0">
+                <a:solidFill>
+                  <a:schemeClr val="bg1"/>
+                </a:solidFill>
+              </a:rPr>
+              <a:t>(REPEAT)</a:t>
+            </a:r>
+          </a:p>
+        </p:txBody>
+      </p:sp>
+      <p:sp>
+        <p:nvSpPr>
+          <p:cNvPr id="4" name="TextBox 3"/>
+          <p:cNvSpPr txBox="1"/>
+          <p:nvPr/>
+        </p:nvSpPr>
+        <p:spPr>
+          <a:xfrm>
+            <a:off x="8529729" y="0"/>
+            <a:ext cx="628698" cy="461665"/>
+          </a:xfrm>
+          <a:prstGeom prst="rect">
+            <a:avLst/>
+          </a:prstGeom>
+          <a:noFill/>
+        </p:spPr>
+        <p:txBody>
+          <a:bodyPr wrap="none" rtlCol="0">
+            <a:spAutoFit/>
+          </a:bodyPr>
+          <a:lstStyle/>
+          <a:p>
+            <a:r>
+              <a:rPr lang="en-GB" sz="2400" b="1" dirty="0">
+                <a:solidFill>
+                  <a:schemeClr val="bg1"/>
+                </a:solidFill>
+              </a:rPr>
+              <a:t>5/6</a:t>
+            </a:r>
           </a:p>
         </p:txBody>
       </p:sp>
     </p:spTree>
     <p:extLst>
       <p:ext uri="{BB962C8B-B14F-4D97-AF65-F5344CB8AC3E}">
-        <p14:creationId xmlns:p14="http://schemas.microsoft.com/office/powerpoint/2010/main" val="2940382954"/>
+        <p14:creationId xmlns:p14="http://schemas.microsoft.com/office/powerpoint/2010/main" val="2444121112"/>
       </p:ext>
     </p:extLst>
   </p:cSld>
@@ -11880,7 +12832,7 @@
         </p:nvSpPr>
         <p:spPr>
           <a:xfrm>
-            <a:off x="251520" y="764704"/>
+            <a:off x="251520" y="692696"/>
             <a:ext cx="8640960" cy="6480720"/>
           </a:xfrm>
         </p:spPr>
@@ -11891,52 +12843,32 @@
           <a:lstStyle/>
           <a:p>
             <a:r>
-              <a:rPr lang="en-GB" sz="3600" dirty="0">
-                <a:solidFill>
-                  <a:schemeClr val="bg1"/>
-                </a:solidFill>
-              </a:rPr>
-              <a:t>A thousand generations falling down in worship</a:t>
-            </a:r>
-          </a:p>
-          <a:p>
-            <a:r>
-              <a:rPr lang="en-GB" sz="3600" dirty="0">
-                <a:solidFill>
-                  <a:schemeClr val="bg1"/>
-                </a:solidFill>
-              </a:rPr>
-              <a:t>To sing the song of ages to the Lamb</a:t>
-            </a:r>
-          </a:p>
-          <a:p>
-            <a:r>
-              <a:rPr lang="en-GB" sz="3600" dirty="0">
-                <a:solidFill>
-                  <a:schemeClr val="bg1"/>
-                </a:solidFill>
-              </a:rPr>
-              <a:t>And all who've gone before us</a:t>
-            </a:r>
-          </a:p>
-          <a:p>
-            <a:r>
-              <a:rPr lang="en-GB" sz="3600" dirty="0">
-                <a:solidFill>
-                  <a:schemeClr val="bg1"/>
-                </a:solidFill>
-              </a:rPr>
-              <a:t>And all who will believe</a:t>
-            </a:r>
-          </a:p>
-          <a:p>
-            <a:r>
-              <a:rPr lang="en-GB" sz="3600" dirty="0">
-                <a:solidFill>
-                  <a:schemeClr val="bg1"/>
-                </a:solidFill>
-              </a:rPr>
-              <a:t>Will sing the song of ages to the Lamb</a:t>
+              <a:rPr lang="en-GB" sz="4000" dirty="0">
+                <a:solidFill>
+                  <a:schemeClr val="bg1"/>
+                </a:solidFill>
+              </a:rPr>
+              <a:t>With shouts of praise we celebrate</a:t>
+            </a:r>
+          </a:p>
+          <a:p>
+            <a:r>
+              <a:rPr lang="en-GB" sz="4000" dirty="0">
+                <a:solidFill>
+                  <a:schemeClr val="bg1"/>
+                </a:solidFill>
+              </a:rPr>
+              <a:t>King of glory enter in</a:t>
+            </a:r>
+          </a:p>
+          <a:p>
+            <a:r>
+              <a:rPr lang="en-GB" sz="4000" dirty="0">
+                <a:solidFill>
+                  <a:schemeClr val="bg1"/>
+                </a:solidFill>
+              </a:rPr>
+              <a:t>You are riding on our praise oh Lord</a:t>
             </a:r>
           </a:p>
         </p:txBody>
@@ -11949,8 +12881,8 @@
         </p:nvSpPr>
         <p:spPr>
           <a:xfrm>
-            <a:off x="8316416" y="0"/>
-            <a:ext cx="784189" cy="461665"/>
+            <a:off x="8529729" y="0"/>
+            <a:ext cx="628698" cy="461665"/>
           </a:xfrm>
           <a:prstGeom prst="rect">
             <a:avLst/>
@@ -11969,7 +12901,7 @@
                   <a:schemeClr val="bg1"/>
                 </a:solidFill>
               </a:rPr>
-              <a:t>1/10</a:t>
+              <a:t>6/6</a:t>
             </a:r>
           </a:p>
         </p:txBody>
@@ -11977,7 +12909,7 @@
     </p:spTree>
     <p:extLst>
       <p:ext uri="{BB962C8B-B14F-4D97-AF65-F5344CB8AC3E}">
-        <p14:creationId xmlns:p14="http://schemas.microsoft.com/office/powerpoint/2010/main" val="2175635830"/>
+        <p14:creationId xmlns:p14="http://schemas.microsoft.com/office/powerpoint/2010/main" val="2587189727"/>
       </p:ext>
     </p:extLst>
   </p:cSld>

--- a/docs/songs_2025-02-02.pptx
+++ b/docs/songs_2025-02-02.pptx
@@ -5,7 +5,7 @@
     <p:sldMasterId id="2147483648" r:id="rId1"/>
   </p:sldMasterIdLst>
   <p:notesMasterIdLst>
-    <p:notesMasterId r:id="rId46"/>
+    <p:notesMasterId r:id="rId48"/>
   </p:notesMasterIdLst>
   <p:sldIdLst>
     <p:sldId id="950" r:id="rId2"/>
@@ -45,13 +45,15 @@
     <p:sldId id="1244" r:id="rId36"/>
     <p:sldId id="1245" r:id="rId37"/>
     <p:sldId id="1246" r:id="rId38"/>
-    <p:sldId id="954" r:id="rId39"/>
-    <p:sldId id="1171" r:id="rId40"/>
-    <p:sldId id="1214" r:id="rId41"/>
-    <p:sldId id="1122" r:id="rId42"/>
-    <p:sldId id="1247" r:id="rId43"/>
-    <p:sldId id="1248" r:id="rId44"/>
-    <p:sldId id="946" r:id="rId45"/>
+    <p:sldId id="1258" r:id="rId39"/>
+    <p:sldId id="1257" r:id="rId40"/>
+    <p:sldId id="954" r:id="rId41"/>
+    <p:sldId id="1171" r:id="rId42"/>
+    <p:sldId id="1214" r:id="rId43"/>
+    <p:sldId id="1122" r:id="rId44"/>
+    <p:sldId id="1247" r:id="rId45"/>
+    <p:sldId id="1248" r:id="rId46"/>
+    <p:sldId id="946" r:id="rId47"/>
   </p:sldIdLst>
   <p:sldSz cx="9144000" cy="6858000" type="screen4x3"/>
   <p:notesSz cx="6858000" cy="9144000"/>
@@ -192,6 +194,8 @@
             <p14:sldId id="1244"/>
             <p14:sldId id="1245"/>
             <p14:sldId id="1246"/>
+            <p14:sldId id="1258"/>
+            <p14:sldId id="1257"/>
             <p14:sldId id="954"/>
             <p14:sldId id="1171"/>
             <p14:sldId id="1214"/>
@@ -303,7 +307,7 @@
           <a:p>
             <a:fld id="{C57EAEFC-A9C7-464E-BE3F-33D4DD72E122}" type="datetimeFigureOut">
               <a:rPr lang="en-GB" smtClean="0"/>
-              <a:t>27/01/2025</a:t>
+              <a:t>28/01/2025</a:t>
             </a:fld>
             <a:endParaRPr lang="en-GB"/>
           </a:p>
@@ -1104,7 +1108,7 @@
           <a:p>
             <a:fld id="{E79B61DE-1D46-4752-AF65-FA2C4EB0D1D0}" type="slidenum">
               <a:rPr lang="en-GB" smtClean="0"/>
-              <a:t>38</a:t>
+              <a:t>40</a:t>
             </a:fld>
             <a:endParaRPr lang="en-GB"/>
           </a:p>
@@ -1188,7 +1192,7 @@
           <a:p>
             <a:fld id="{E79B61DE-1D46-4752-AF65-FA2C4EB0D1D0}" type="slidenum">
               <a:rPr lang="en-GB" smtClean="0"/>
-              <a:t>40</a:t>
+              <a:t>42</a:t>
             </a:fld>
             <a:endParaRPr lang="en-GB"/>
           </a:p>
@@ -1272,7 +1276,7 @@
           <a:p>
             <a:fld id="{E79B61DE-1D46-4752-AF65-FA2C4EB0D1D0}" type="slidenum">
               <a:rPr lang="en-GB" smtClean="0"/>
-              <a:t>41</a:t>
+              <a:t>43</a:t>
             </a:fld>
             <a:endParaRPr lang="en-GB"/>
           </a:p>
@@ -1356,7 +1360,7 @@
           <a:p>
             <a:fld id="{E79B61DE-1D46-4752-AF65-FA2C4EB0D1D0}" type="slidenum">
               <a:rPr lang="en-GB" smtClean="0"/>
-              <a:t>44</a:t>
+              <a:t>46</a:t>
             </a:fld>
             <a:endParaRPr lang="en-GB"/>
           </a:p>
@@ -1555,7 +1559,7 @@
             <a:fld id="{26EA1CF3-4A15-4CBF-9A5A-6A56C368BE71}" type="datetimeFigureOut">
               <a:rPr lang="en-GB" smtClean="0"/>
               <a:pPr/>
-              <a:t>27/01/2025</a:t>
+              <a:t>28/01/2025</a:t>
             </a:fld>
             <a:endParaRPr lang="en-GB"/>
           </a:p>
@@ -1720,7 +1724,7 @@
             <a:fld id="{26EA1CF3-4A15-4CBF-9A5A-6A56C368BE71}" type="datetimeFigureOut">
               <a:rPr lang="en-GB" smtClean="0"/>
               <a:pPr/>
-              <a:t>27/01/2025</a:t>
+              <a:t>28/01/2025</a:t>
             </a:fld>
             <a:endParaRPr lang="en-GB"/>
           </a:p>
@@ -1895,7 +1899,7 @@
             <a:fld id="{26EA1CF3-4A15-4CBF-9A5A-6A56C368BE71}" type="datetimeFigureOut">
               <a:rPr lang="en-GB" smtClean="0"/>
               <a:pPr/>
-              <a:t>27/01/2025</a:t>
+              <a:t>28/01/2025</a:t>
             </a:fld>
             <a:endParaRPr lang="en-GB"/>
           </a:p>
@@ -2062,7 +2066,7 @@
             <a:fld id="{26EA1CF3-4A15-4CBF-9A5A-6A56C368BE71}" type="datetimeFigureOut">
               <a:rPr lang="en-GB" smtClean="0"/>
               <a:pPr/>
-              <a:t>27/01/2025</a:t>
+              <a:t>28/01/2025</a:t>
             </a:fld>
             <a:endParaRPr lang="en-GB"/>
           </a:p>
@@ -2304,7 +2308,7 @@
             <a:fld id="{26EA1CF3-4A15-4CBF-9A5A-6A56C368BE71}" type="datetimeFigureOut">
               <a:rPr lang="en-GB" smtClean="0"/>
               <a:pPr/>
-              <a:t>27/01/2025</a:t>
+              <a:t>28/01/2025</a:t>
             </a:fld>
             <a:endParaRPr lang="en-GB"/>
           </a:p>
@@ -2586,7 +2590,7 @@
             <a:fld id="{26EA1CF3-4A15-4CBF-9A5A-6A56C368BE71}" type="datetimeFigureOut">
               <a:rPr lang="en-GB" smtClean="0"/>
               <a:pPr/>
-              <a:t>27/01/2025</a:t>
+              <a:t>28/01/2025</a:t>
             </a:fld>
             <a:endParaRPr lang="en-GB"/>
           </a:p>
@@ -3002,7 +3006,7 @@
             <a:fld id="{26EA1CF3-4A15-4CBF-9A5A-6A56C368BE71}" type="datetimeFigureOut">
               <a:rPr lang="en-GB" smtClean="0"/>
               <a:pPr/>
-              <a:t>27/01/2025</a:t>
+              <a:t>28/01/2025</a:t>
             </a:fld>
             <a:endParaRPr lang="en-GB"/>
           </a:p>
@@ -3116,7 +3120,7 @@
             <a:fld id="{26EA1CF3-4A15-4CBF-9A5A-6A56C368BE71}" type="datetimeFigureOut">
               <a:rPr lang="en-GB" smtClean="0"/>
               <a:pPr/>
-              <a:t>27/01/2025</a:t>
+              <a:t>28/01/2025</a:t>
             </a:fld>
             <a:endParaRPr lang="en-GB"/>
           </a:p>
@@ -3208,7 +3212,7 @@
             <a:fld id="{26EA1CF3-4A15-4CBF-9A5A-6A56C368BE71}" type="datetimeFigureOut">
               <a:rPr lang="en-GB" smtClean="0"/>
               <a:pPr/>
-              <a:t>27/01/2025</a:t>
+              <a:t>28/01/2025</a:t>
             </a:fld>
             <a:endParaRPr lang="en-GB"/>
           </a:p>
@@ -3480,7 +3484,7 @@
             <a:fld id="{26EA1CF3-4A15-4CBF-9A5A-6A56C368BE71}" type="datetimeFigureOut">
               <a:rPr lang="en-GB" smtClean="0"/>
               <a:pPr/>
-              <a:t>27/01/2025</a:t>
+              <a:t>28/01/2025</a:t>
             </a:fld>
             <a:endParaRPr lang="en-GB"/>
           </a:p>
@@ -3732,7 +3736,7 @@
             <a:fld id="{26EA1CF3-4A15-4CBF-9A5A-6A56C368BE71}" type="datetimeFigureOut">
               <a:rPr lang="en-GB" smtClean="0"/>
               <a:pPr/>
-              <a:t>27/01/2025</a:t>
+              <a:t>28/01/2025</a:t>
             </a:fld>
             <a:endParaRPr lang="en-GB"/>
           </a:p>
@@ -3941,7 +3945,7 @@
             <a:fld id="{26EA1CF3-4A15-4CBF-9A5A-6A56C368BE71}" type="datetimeFigureOut">
               <a:rPr lang="en-GB" smtClean="0"/>
               <a:pPr/>
-              <a:t>27/01/2025</a:t>
+              <a:t>28/01/2025</a:t>
             </a:fld>
             <a:endParaRPr lang="en-GB"/>
           </a:p>
@@ -10708,6 +10712,490 @@
   <p:cSld>
     <p:spTree>
       <p:nvGrpSpPr>
+        <p:cNvPr id="1" name="">
+          <a:extLst>
+            <a:ext uri="{FF2B5EF4-FFF2-40B4-BE49-F238E27FC236}">
+              <a16:creationId xmlns:a16="http://schemas.microsoft.com/office/drawing/2014/main" id="{C2A4D6F4-E586-32D8-81E5-DD222EC395BC}"/>
+            </a:ext>
+          </a:extLst>
+        </p:cNvPr>
+        <p:cNvGrpSpPr/>
+        <p:nvPr/>
+      </p:nvGrpSpPr>
+      <p:grpSpPr>
+        <a:xfrm>
+          <a:off x="0" y="0"/>
+          <a:ext cx="0" cy="0"/>
+          <a:chOff x="0" y="0"/>
+          <a:chExt cx="0" cy="0"/>
+        </a:xfrm>
+      </p:grpSpPr>
+      <p:sp>
+        <p:nvSpPr>
+          <p:cNvPr id="3" name="Subtitle 2">
+            <a:extLst>
+              <a:ext uri="{FF2B5EF4-FFF2-40B4-BE49-F238E27FC236}">
+                <a16:creationId xmlns:a16="http://schemas.microsoft.com/office/drawing/2014/main" id="{EABAFD91-D620-2C50-B3C5-606A2B51A6B1}"/>
+              </a:ext>
+            </a:extLst>
+          </p:cNvPr>
+          <p:cNvSpPr>
+            <a:spLocks noGrp="1"/>
+          </p:cNvSpPr>
+          <p:nvPr>
+            <p:ph type="subTitle" idx="1"/>
+          </p:nvPr>
+        </p:nvSpPr>
+        <p:spPr>
+          <a:xfrm>
+            <a:off x="203118" y="764704"/>
+            <a:ext cx="8640960" cy="6480720"/>
+          </a:xfrm>
+        </p:spPr>
+        <p:txBody>
+          <a:bodyPr>
+            <a:noAutofit/>
+          </a:bodyPr>
+          <a:lstStyle/>
+          <a:p>
+            <a:r>
+              <a:rPr lang="en-GB" sz="3600" dirty="0">
+                <a:solidFill>
+                  <a:schemeClr val="bg1"/>
+                </a:solidFill>
+              </a:rPr>
+              <a:t>I’ll just be quiet</a:t>
+            </a:r>
+          </a:p>
+          <a:p>
+            <a:r>
+              <a:rPr lang="en-GB" sz="3600" dirty="0">
+                <a:solidFill>
+                  <a:schemeClr val="bg1"/>
+                </a:solidFill>
+              </a:rPr>
+              <a:t>And let you speak through the</a:t>
+            </a:r>
+          </a:p>
+          <a:p>
+            <a:r>
+              <a:rPr lang="en-GB" sz="3600" dirty="0">
+                <a:solidFill>
+                  <a:schemeClr val="bg1"/>
+                </a:solidFill>
+              </a:rPr>
+              <a:t>Silence</a:t>
+            </a:r>
+          </a:p>
+          <a:p>
+            <a:r>
+              <a:rPr lang="en-GB" sz="3600" dirty="0">
+                <a:solidFill>
+                  <a:schemeClr val="bg1"/>
+                </a:solidFill>
+              </a:rPr>
+              <a:t>Here I am</a:t>
+            </a:r>
+          </a:p>
+          <a:p>
+            <a:r>
+              <a:rPr lang="en-GB" sz="3600" dirty="0">
+                <a:solidFill>
+                  <a:schemeClr val="bg1"/>
+                </a:solidFill>
+              </a:rPr>
+              <a:t>No more hiding</a:t>
+            </a:r>
+          </a:p>
+          <a:p>
+            <a:r>
+              <a:rPr lang="en-GB" sz="3600" dirty="0">
+                <a:solidFill>
+                  <a:schemeClr val="bg1"/>
+                </a:solidFill>
+              </a:rPr>
+              <a:t>You are in this moment</a:t>
+            </a:r>
+          </a:p>
+          <a:p>
+            <a:r>
+              <a:rPr lang="en-GB" sz="3600" dirty="0">
+                <a:solidFill>
+                  <a:schemeClr val="bg1"/>
+                </a:solidFill>
+              </a:rPr>
+              <a:t>I won't fight it</a:t>
+            </a:r>
+          </a:p>
+          <a:p>
+            <a:r>
+              <a:rPr lang="en-GB" sz="3600" dirty="0">
+                <a:solidFill>
+                  <a:schemeClr val="bg1"/>
+                </a:solidFill>
+              </a:rPr>
+              <a:t>I’ll be quiet</a:t>
+            </a:r>
+          </a:p>
+        </p:txBody>
+      </p:sp>
+      <p:sp>
+        <p:nvSpPr>
+          <p:cNvPr id="4" name="TextBox 3">
+            <a:extLst>
+              <a:ext uri="{FF2B5EF4-FFF2-40B4-BE49-F238E27FC236}">
+                <a16:creationId xmlns:a16="http://schemas.microsoft.com/office/drawing/2014/main" id="{253F450E-3BFE-F25A-4BEB-AE68CCD254C1}"/>
+              </a:ext>
+            </a:extLst>
+          </p:cNvPr>
+          <p:cNvSpPr txBox="1"/>
+          <p:nvPr/>
+        </p:nvSpPr>
+        <p:spPr>
+          <a:xfrm>
+            <a:off x="8529729" y="0"/>
+            <a:ext cx="628698" cy="461665"/>
+          </a:xfrm>
+          <a:prstGeom prst="rect">
+            <a:avLst/>
+          </a:prstGeom>
+          <a:noFill/>
+        </p:spPr>
+        <p:txBody>
+          <a:bodyPr wrap="none" rtlCol="0">
+            <a:spAutoFit/>
+          </a:bodyPr>
+          <a:lstStyle/>
+          <a:p>
+            <a:r>
+              <a:rPr lang="en-GB" sz="2400" b="1" dirty="0">
+                <a:solidFill>
+                  <a:schemeClr val="bg1"/>
+                </a:solidFill>
+              </a:rPr>
+              <a:t>1/2</a:t>
+            </a:r>
+          </a:p>
+        </p:txBody>
+      </p:sp>
+    </p:spTree>
+    <p:extLst>
+      <p:ext uri="{BB962C8B-B14F-4D97-AF65-F5344CB8AC3E}">
+        <p14:creationId xmlns:p14="http://schemas.microsoft.com/office/powerpoint/2010/main" val="915881520"/>
+      </p:ext>
+    </p:extLst>
+  </p:cSld>
+  <p:clrMapOvr>
+    <a:masterClrMapping/>
+  </p:clrMapOvr>
+</p:sld>
+</file>
+
+<file path=ppt/slides/slide39.xml><?xml version="1.0" encoding="utf-8"?>
+<p:sld xmlns:a="http://schemas.openxmlformats.org/drawingml/2006/main" xmlns:r="http://schemas.openxmlformats.org/officeDocument/2006/relationships" xmlns:p="http://schemas.openxmlformats.org/presentationml/2006/main">
+  <p:cSld>
+    <p:spTree>
+      <p:nvGrpSpPr>
+        <p:cNvPr id="1" name="">
+          <a:extLst>
+            <a:ext uri="{FF2B5EF4-FFF2-40B4-BE49-F238E27FC236}">
+              <a16:creationId xmlns:a16="http://schemas.microsoft.com/office/drawing/2014/main" id="{A624ACD3-3F77-3F58-A0D7-6C1CB6762B24}"/>
+            </a:ext>
+          </a:extLst>
+        </p:cNvPr>
+        <p:cNvGrpSpPr/>
+        <p:nvPr/>
+      </p:nvGrpSpPr>
+      <p:grpSpPr>
+        <a:xfrm>
+          <a:off x="0" y="0"/>
+          <a:ext cx="0" cy="0"/>
+          <a:chOff x="0" y="0"/>
+          <a:chExt cx="0" cy="0"/>
+        </a:xfrm>
+      </p:grpSpPr>
+      <p:sp>
+        <p:nvSpPr>
+          <p:cNvPr id="3" name="Subtitle 2">
+            <a:extLst>
+              <a:ext uri="{FF2B5EF4-FFF2-40B4-BE49-F238E27FC236}">
+                <a16:creationId xmlns:a16="http://schemas.microsoft.com/office/drawing/2014/main" id="{5B0D00C3-7CAE-74E2-7E3A-3DC11B094464}"/>
+              </a:ext>
+            </a:extLst>
+          </p:cNvPr>
+          <p:cNvSpPr>
+            <a:spLocks noGrp="1"/>
+          </p:cNvSpPr>
+          <p:nvPr>
+            <p:ph type="subTitle" idx="1"/>
+          </p:nvPr>
+        </p:nvSpPr>
+        <p:spPr>
+          <a:xfrm>
+            <a:off x="203118" y="764704"/>
+            <a:ext cx="8640960" cy="6480720"/>
+          </a:xfrm>
+        </p:spPr>
+        <p:txBody>
+          <a:bodyPr>
+            <a:noAutofit/>
+          </a:bodyPr>
+          <a:lstStyle/>
+          <a:p>
+            <a:r>
+              <a:rPr lang="en-GB" sz="3600" dirty="0">
+                <a:solidFill>
+                  <a:schemeClr val="bg1"/>
+                </a:solidFill>
+              </a:rPr>
+              <a:t>Quiet</a:t>
+            </a:r>
+          </a:p>
+          <a:p>
+            <a:r>
+              <a:rPr lang="en-GB" sz="3600" dirty="0">
+                <a:solidFill>
+                  <a:schemeClr val="bg1"/>
+                </a:solidFill>
+              </a:rPr>
+              <a:t>God you’re here in the silence</a:t>
+            </a:r>
+          </a:p>
+          <a:p>
+            <a:r>
+              <a:rPr lang="en-GB" sz="3600" dirty="0">
+                <a:solidFill>
+                  <a:schemeClr val="bg1"/>
+                </a:solidFill>
+              </a:rPr>
+              <a:t>Here I am</a:t>
+            </a:r>
+          </a:p>
+          <a:p>
+            <a:r>
+              <a:rPr lang="en-GB" sz="3600" dirty="0">
+                <a:solidFill>
+                  <a:schemeClr val="bg1"/>
+                </a:solidFill>
+              </a:rPr>
+              <a:t>No more hiding</a:t>
+            </a:r>
+          </a:p>
+          <a:p>
+            <a:r>
+              <a:rPr lang="en-GB" sz="3600" dirty="0">
+                <a:solidFill>
+                  <a:schemeClr val="bg1"/>
+                </a:solidFill>
+              </a:rPr>
+              <a:t>You are in this moment</a:t>
+            </a:r>
+          </a:p>
+          <a:p>
+            <a:r>
+              <a:rPr lang="en-GB" sz="3600" dirty="0">
+                <a:solidFill>
+                  <a:schemeClr val="bg1"/>
+                </a:solidFill>
+              </a:rPr>
+              <a:t>I won't fight it</a:t>
+            </a:r>
+          </a:p>
+          <a:p>
+            <a:r>
+              <a:rPr lang="en-GB" sz="3600" dirty="0">
+                <a:solidFill>
+                  <a:schemeClr val="bg1"/>
+                </a:solidFill>
+              </a:rPr>
+              <a:t>I’ll be quiet</a:t>
+            </a:r>
+          </a:p>
+        </p:txBody>
+      </p:sp>
+      <p:sp>
+        <p:nvSpPr>
+          <p:cNvPr id="4" name="TextBox 3">
+            <a:extLst>
+              <a:ext uri="{FF2B5EF4-FFF2-40B4-BE49-F238E27FC236}">
+                <a16:creationId xmlns:a16="http://schemas.microsoft.com/office/drawing/2014/main" id="{AE29B9CA-4089-C904-306F-4C02FD40B34C}"/>
+              </a:ext>
+            </a:extLst>
+          </p:cNvPr>
+          <p:cNvSpPr txBox="1"/>
+          <p:nvPr/>
+        </p:nvSpPr>
+        <p:spPr>
+          <a:xfrm>
+            <a:off x="8529729" y="0"/>
+            <a:ext cx="628698" cy="461665"/>
+          </a:xfrm>
+          <a:prstGeom prst="rect">
+            <a:avLst/>
+          </a:prstGeom>
+          <a:noFill/>
+        </p:spPr>
+        <p:txBody>
+          <a:bodyPr wrap="none" rtlCol="0">
+            <a:spAutoFit/>
+          </a:bodyPr>
+          <a:lstStyle/>
+          <a:p>
+            <a:r>
+              <a:rPr lang="en-GB" sz="2400" b="1" dirty="0">
+                <a:solidFill>
+                  <a:schemeClr val="bg1"/>
+                </a:solidFill>
+              </a:rPr>
+              <a:t>2/2</a:t>
+            </a:r>
+          </a:p>
+        </p:txBody>
+      </p:sp>
+    </p:spTree>
+    <p:extLst>
+      <p:ext uri="{BB962C8B-B14F-4D97-AF65-F5344CB8AC3E}">
+        <p14:creationId xmlns:p14="http://schemas.microsoft.com/office/powerpoint/2010/main" val="3446681971"/>
+      </p:ext>
+    </p:extLst>
+  </p:cSld>
+  <p:clrMapOvr>
+    <a:masterClrMapping/>
+  </p:clrMapOvr>
+</p:sld>
+</file>
+
+<file path=ppt/slides/slide4.xml><?xml version="1.0" encoding="utf-8"?>
+<p:sld xmlns:a="http://schemas.openxmlformats.org/drawingml/2006/main" xmlns:r="http://schemas.openxmlformats.org/officeDocument/2006/relationships" xmlns:p="http://schemas.openxmlformats.org/presentationml/2006/main">
+  <p:cSld>
+    <p:spTree>
+      <p:nvGrpSpPr>
+        <p:cNvPr id="1" name=""/>
+        <p:cNvGrpSpPr/>
+        <p:nvPr/>
+      </p:nvGrpSpPr>
+      <p:grpSpPr>
+        <a:xfrm>
+          <a:off x="0" y="0"/>
+          <a:ext cx="0" cy="0"/>
+          <a:chOff x="0" y="0"/>
+          <a:chExt cx="0" cy="0"/>
+        </a:xfrm>
+      </p:grpSpPr>
+      <p:sp>
+        <p:nvSpPr>
+          <p:cNvPr id="3" name="Subtitle 2"/>
+          <p:cNvSpPr>
+            <a:spLocks noGrp="1"/>
+          </p:cNvSpPr>
+          <p:nvPr>
+            <p:ph type="subTitle" idx="1"/>
+          </p:nvPr>
+        </p:nvSpPr>
+        <p:spPr>
+          <a:xfrm>
+            <a:off x="323528" y="620688"/>
+            <a:ext cx="8640960" cy="6480720"/>
+          </a:xfrm>
+        </p:spPr>
+        <p:txBody>
+          <a:bodyPr>
+            <a:noAutofit/>
+          </a:bodyPr>
+          <a:lstStyle/>
+          <a:p>
+            <a:r>
+              <a:rPr lang="en-GB" sz="4000" dirty="0">
+                <a:solidFill>
+                  <a:schemeClr val="bg1"/>
+                </a:solidFill>
+              </a:rPr>
+              <a:t>You are here as we lift You up</a:t>
+            </a:r>
+          </a:p>
+          <a:p>
+            <a:r>
+              <a:rPr lang="en-GB" sz="4000" dirty="0">
+                <a:solidFill>
+                  <a:schemeClr val="bg1"/>
+                </a:solidFill>
+              </a:rPr>
+              <a:t>You are riding on our praise</a:t>
+            </a:r>
+          </a:p>
+          <a:p>
+            <a:r>
+              <a:rPr lang="en-GB" sz="4000" dirty="0">
+                <a:solidFill>
+                  <a:schemeClr val="bg1"/>
+                </a:solidFill>
+              </a:rPr>
+              <a:t>Be enthroned over everything</a:t>
+            </a:r>
+          </a:p>
+          <a:p>
+            <a:r>
+              <a:rPr lang="en-GB" sz="4000" dirty="0">
+                <a:solidFill>
+                  <a:schemeClr val="bg1"/>
+                </a:solidFill>
+              </a:rPr>
+              <a:t>You are seated in our praise</a:t>
+            </a:r>
+          </a:p>
+        </p:txBody>
+      </p:sp>
+      <p:sp>
+        <p:nvSpPr>
+          <p:cNvPr id="4" name="TextBox 3"/>
+          <p:cNvSpPr txBox="1"/>
+          <p:nvPr/>
+        </p:nvSpPr>
+        <p:spPr>
+          <a:xfrm>
+            <a:off x="8529729" y="0"/>
+            <a:ext cx="628698" cy="461665"/>
+          </a:xfrm>
+          <a:prstGeom prst="rect">
+            <a:avLst/>
+          </a:prstGeom>
+          <a:noFill/>
+        </p:spPr>
+        <p:txBody>
+          <a:bodyPr wrap="none" rtlCol="0">
+            <a:spAutoFit/>
+          </a:bodyPr>
+          <a:lstStyle/>
+          <a:p>
+            <a:r>
+              <a:rPr lang="en-GB" sz="2400" b="1" dirty="0">
+                <a:solidFill>
+                  <a:schemeClr val="bg1"/>
+                </a:solidFill>
+              </a:rPr>
+              <a:t>1/6</a:t>
+            </a:r>
+          </a:p>
+        </p:txBody>
+      </p:sp>
+    </p:spTree>
+    <p:extLst>
+      <p:ext uri="{BB962C8B-B14F-4D97-AF65-F5344CB8AC3E}">
+        <p14:creationId xmlns:p14="http://schemas.microsoft.com/office/powerpoint/2010/main" val="1666691722"/>
+      </p:ext>
+    </p:extLst>
+  </p:cSld>
+  <p:clrMapOvr>
+    <a:masterClrMapping/>
+  </p:clrMapOvr>
+</p:sld>
+</file>
+
+<file path=ppt/slides/slide40.xml><?xml version="1.0" encoding="utf-8"?>
+<p:sld xmlns:a="http://schemas.openxmlformats.org/drawingml/2006/main" xmlns:r="http://schemas.openxmlformats.org/officeDocument/2006/relationships" xmlns:p="http://schemas.openxmlformats.org/presentationml/2006/main">
+  <p:cSld>
+    <p:spTree>
+      <p:nvGrpSpPr>
         <p:cNvPr id="1" name=""/>
         <p:cNvGrpSpPr/>
         <p:nvPr/>
@@ -11216,7 +11704,7 @@
 </p:sld>
 </file>
 
-<file path=ppt/slides/slide39.xml><?xml version="1.0" encoding="utf-8"?>
+<file path=ppt/slides/slide41.xml><?xml version="1.0" encoding="utf-8"?>
 <p:sld xmlns:a="http://schemas.openxmlformats.org/drawingml/2006/main" xmlns:r="http://schemas.openxmlformats.org/officeDocument/2006/relationships" xmlns:p="http://schemas.openxmlformats.org/presentationml/2006/main">
   <p:cSld>
     <p:spTree>
@@ -11276,133 +11764,7 @@
 </p:sld>
 </file>
 
-<file path=ppt/slides/slide4.xml><?xml version="1.0" encoding="utf-8"?>
-<p:sld xmlns:a="http://schemas.openxmlformats.org/drawingml/2006/main" xmlns:r="http://schemas.openxmlformats.org/officeDocument/2006/relationships" xmlns:p="http://schemas.openxmlformats.org/presentationml/2006/main">
-  <p:cSld>
-    <p:spTree>
-      <p:nvGrpSpPr>
-        <p:cNvPr id="1" name=""/>
-        <p:cNvGrpSpPr/>
-        <p:nvPr/>
-      </p:nvGrpSpPr>
-      <p:grpSpPr>
-        <a:xfrm>
-          <a:off x="0" y="0"/>
-          <a:ext cx="0" cy="0"/>
-          <a:chOff x="0" y="0"/>
-          <a:chExt cx="0" cy="0"/>
-        </a:xfrm>
-      </p:grpSpPr>
-      <p:sp>
-        <p:nvSpPr>
-          <p:cNvPr id="3" name="Subtitle 2"/>
-          <p:cNvSpPr>
-            <a:spLocks noGrp="1"/>
-          </p:cNvSpPr>
-          <p:nvPr>
-            <p:ph type="subTitle" idx="1"/>
-          </p:nvPr>
-        </p:nvSpPr>
-        <p:spPr>
-          <a:xfrm>
-            <a:off x="323528" y="620688"/>
-            <a:ext cx="8640960" cy="6480720"/>
-          </a:xfrm>
-        </p:spPr>
-        <p:txBody>
-          <a:bodyPr>
-            <a:noAutofit/>
-          </a:bodyPr>
-          <a:lstStyle/>
-          <a:p>
-            <a:r>
-              <a:rPr lang="en-GB" sz="4000" dirty="0">
-                <a:solidFill>
-                  <a:schemeClr val="bg1"/>
-                </a:solidFill>
-              </a:rPr>
-              <a:t>You are here as we lift You up</a:t>
-            </a:r>
-          </a:p>
-          <a:p>
-            <a:r>
-              <a:rPr lang="en-GB" sz="4000" dirty="0">
-                <a:solidFill>
-                  <a:schemeClr val="bg1"/>
-                </a:solidFill>
-              </a:rPr>
-              <a:t>You are riding on our praise</a:t>
-            </a:r>
-          </a:p>
-          <a:p>
-            <a:r>
-              <a:rPr lang="en-GB" sz="4000" dirty="0">
-                <a:solidFill>
-                  <a:schemeClr val="bg1"/>
-                </a:solidFill>
-              </a:rPr>
-              <a:t>Be enthroned over everything</a:t>
-            </a:r>
-          </a:p>
-          <a:p>
-            <a:r>
-              <a:rPr lang="en-GB" sz="4000" dirty="0">
-                <a:solidFill>
-                  <a:schemeClr val="bg1"/>
-                </a:solidFill>
-              </a:rPr>
-              <a:t>You are seated in our praise</a:t>
-            </a:r>
-          </a:p>
-        </p:txBody>
-      </p:sp>
-      <p:sp>
-        <p:nvSpPr>
-          <p:cNvPr id="4" name="TextBox 3"/>
-          <p:cNvSpPr txBox="1"/>
-          <p:nvPr/>
-        </p:nvSpPr>
-        <p:spPr>
-          <a:xfrm>
-            <a:off x="8529729" y="0"/>
-            <a:ext cx="628698" cy="461665"/>
-          </a:xfrm>
-          <a:prstGeom prst="rect">
-            <a:avLst/>
-          </a:prstGeom>
-          <a:noFill/>
-        </p:spPr>
-        <p:txBody>
-          <a:bodyPr wrap="none" rtlCol="0">
-            <a:spAutoFit/>
-          </a:bodyPr>
-          <a:lstStyle/>
-          <a:p>
-            <a:r>
-              <a:rPr lang="en-GB" sz="2400" b="1" dirty="0">
-                <a:solidFill>
-                  <a:schemeClr val="bg1"/>
-                </a:solidFill>
-              </a:rPr>
-              <a:t>1/6</a:t>
-            </a:r>
-          </a:p>
-        </p:txBody>
-      </p:sp>
-    </p:spTree>
-    <p:extLst>
-      <p:ext uri="{BB962C8B-B14F-4D97-AF65-F5344CB8AC3E}">
-        <p14:creationId xmlns:p14="http://schemas.microsoft.com/office/powerpoint/2010/main" val="1666691722"/>
-      </p:ext>
-    </p:extLst>
-  </p:cSld>
-  <p:clrMapOvr>
-    <a:masterClrMapping/>
-  </p:clrMapOvr>
-</p:sld>
-</file>
-
-<file path=ppt/slides/slide40.xml><?xml version="1.0" encoding="utf-8"?>
+<file path=ppt/slides/slide42.xml><?xml version="1.0" encoding="utf-8"?>
 <p:sld xmlns:a="http://schemas.openxmlformats.org/drawingml/2006/main" xmlns:r="http://schemas.openxmlformats.org/officeDocument/2006/relationships" xmlns:p="http://schemas.openxmlformats.org/presentationml/2006/main">
   <p:cSld>
     <p:spTree>
@@ -11462,7 +11824,7 @@
 </p:sld>
 </file>
 
-<file path=ppt/slides/slide41.xml><?xml version="1.0" encoding="utf-8"?>
+<file path=ppt/slides/slide43.xml><?xml version="1.0" encoding="utf-8"?>
 <p:sld xmlns:a="http://schemas.openxmlformats.org/drawingml/2006/main" xmlns:r="http://schemas.openxmlformats.org/officeDocument/2006/relationships" xmlns:p="http://schemas.openxmlformats.org/presentationml/2006/main">
   <p:cSld>
     <p:spTree>
@@ -11530,7 +11892,7 @@
 </p:sld>
 </file>
 
-<file path=ppt/slides/slide42.xml><?xml version="1.0" encoding="utf-8"?>
+<file path=ppt/slides/slide44.xml><?xml version="1.0" encoding="utf-8"?>
 <p:sld xmlns:a="http://schemas.openxmlformats.org/drawingml/2006/main" xmlns:r="http://schemas.openxmlformats.org/officeDocument/2006/relationships" xmlns:p="http://schemas.openxmlformats.org/presentationml/2006/main">
   <p:cSld>
     <p:spTree>
@@ -11674,7 +12036,7 @@
 </p:sld>
 </file>
 
-<file path=ppt/slides/slide43.xml><?xml version="1.0" encoding="utf-8"?>
+<file path=ppt/slides/slide45.xml><?xml version="1.0" encoding="utf-8"?>
 <p:sld xmlns:a="http://schemas.openxmlformats.org/drawingml/2006/main" xmlns:r="http://schemas.openxmlformats.org/officeDocument/2006/relationships" xmlns:p="http://schemas.openxmlformats.org/presentationml/2006/main">
   <p:cSld>
     <p:spTree>
@@ -11818,7 +12180,7 @@
 </p:sld>
 </file>
 
-<file path=ppt/slides/slide44.xml><?xml version="1.0" encoding="utf-8"?>
+<file path=ppt/slides/slide46.xml><?xml version="1.0" encoding="utf-8"?>
 <p:sld xmlns:a="http://schemas.openxmlformats.org/drawingml/2006/main" xmlns:r="http://schemas.openxmlformats.org/officeDocument/2006/relationships" xmlns:p="http://schemas.openxmlformats.org/presentationml/2006/main">
   <p:cSld>
     <p:spTree>
